--- a/_book/plot/pro-survey-q7-pie-1.pptx
+++ b/_book/plot/pro-survey-q7-pie-1.pptx
@@ -3158,146 +3158,146 @@
           <p:spPr>
             <a:xfrm>
               <a:off x="4977906" y="1973107"/>
-              <a:ext cx="967712" cy="1808317"/>
+              <a:ext cx="940901" cy="1808317"/>
             </a:xfrm>
             <a:custGeom>
               <a:avLst/>
               <a:pathLst>
-                <a:path w="967712" h="1808317">
+                <a:path w="940901" h="1808317">
                   <a:moveTo>
                     <a:pt x="0" y="1808317"/>
                   </a:moveTo>
                   <a:lnTo>
-                    <a:pt x="33369" y="1755641"/>
-                  </a:lnTo>
-                  <a:lnTo>
-                    <a:pt x="66738" y="1702966"/>
-                  </a:lnTo>
-                  <a:lnTo>
-                    <a:pt x="100108" y="1650290"/>
-                  </a:lnTo>
-                  <a:lnTo>
-                    <a:pt x="133477" y="1597614"/>
-                  </a:lnTo>
-                  <a:lnTo>
-                    <a:pt x="166847" y="1544939"/>
-                  </a:lnTo>
-                  <a:lnTo>
-                    <a:pt x="200216" y="1492263"/>
-                  </a:lnTo>
-                  <a:lnTo>
-                    <a:pt x="233585" y="1439587"/>
-                  </a:lnTo>
-                  <a:lnTo>
-                    <a:pt x="266955" y="1386912"/>
-                  </a:lnTo>
-                  <a:lnTo>
-                    <a:pt x="300324" y="1334236"/>
-                  </a:lnTo>
-                  <a:lnTo>
-                    <a:pt x="333694" y="1281560"/>
-                  </a:lnTo>
-                  <a:lnTo>
-                    <a:pt x="367063" y="1228885"/>
-                  </a:lnTo>
-                  <a:lnTo>
-                    <a:pt x="400432" y="1176209"/>
-                  </a:lnTo>
-                  <a:lnTo>
-                    <a:pt x="433802" y="1123533"/>
-                  </a:lnTo>
-                  <a:lnTo>
-                    <a:pt x="467171" y="1070858"/>
-                  </a:lnTo>
-                  <a:lnTo>
-                    <a:pt x="500541" y="1018182"/>
-                  </a:lnTo>
-                  <a:lnTo>
-                    <a:pt x="533910" y="965506"/>
-                  </a:lnTo>
-                  <a:lnTo>
-                    <a:pt x="567280" y="912831"/>
-                  </a:lnTo>
-                  <a:lnTo>
-                    <a:pt x="600649" y="860155"/>
-                  </a:lnTo>
-                  <a:lnTo>
-                    <a:pt x="634018" y="807479"/>
-                  </a:lnTo>
-                  <a:lnTo>
-                    <a:pt x="667388" y="754804"/>
-                  </a:lnTo>
-                  <a:lnTo>
-                    <a:pt x="700757" y="702128"/>
-                  </a:lnTo>
-                  <a:lnTo>
-                    <a:pt x="734127" y="649452"/>
-                  </a:lnTo>
-                  <a:lnTo>
-                    <a:pt x="767496" y="596777"/>
-                  </a:lnTo>
-                  <a:lnTo>
-                    <a:pt x="800865" y="544101"/>
-                  </a:lnTo>
-                  <a:lnTo>
-                    <a:pt x="834235" y="491426"/>
-                  </a:lnTo>
-                  <a:lnTo>
-                    <a:pt x="867604" y="438750"/>
-                  </a:lnTo>
-                  <a:lnTo>
-                    <a:pt x="900974" y="386074"/>
-                  </a:lnTo>
-                  <a:lnTo>
-                    <a:pt x="934343" y="333399"/>
-                  </a:lnTo>
-                  <a:lnTo>
-                    <a:pt x="967712" y="280723"/>
-                  </a:lnTo>
-                  <a:lnTo>
-                    <a:pt x="913208" y="247528"/>
-                  </a:lnTo>
-                  <a:lnTo>
-                    <a:pt x="857567" y="216277"/>
-                  </a:lnTo>
-                  <a:lnTo>
-                    <a:pt x="800858" y="187009"/>
-                  </a:lnTo>
-                  <a:lnTo>
-                    <a:pt x="743151" y="159761"/>
-                  </a:lnTo>
-                  <a:lnTo>
-                    <a:pt x="684518" y="134565"/>
-                  </a:lnTo>
-                  <a:lnTo>
-                    <a:pt x="625034" y="111454"/>
-                  </a:lnTo>
-                  <a:lnTo>
-                    <a:pt x="564770" y="90456"/>
-                  </a:lnTo>
-                  <a:lnTo>
-                    <a:pt x="503804" y="71598"/>
-                  </a:lnTo>
-                  <a:lnTo>
-                    <a:pt x="442209" y="54902"/>
-                  </a:lnTo>
-                  <a:lnTo>
-                    <a:pt x="380064" y="40391"/>
-                  </a:lnTo>
-                  <a:lnTo>
-                    <a:pt x="317446" y="28081"/>
-                  </a:lnTo>
-                  <a:lnTo>
-                    <a:pt x="254433" y="17989"/>
-                  </a:lnTo>
-                  <a:lnTo>
-                    <a:pt x="191102" y="10126"/>
-                  </a:lnTo>
-                  <a:lnTo>
-                    <a:pt x="127534" y="4502"/>
-                  </a:lnTo>
-                  <a:lnTo>
-                    <a:pt x="63806" y="1126"/>
+                    <a:pt x="32444" y="1755067"/>
+                  </a:lnTo>
+                  <a:lnTo>
+                    <a:pt x="64889" y="1701817"/>
+                  </a:lnTo>
+                  <a:lnTo>
+                    <a:pt x="97334" y="1648567"/>
+                  </a:lnTo>
+                  <a:lnTo>
+                    <a:pt x="129779" y="1595317"/>
+                  </a:lnTo>
+                  <a:lnTo>
+                    <a:pt x="162224" y="1542066"/>
+                  </a:lnTo>
+                  <a:lnTo>
+                    <a:pt x="194669" y="1488816"/>
+                  </a:lnTo>
+                  <a:lnTo>
+                    <a:pt x="227114" y="1435566"/>
+                  </a:lnTo>
+                  <a:lnTo>
+                    <a:pt x="259558" y="1382316"/>
+                  </a:lnTo>
+                  <a:lnTo>
+                    <a:pt x="292003" y="1329066"/>
+                  </a:lnTo>
+                  <a:lnTo>
+                    <a:pt x="324448" y="1275816"/>
+                  </a:lnTo>
+                  <a:lnTo>
+                    <a:pt x="356893" y="1222566"/>
+                  </a:lnTo>
+                  <a:lnTo>
+                    <a:pt x="389338" y="1169316"/>
+                  </a:lnTo>
+                  <a:lnTo>
+                    <a:pt x="421783" y="1116066"/>
+                  </a:lnTo>
+                  <a:lnTo>
+                    <a:pt x="454228" y="1062816"/>
+                  </a:lnTo>
+                  <a:lnTo>
+                    <a:pt x="486672" y="1009565"/>
+                  </a:lnTo>
+                  <a:lnTo>
+                    <a:pt x="519117" y="956315"/>
+                  </a:lnTo>
+                  <a:lnTo>
+                    <a:pt x="551562" y="903065"/>
+                  </a:lnTo>
+                  <a:lnTo>
+                    <a:pt x="584007" y="849815"/>
+                  </a:lnTo>
+                  <a:lnTo>
+                    <a:pt x="616452" y="796565"/>
+                  </a:lnTo>
+                  <a:lnTo>
+                    <a:pt x="648897" y="743315"/>
+                  </a:lnTo>
+                  <a:lnTo>
+                    <a:pt x="681342" y="690065"/>
+                  </a:lnTo>
+                  <a:lnTo>
+                    <a:pt x="713787" y="636815"/>
+                  </a:lnTo>
+                  <a:lnTo>
+                    <a:pt x="746231" y="583565"/>
+                  </a:lnTo>
+                  <a:lnTo>
+                    <a:pt x="778676" y="530315"/>
+                  </a:lnTo>
+                  <a:lnTo>
+                    <a:pt x="811121" y="477064"/>
+                  </a:lnTo>
+                  <a:lnTo>
+                    <a:pt x="843566" y="423814"/>
+                  </a:lnTo>
+                  <a:lnTo>
+                    <a:pt x="876011" y="370564"/>
+                  </a:lnTo>
+                  <a:lnTo>
+                    <a:pt x="908456" y="317314"/>
+                  </a:lnTo>
+                  <a:lnTo>
+                    <a:pt x="940901" y="264064"/>
+                  </a:lnTo>
+                  <a:lnTo>
+                    <a:pt x="887545" y="232793"/>
+                  </a:lnTo>
+                  <a:lnTo>
+                    <a:pt x="833151" y="203365"/>
+                  </a:lnTo>
+                  <a:lnTo>
+                    <a:pt x="777783" y="175814"/>
+                  </a:lnTo>
+                  <a:lnTo>
+                    <a:pt x="721505" y="150173"/>
+                  </a:lnTo>
+                  <a:lnTo>
+                    <a:pt x="664383" y="126471"/>
+                  </a:lnTo>
+                  <a:lnTo>
+                    <a:pt x="606484" y="104736"/>
+                  </a:lnTo>
+                  <a:lnTo>
+                    <a:pt x="547876" y="84993"/>
+                  </a:lnTo>
+                  <a:lnTo>
+                    <a:pt x="488626" y="67267"/>
+                  </a:lnTo>
+                  <a:lnTo>
+                    <a:pt x="428806" y="51576"/>
+                  </a:lnTo>
+                  <a:lnTo>
+                    <a:pt x="368483" y="37941"/>
+                  </a:lnTo>
+                  <a:lnTo>
+                    <a:pt x="307730" y="26376"/>
+                  </a:lnTo>
+                  <a:lnTo>
+                    <a:pt x="246617" y="16895"/>
+                  </a:lnTo>
+                  <a:lnTo>
+                    <a:pt x="185216" y="9510"/>
+                  </a:lnTo>
+                  <a:lnTo>
+                    <a:pt x="123597" y="4228"/>
+                  </a:lnTo>
+                  <a:lnTo>
+                    <a:pt x="61835" y="1057"/>
                   </a:lnTo>
                   <a:lnTo>
                     <a:pt x="0" y="0"/>
@@ -3419,270 +3419,279 @@
           </p:nvSpPr>
           <p:spPr>
             <a:xfrm>
-              <a:off x="4977906" y="2253830"/>
-              <a:ext cx="1807550" cy="1527594"/>
+              <a:off x="4977906" y="2237172"/>
+              <a:ext cx="1808226" cy="1624702"/>
             </a:xfrm>
             <a:custGeom>
               <a:avLst/>
               <a:pathLst>
-                <a:path w="1807550" h="1527594">
+                <a:path w="1808226" h="1624702">
                   <a:moveTo>
-                    <a:pt x="0" y="1527594"/>
+                    <a:pt x="0" y="1544252"/>
                   </a:moveTo>
                   <a:lnTo>
-                    <a:pt x="62329" y="1525777"/>
-                  </a:lnTo>
-                  <a:lnTo>
-                    <a:pt x="124658" y="1523961"/>
-                  </a:lnTo>
-                  <a:lnTo>
-                    <a:pt x="186987" y="1522145"/>
-                  </a:lnTo>
-                  <a:lnTo>
-                    <a:pt x="249317" y="1520329"/>
-                  </a:lnTo>
-                  <a:lnTo>
-                    <a:pt x="311646" y="1518513"/>
-                  </a:lnTo>
-                  <a:lnTo>
-                    <a:pt x="373975" y="1516696"/>
-                  </a:lnTo>
-                  <a:lnTo>
-                    <a:pt x="436305" y="1514880"/>
-                  </a:lnTo>
-                  <a:lnTo>
-                    <a:pt x="498634" y="1513064"/>
-                  </a:lnTo>
-                  <a:lnTo>
-                    <a:pt x="560963" y="1511248"/>
-                  </a:lnTo>
-                  <a:lnTo>
-                    <a:pt x="623293" y="1509432"/>
-                  </a:lnTo>
-                  <a:lnTo>
-                    <a:pt x="685622" y="1507615"/>
-                  </a:lnTo>
-                  <a:lnTo>
-                    <a:pt x="747951" y="1505799"/>
-                  </a:lnTo>
-                  <a:lnTo>
-                    <a:pt x="810281" y="1503983"/>
-                  </a:lnTo>
-                  <a:lnTo>
-                    <a:pt x="872610" y="1502167"/>
-                  </a:lnTo>
-                  <a:lnTo>
-                    <a:pt x="934939" y="1500351"/>
-                  </a:lnTo>
-                  <a:lnTo>
-                    <a:pt x="997269" y="1498535"/>
-                  </a:lnTo>
-                  <a:lnTo>
-                    <a:pt x="1059598" y="1496718"/>
-                  </a:lnTo>
-                  <a:lnTo>
-                    <a:pt x="1121927" y="1494902"/>
-                  </a:lnTo>
-                  <a:lnTo>
-                    <a:pt x="1184257" y="1493086"/>
-                  </a:lnTo>
-                  <a:lnTo>
-                    <a:pt x="1246586" y="1491270"/>
-                  </a:lnTo>
-                  <a:lnTo>
-                    <a:pt x="1308915" y="1489454"/>
-                  </a:lnTo>
-                  <a:lnTo>
-                    <a:pt x="1371245" y="1487637"/>
-                  </a:lnTo>
-                  <a:lnTo>
-                    <a:pt x="1433574" y="1485821"/>
-                  </a:lnTo>
-                  <a:lnTo>
-                    <a:pt x="1495903" y="1484005"/>
-                  </a:lnTo>
-                  <a:lnTo>
-                    <a:pt x="1558232" y="1482189"/>
-                  </a:lnTo>
-                  <a:lnTo>
-                    <a:pt x="1620562" y="1480373"/>
-                  </a:lnTo>
-                  <a:lnTo>
-                    <a:pt x="1682891" y="1478557"/>
-                  </a:lnTo>
-                  <a:lnTo>
-                    <a:pt x="1745220" y="1476740"/>
-                  </a:lnTo>
-                  <a:lnTo>
-                    <a:pt x="1807550" y="1474924"/>
-                  </a:lnTo>
-                  <a:lnTo>
-                    <a:pt x="1804612" y="1411899"/>
-                  </a:lnTo>
-                  <a:lnTo>
-                    <a:pt x="1799478" y="1349015"/>
-                  </a:lnTo>
-                  <a:lnTo>
-                    <a:pt x="1792153" y="1286349"/>
-                  </a:lnTo>
-                  <a:lnTo>
-                    <a:pt x="1782646" y="1223976"/>
-                  </a:lnTo>
-                  <a:lnTo>
-                    <a:pt x="1770969" y="1161972"/>
-                  </a:lnTo>
-                  <a:lnTo>
-                    <a:pt x="1757136" y="1100414"/>
-                  </a:lnTo>
-                  <a:lnTo>
-                    <a:pt x="1741165" y="1039376"/>
-                  </a:lnTo>
-                  <a:lnTo>
-                    <a:pt x="1723073" y="978932"/>
-                  </a:lnTo>
-                  <a:lnTo>
-                    <a:pt x="1702884" y="919156"/>
-                  </a:lnTo>
-                  <a:lnTo>
-                    <a:pt x="1680622" y="860121"/>
-                  </a:lnTo>
-                  <a:lnTo>
-                    <a:pt x="1656314" y="801898"/>
-                  </a:lnTo>
-                  <a:lnTo>
-                    <a:pt x="1629990" y="744559"/>
-                  </a:lnTo>
-                  <a:lnTo>
-                    <a:pt x="1601681" y="688173"/>
-                  </a:lnTo>
-                  <a:lnTo>
-                    <a:pt x="1571423" y="632809"/>
-                  </a:lnTo>
-                  <a:lnTo>
-                    <a:pt x="1539252" y="578534"/>
-                  </a:lnTo>
-                  <a:lnTo>
-                    <a:pt x="1505207" y="525414"/>
-                  </a:lnTo>
-                  <a:lnTo>
-                    <a:pt x="1469329" y="473515"/>
-                  </a:lnTo>
-                  <a:lnTo>
-                    <a:pt x="1431663" y="422898"/>
-                  </a:lnTo>
-                  <a:lnTo>
-                    <a:pt x="1392254" y="373627"/>
-                  </a:lnTo>
-                  <a:lnTo>
-                    <a:pt x="1351150" y="325760"/>
-                  </a:lnTo>
-                  <a:lnTo>
-                    <a:pt x="1308401" y="279356"/>
-                  </a:lnTo>
-                  <a:lnTo>
-                    <a:pt x="1264060" y="234472"/>
-                  </a:lnTo>
-                  <a:lnTo>
-                    <a:pt x="1218180" y="191162"/>
-                  </a:lnTo>
-                  <a:lnTo>
-                    <a:pt x="1170816" y="149479"/>
-                  </a:lnTo>
-                  <a:lnTo>
-                    <a:pt x="1122028" y="109473"/>
-                  </a:lnTo>
-                  <a:lnTo>
-                    <a:pt x="1071873" y="71194"/>
-                  </a:lnTo>
-                  <a:lnTo>
-                    <a:pt x="1020414" y="34688"/>
-                  </a:lnTo>
-                  <a:lnTo>
-                    <a:pt x="967712" y="0"/>
-                  </a:lnTo>
-                  <a:lnTo>
-                    <a:pt x="934343" y="52675"/>
-                  </a:lnTo>
-                  <a:lnTo>
-                    <a:pt x="900974" y="105351"/>
-                  </a:lnTo>
-                  <a:lnTo>
-                    <a:pt x="867604" y="158026"/>
-                  </a:lnTo>
-                  <a:lnTo>
-                    <a:pt x="834235" y="210702"/>
-                  </a:lnTo>
-                  <a:lnTo>
-                    <a:pt x="800865" y="263378"/>
-                  </a:lnTo>
-                  <a:lnTo>
-                    <a:pt x="767496" y="316053"/>
-                  </a:lnTo>
-                  <a:lnTo>
-                    <a:pt x="734127" y="368729"/>
-                  </a:lnTo>
-                  <a:lnTo>
-                    <a:pt x="700757" y="421405"/>
-                  </a:lnTo>
-                  <a:lnTo>
-                    <a:pt x="667388" y="474080"/>
-                  </a:lnTo>
-                  <a:lnTo>
-                    <a:pt x="634018" y="526756"/>
-                  </a:lnTo>
-                  <a:lnTo>
-                    <a:pt x="600649" y="579432"/>
-                  </a:lnTo>
-                  <a:lnTo>
-                    <a:pt x="567280" y="632107"/>
-                  </a:lnTo>
-                  <a:lnTo>
-                    <a:pt x="533910" y="684783"/>
-                  </a:lnTo>
-                  <a:lnTo>
-                    <a:pt x="500541" y="737459"/>
-                  </a:lnTo>
-                  <a:lnTo>
-                    <a:pt x="467171" y="790134"/>
-                  </a:lnTo>
-                  <a:lnTo>
-                    <a:pt x="433802" y="842810"/>
-                  </a:lnTo>
-                  <a:lnTo>
-                    <a:pt x="400432" y="895486"/>
-                  </a:lnTo>
-                  <a:lnTo>
-                    <a:pt x="367063" y="948161"/>
-                  </a:lnTo>
-                  <a:lnTo>
-                    <a:pt x="333694" y="1000837"/>
-                  </a:lnTo>
-                  <a:lnTo>
-                    <a:pt x="300324" y="1053513"/>
-                  </a:lnTo>
-                  <a:lnTo>
-                    <a:pt x="266955" y="1106188"/>
-                  </a:lnTo>
-                  <a:lnTo>
-                    <a:pt x="233585" y="1158864"/>
-                  </a:lnTo>
-                  <a:lnTo>
-                    <a:pt x="200216" y="1211540"/>
-                  </a:lnTo>
-                  <a:lnTo>
-                    <a:pt x="166847" y="1264215"/>
-                  </a:lnTo>
-                  <a:lnTo>
-                    <a:pt x="133477" y="1316891"/>
-                  </a:lnTo>
-                  <a:lnTo>
-                    <a:pt x="100108" y="1369567"/>
-                  </a:lnTo>
-                  <a:lnTo>
-                    <a:pt x="66738" y="1422242"/>
-                  </a:lnTo>
-                  <a:lnTo>
-                    <a:pt x="33369" y="1474918"/>
+                    <a:pt x="62294" y="1547027"/>
+                  </a:lnTo>
+                  <a:lnTo>
+                    <a:pt x="124588" y="1549801"/>
+                  </a:lnTo>
+                  <a:lnTo>
+                    <a:pt x="186882" y="1552575"/>
+                  </a:lnTo>
+                  <a:lnTo>
+                    <a:pt x="249176" y="1555349"/>
+                  </a:lnTo>
+                  <a:lnTo>
+                    <a:pt x="311470" y="1558123"/>
+                  </a:lnTo>
+                  <a:lnTo>
+                    <a:pt x="373764" y="1560897"/>
+                  </a:lnTo>
+                  <a:lnTo>
+                    <a:pt x="436058" y="1563671"/>
+                  </a:lnTo>
+                  <a:lnTo>
+                    <a:pt x="498352" y="1566445"/>
+                  </a:lnTo>
+                  <a:lnTo>
+                    <a:pt x="560646" y="1569219"/>
+                  </a:lnTo>
+                  <a:lnTo>
+                    <a:pt x="622940" y="1571994"/>
+                  </a:lnTo>
+                  <a:lnTo>
+                    <a:pt x="685234" y="1574768"/>
+                  </a:lnTo>
+                  <a:lnTo>
+                    <a:pt x="747528" y="1577542"/>
+                  </a:lnTo>
+                  <a:lnTo>
+                    <a:pt x="809822" y="1580316"/>
+                  </a:lnTo>
+                  <a:lnTo>
+                    <a:pt x="872116" y="1583090"/>
+                  </a:lnTo>
+                  <a:lnTo>
+                    <a:pt x="934410" y="1585864"/>
+                  </a:lnTo>
+                  <a:lnTo>
+                    <a:pt x="996704" y="1588638"/>
+                  </a:lnTo>
+                  <a:lnTo>
+                    <a:pt x="1058998" y="1591412"/>
+                  </a:lnTo>
+                  <a:lnTo>
+                    <a:pt x="1121292" y="1594186"/>
+                  </a:lnTo>
+                  <a:lnTo>
+                    <a:pt x="1183586" y="1596961"/>
+                  </a:lnTo>
+                  <a:lnTo>
+                    <a:pt x="1245880" y="1599735"/>
+                  </a:lnTo>
+                  <a:lnTo>
+                    <a:pt x="1308174" y="1602509"/>
+                  </a:lnTo>
+                  <a:lnTo>
+                    <a:pt x="1370468" y="1605283"/>
+                  </a:lnTo>
+                  <a:lnTo>
+                    <a:pt x="1432762" y="1608057"/>
+                  </a:lnTo>
+                  <a:lnTo>
+                    <a:pt x="1495056" y="1610831"/>
+                  </a:lnTo>
+                  <a:lnTo>
+                    <a:pt x="1557350" y="1613605"/>
+                  </a:lnTo>
+                  <a:lnTo>
+                    <a:pt x="1619644" y="1616379"/>
+                  </a:lnTo>
+                  <a:lnTo>
+                    <a:pt x="1681938" y="1619153"/>
+                  </a:lnTo>
+                  <a:lnTo>
+                    <a:pt x="1744232" y="1621928"/>
+                  </a:lnTo>
+                  <a:lnTo>
+                    <a:pt x="1806527" y="1624702"/>
+                  </a:lnTo>
+                  <a:lnTo>
+                    <a:pt x="1808226" y="1562424"/>
+                  </a:lnTo>
+                  <a:lnTo>
+                    <a:pt x="1807778" y="1500125"/>
+                  </a:lnTo>
+                  <a:lnTo>
+                    <a:pt x="1805185" y="1437878"/>
+                  </a:lnTo>
+                  <a:lnTo>
+                    <a:pt x="1800450" y="1375758"/>
+                  </a:lnTo>
+                  <a:lnTo>
+                    <a:pt x="1793577" y="1313837"/>
+                  </a:lnTo>
+                  <a:lnTo>
+                    <a:pt x="1784576" y="1252190"/>
+                  </a:lnTo>
+                  <a:lnTo>
+                    <a:pt x="1773456" y="1190890"/>
+                  </a:lnTo>
+                  <a:lnTo>
+                    <a:pt x="1760231" y="1130009"/>
+                  </a:lnTo>
+                  <a:lnTo>
+                    <a:pt x="1744917" y="1069619"/>
+                  </a:lnTo>
+                  <a:lnTo>
+                    <a:pt x="1727531" y="1009794"/>
+                  </a:lnTo>
+                  <a:lnTo>
+                    <a:pt x="1708095" y="950602"/>
+                  </a:lnTo>
+                  <a:lnTo>
+                    <a:pt x="1686632" y="892115"/>
+                  </a:lnTo>
+                  <a:lnTo>
+                    <a:pt x="1663167" y="834402"/>
+                  </a:lnTo>
+                  <a:lnTo>
+                    <a:pt x="1637727" y="777532"/>
+                  </a:lnTo>
+                  <a:lnTo>
+                    <a:pt x="1610344" y="721572"/>
+                  </a:lnTo>
+                  <a:lnTo>
+                    <a:pt x="1581049" y="666588"/>
+                  </a:lnTo>
+                  <a:lnTo>
+                    <a:pt x="1549878" y="612646"/>
+                  </a:lnTo>
+                  <a:lnTo>
+                    <a:pt x="1516867" y="559810"/>
+                  </a:lnTo>
+                  <a:lnTo>
+                    <a:pt x="1482055" y="508143"/>
+                  </a:lnTo>
+                  <a:lnTo>
+                    <a:pt x="1445484" y="457705"/>
+                  </a:lnTo>
+                  <a:lnTo>
+                    <a:pt x="1407198" y="408557"/>
+                  </a:lnTo>
+                  <a:lnTo>
+                    <a:pt x="1367241" y="360757"/>
+                  </a:lnTo>
+                  <a:lnTo>
+                    <a:pt x="1325662" y="314361"/>
+                  </a:lnTo>
+                  <a:lnTo>
+                    <a:pt x="1282509" y="269426"/>
+                  </a:lnTo>
+                  <a:lnTo>
+                    <a:pt x="1237833" y="226004"/>
+                  </a:lnTo>
+                  <a:lnTo>
+                    <a:pt x="1191688" y="184146"/>
+                  </a:lnTo>
+                  <a:lnTo>
+                    <a:pt x="1144129" y="143903"/>
+                  </a:lnTo>
+                  <a:lnTo>
+                    <a:pt x="1095212" y="105322"/>
+                  </a:lnTo>
+                  <a:lnTo>
+                    <a:pt x="1044995" y="68449"/>
+                  </a:lnTo>
+                  <a:lnTo>
+                    <a:pt x="993537" y="33327"/>
+                  </a:lnTo>
+                  <a:lnTo>
+                    <a:pt x="940901" y="0"/>
+                  </a:lnTo>
+                  <a:lnTo>
+                    <a:pt x="908456" y="53250"/>
+                  </a:lnTo>
+                  <a:lnTo>
+                    <a:pt x="876011" y="106500"/>
+                  </a:lnTo>
+                  <a:lnTo>
+                    <a:pt x="843566" y="159750"/>
+                  </a:lnTo>
+                  <a:lnTo>
+                    <a:pt x="811121" y="213000"/>
+                  </a:lnTo>
+                  <a:lnTo>
+                    <a:pt x="778676" y="266250"/>
+                  </a:lnTo>
+                  <a:lnTo>
+                    <a:pt x="746231" y="319500"/>
+                  </a:lnTo>
+                  <a:lnTo>
+                    <a:pt x="713787" y="372750"/>
+                  </a:lnTo>
+                  <a:lnTo>
+                    <a:pt x="681342" y="426000"/>
+                  </a:lnTo>
+                  <a:lnTo>
+                    <a:pt x="648897" y="479250"/>
+                  </a:lnTo>
+                  <a:lnTo>
+                    <a:pt x="616452" y="532501"/>
+                  </a:lnTo>
+                  <a:lnTo>
+                    <a:pt x="584007" y="585751"/>
+                  </a:lnTo>
+                  <a:lnTo>
+                    <a:pt x="551562" y="639001"/>
+                  </a:lnTo>
+                  <a:lnTo>
+                    <a:pt x="519117" y="692251"/>
+                  </a:lnTo>
+                  <a:lnTo>
+                    <a:pt x="486672" y="745501"/>
+                  </a:lnTo>
+                  <a:lnTo>
+                    <a:pt x="454228" y="798751"/>
+                  </a:lnTo>
+                  <a:lnTo>
+                    <a:pt x="421783" y="852001"/>
+                  </a:lnTo>
+                  <a:lnTo>
+                    <a:pt x="389338" y="905251"/>
+                  </a:lnTo>
+                  <a:lnTo>
+                    <a:pt x="356893" y="958501"/>
+                  </a:lnTo>
+                  <a:lnTo>
+                    <a:pt x="324448" y="1011751"/>
+                  </a:lnTo>
+                  <a:lnTo>
+                    <a:pt x="292003" y="1065002"/>
+                  </a:lnTo>
+                  <a:lnTo>
+                    <a:pt x="259558" y="1118252"/>
+                  </a:lnTo>
+                  <a:lnTo>
+                    <a:pt x="227114" y="1171502"/>
+                  </a:lnTo>
+                  <a:lnTo>
+                    <a:pt x="194669" y="1224752"/>
+                  </a:lnTo>
+                  <a:lnTo>
+                    <a:pt x="162224" y="1278002"/>
+                  </a:lnTo>
+                  <a:lnTo>
+                    <a:pt x="129779" y="1331252"/>
+                  </a:lnTo>
+                  <a:lnTo>
+                    <a:pt x="97334" y="1384502"/>
+                  </a:lnTo>
+                  <a:lnTo>
+                    <a:pt x="64889" y="1437752"/>
+                  </a:lnTo>
+                  <a:lnTo>
+                    <a:pt x="32444" y="1491002"/>
                   </a:lnTo>
                   <a:close/>
                 </a:path>
@@ -3717,312 +3726,303 @@
           </p:nvSpPr>
           <p:spPr>
             <a:xfrm>
-              <a:off x="4977906" y="3728755"/>
-              <a:ext cx="1808294" cy="1836183"/>
+              <a:off x="4977906" y="3781425"/>
+              <a:ext cx="1806527" cy="1776487"/>
             </a:xfrm>
             <a:custGeom>
               <a:avLst/>
               <a:pathLst>
-                <a:path w="1808294" h="1836183">
+                <a:path w="1806527" h="1776487">
                   <a:moveTo>
-                    <a:pt x="0" y="52669"/>
+                    <a:pt x="0" y="0"/>
                   </a:moveTo>
                   <a:lnTo>
-                    <a:pt x="10292" y="114169"/>
-                  </a:lnTo>
-                  <a:lnTo>
-                    <a:pt x="20584" y="175670"/>
-                  </a:lnTo>
-                  <a:lnTo>
-                    <a:pt x="30877" y="237170"/>
-                  </a:lnTo>
-                  <a:lnTo>
-                    <a:pt x="41169" y="298671"/>
-                  </a:lnTo>
-                  <a:lnTo>
-                    <a:pt x="51462" y="360171"/>
-                  </a:lnTo>
-                  <a:lnTo>
-                    <a:pt x="61754" y="421672"/>
-                  </a:lnTo>
-                  <a:lnTo>
-                    <a:pt x="72047" y="483172"/>
-                  </a:lnTo>
-                  <a:lnTo>
-                    <a:pt x="82339" y="544673"/>
-                  </a:lnTo>
-                  <a:lnTo>
-                    <a:pt x="92631" y="606173"/>
-                  </a:lnTo>
-                  <a:lnTo>
-                    <a:pt x="102924" y="667674"/>
-                  </a:lnTo>
-                  <a:lnTo>
-                    <a:pt x="113216" y="729174"/>
-                  </a:lnTo>
-                  <a:lnTo>
-                    <a:pt x="123509" y="790675"/>
-                  </a:lnTo>
-                  <a:lnTo>
-                    <a:pt x="133801" y="852175"/>
-                  </a:lnTo>
-                  <a:lnTo>
-                    <a:pt x="144094" y="913676"/>
-                  </a:lnTo>
-                  <a:lnTo>
-                    <a:pt x="154386" y="975176"/>
-                  </a:lnTo>
-                  <a:lnTo>
-                    <a:pt x="164678" y="1036676"/>
-                  </a:lnTo>
-                  <a:lnTo>
-                    <a:pt x="174971" y="1098177"/>
-                  </a:lnTo>
-                  <a:lnTo>
-                    <a:pt x="185263" y="1159677"/>
-                  </a:lnTo>
-                  <a:lnTo>
-                    <a:pt x="195556" y="1221178"/>
-                  </a:lnTo>
-                  <a:lnTo>
-                    <a:pt x="205848" y="1282678"/>
-                  </a:lnTo>
-                  <a:lnTo>
-                    <a:pt x="216141" y="1344179"/>
-                  </a:lnTo>
-                  <a:lnTo>
-                    <a:pt x="226433" y="1405679"/>
-                  </a:lnTo>
-                  <a:lnTo>
-                    <a:pt x="236726" y="1467180"/>
-                  </a:lnTo>
-                  <a:lnTo>
-                    <a:pt x="247018" y="1528680"/>
-                  </a:lnTo>
-                  <a:lnTo>
-                    <a:pt x="257310" y="1590181"/>
-                  </a:lnTo>
-                  <a:lnTo>
-                    <a:pt x="267603" y="1651681"/>
-                  </a:lnTo>
-                  <a:lnTo>
-                    <a:pt x="277895" y="1713182"/>
-                  </a:lnTo>
-                  <a:lnTo>
-                    <a:pt x="288188" y="1774682"/>
-                  </a:lnTo>
-                  <a:lnTo>
-                    <a:pt x="298480" y="1836183"/>
-                  </a:lnTo>
-                  <a:lnTo>
-                    <a:pt x="359193" y="1824953"/>
-                  </a:lnTo>
-                  <a:lnTo>
-                    <a:pt x="419487" y="1811658"/>
-                  </a:lnTo>
-                  <a:lnTo>
-                    <a:pt x="479293" y="1796312"/>
-                  </a:lnTo>
-                  <a:lnTo>
-                    <a:pt x="538539" y="1778933"/>
-                  </a:lnTo>
-                  <a:lnTo>
-                    <a:pt x="597158" y="1759541"/>
-                  </a:lnTo>
-                  <a:lnTo>
-                    <a:pt x="655080" y="1738160"/>
-                  </a:lnTo>
-                  <a:lnTo>
-                    <a:pt x="712239" y="1714814"/>
-                  </a:lnTo>
-                  <a:lnTo>
-                    <a:pt x="768568" y="1689530"/>
-                  </a:lnTo>
-                  <a:lnTo>
-                    <a:pt x="824000" y="1662338"/>
-                  </a:lnTo>
-                  <a:lnTo>
-                    <a:pt x="878472" y="1633269"/>
-                  </a:lnTo>
-                  <a:lnTo>
-                    <a:pt x="931920" y="1602358"/>
-                  </a:lnTo>
-                  <a:lnTo>
-                    <a:pt x="984281" y="1569640"/>
-                  </a:lnTo>
-                  <a:lnTo>
-                    <a:pt x="1035495" y="1535154"/>
-                  </a:lnTo>
-                  <a:lnTo>
-                    <a:pt x="1085501" y="1498939"/>
-                  </a:lnTo>
-                  <a:lnTo>
-                    <a:pt x="1134243" y="1461038"/>
-                  </a:lnTo>
-                  <a:lnTo>
-                    <a:pt x="1181661" y="1421496"/>
-                  </a:lnTo>
-                  <a:lnTo>
-                    <a:pt x="1227703" y="1380357"/>
-                  </a:lnTo>
-                  <a:lnTo>
-                    <a:pt x="1272313" y="1337671"/>
-                  </a:lnTo>
-                  <a:lnTo>
-                    <a:pt x="1315440" y="1293487"/>
-                  </a:lnTo>
-                  <a:lnTo>
-                    <a:pt x="1357033" y="1247856"/>
-                  </a:lnTo>
-                  <a:lnTo>
-                    <a:pt x="1397044" y="1200832"/>
-                  </a:lnTo>
-                  <a:lnTo>
-                    <a:pt x="1435427" y="1152469"/>
-                  </a:lnTo>
-                  <a:lnTo>
-                    <a:pt x="1472136" y="1102824"/>
-                  </a:lnTo>
-                  <a:lnTo>
-                    <a:pt x="1507129" y="1051955"/>
-                  </a:lnTo>
-                  <a:lnTo>
-                    <a:pt x="1540365" y="999921"/>
-                  </a:lnTo>
-                  <a:lnTo>
-                    <a:pt x="1571805" y="946783"/>
-                  </a:lnTo>
-                  <a:lnTo>
-                    <a:pt x="1601413" y="892602"/>
-                  </a:lnTo>
-                  <a:lnTo>
-                    <a:pt x="1629153" y="837442"/>
-                  </a:lnTo>
-                  <a:lnTo>
-                    <a:pt x="1654995" y="781367"/>
-                  </a:lnTo>
-                  <a:lnTo>
-                    <a:pt x="1678907" y="724443"/>
-                  </a:lnTo>
-                  <a:lnTo>
-                    <a:pt x="1700862" y="666736"/>
-                  </a:lnTo>
-                  <a:lnTo>
-                    <a:pt x="1720834" y="608312"/>
-                  </a:lnTo>
-                  <a:lnTo>
-                    <a:pt x="1738800" y="549241"/>
-                  </a:lnTo>
-                  <a:lnTo>
-                    <a:pt x="1754739" y="489591"/>
-                  </a:lnTo>
-                  <a:lnTo>
-                    <a:pt x="1768632" y="429432"/>
-                  </a:lnTo>
-                  <a:lnTo>
-                    <a:pt x="1780463" y="368833"/>
-                  </a:lnTo>
-                  <a:lnTo>
-                    <a:pt x="1790219" y="307866"/>
-                  </a:lnTo>
-                  <a:lnTo>
-                    <a:pt x="1797888" y="246601"/>
-                  </a:lnTo>
-                  <a:lnTo>
-                    <a:pt x="1803460" y="185111"/>
-                  </a:lnTo>
-                  <a:lnTo>
-                    <a:pt x="1806931" y="123465"/>
-                  </a:lnTo>
-                  <a:lnTo>
-                    <a:pt x="1808294" y="61738"/>
-                  </a:lnTo>
-                  <a:lnTo>
-                    <a:pt x="1807550" y="0"/>
-                  </a:lnTo>
-                  <a:lnTo>
-                    <a:pt x="1745220" y="1816"/>
-                  </a:lnTo>
-                  <a:lnTo>
-                    <a:pt x="1682891" y="3632"/>
-                  </a:lnTo>
-                  <a:lnTo>
-                    <a:pt x="1620562" y="5448"/>
-                  </a:lnTo>
-                  <a:lnTo>
-                    <a:pt x="1558232" y="7264"/>
-                  </a:lnTo>
-                  <a:lnTo>
-                    <a:pt x="1495903" y="9080"/>
-                  </a:lnTo>
-                  <a:lnTo>
-                    <a:pt x="1433574" y="10897"/>
-                  </a:lnTo>
-                  <a:lnTo>
-                    <a:pt x="1371245" y="12713"/>
-                  </a:lnTo>
-                  <a:lnTo>
-                    <a:pt x="1308915" y="14529"/>
-                  </a:lnTo>
-                  <a:lnTo>
-                    <a:pt x="1246586" y="16345"/>
-                  </a:lnTo>
-                  <a:lnTo>
-                    <a:pt x="1184257" y="18161"/>
-                  </a:lnTo>
-                  <a:lnTo>
-                    <a:pt x="1121927" y="19978"/>
-                  </a:lnTo>
-                  <a:lnTo>
-                    <a:pt x="1059598" y="21794"/>
-                  </a:lnTo>
-                  <a:lnTo>
-                    <a:pt x="997269" y="23610"/>
-                  </a:lnTo>
-                  <a:lnTo>
-                    <a:pt x="934939" y="25426"/>
-                  </a:lnTo>
-                  <a:lnTo>
-                    <a:pt x="872610" y="27242"/>
-                  </a:lnTo>
-                  <a:lnTo>
-                    <a:pt x="810281" y="29058"/>
-                  </a:lnTo>
-                  <a:lnTo>
-                    <a:pt x="747951" y="30875"/>
-                  </a:lnTo>
-                  <a:lnTo>
-                    <a:pt x="685622" y="32691"/>
-                  </a:lnTo>
-                  <a:lnTo>
-                    <a:pt x="623293" y="34507"/>
-                  </a:lnTo>
-                  <a:lnTo>
-                    <a:pt x="560963" y="36323"/>
-                  </a:lnTo>
-                  <a:lnTo>
-                    <a:pt x="498634" y="38139"/>
-                  </a:lnTo>
-                  <a:lnTo>
-                    <a:pt x="436305" y="39956"/>
-                  </a:lnTo>
-                  <a:lnTo>
-                    <a:pt x="373975" y="41772"/>
-                  </a:lnTo>
-                  <a:lnTo>
-                    <a:pt x="311646" y="43588"/>
-                  </a:lnTo>
-                  <a:lnTo>
-                    <a:pt x="249317" y="45404"/>
-                  </a:lnTo>
-                  <a:lnTo>
-                    <a:pt x="186987" y="47220"/>
-                  </a:lnTo>
-                  <a:lnTo>
-                    <a:pt x="124658" y="49037"/>
-                  </a:lnTo>
-                  <a:lnTo>
-                    <a:pt x="62329" y="50853"/>
+                    <a:pt x="11647" y="61258"/>
+                  </a:lnTo>
+                  <a:lnTo>
+                    <a:pt x="23295" y="122516"/>
+                  </a:lnTo>
+                  <a:lnTo>
+                    <a:pt x="34943" y="183774"/>
+                  </a:lnTo>
+                  <a:lnTo>
+                    <a:pt x="46591" y="245032"/>
+                  </a:lnTo>
+                  <a:lnTo>
+                    <a:pt x="58239" y="306291"/>
+                  </a:lnTo>
+                  <a:lnTo>
+                    <a:pt x="69887" y="367549"/>
+                  </a:lnTo>
+                  <a:lnTo>
+                    <a:pt x="81535" y="428807"/>
+                  </a:lnTo>
+                  <a:lnTo>
+                    <a:pt x="93183" y="490065"/>
+                  </a:lnTo>
+                  <a:lnTo>
+                    <a:pt x="104831" y="551323"/>
+                  </a:lnTo>
+                  <a:lnTo>
+                    <a:pt x="116479" y="612582"/>
+                  </a:lnTo>
+                  <a:lnTo>
+                    <a:pt x="128127" y="673840"/>
+                  </a:lnTo>
+                  <a:lnTo>
+                    <a:pt x="139775" y="735098"/>
+                  </a:lnTo>
+                  <a:lnTo>
+                    <a:pt x="151423" y="796356"/>
+                  </a:lnTo>
+                  <a:lnTo>
+                    <a:pt x="163071" y="857614"/>
+                  </a:lnTo>
+                  <a:lnTo>
+                    <a:pt x="174719" y="918873"/>
+                  </a:lnTo>
+                  <a:lnTo>
+                    <a:pt x="186367" y="980131"/>
+                  </a:lnTo>
+                  <a:lnTo>
+                    <a:pt x="198015" y="1041389"/>
+                  </a:lnTo>
+                  <a:lnTo>
+                    <a:pt x="209663" y="1102647"/>
+                  </a:lnTo>
+                  <a:lnTo>
+                    <a:pt x="221311" y="1163905"/>
+                  </a:lnTo>
+                  <a:lnTo>
+                    <a:pt x="232959" y="1225164"/>
+                  </a:lnTo>
+                  <a:lnTo>
+                    <a:pt x="244607" y="1286422"/>
+                  </a:lnTo>
+                  <a:lnTo>
+                    <a:pt x="256255" y="1347680"/>
+                  </a:lnTo>
+                  <a:lnTo>
+                    <a:pt x="267903" y="1408938"/>
+                  </a:lnTo>
+                  <a:lnTo>
+                    <a:pt x="279551" y="1470196"/>
+                  </a:lnTo>
+                  <a:lnTo>
+                    <a:pt x="291198" y="1531455"/>
+                  </a:lnTo>
+                  <a:lnTo>
+                    <a:pt x="302846" y="1592713"/>
+                  </a:lnTo>
+                  <a:lnTo>
+                    <a:pt x="314494" y="1653971"/>
+                  </a:lnTo>
+                  <a:lnTo>
+                    <a:pt x="326142" y="1715229"/>
+                  </a:lnTo>
+                  <a:lnTo>
+                    <a:pt x="337790" y="1776487"/>
+                  </a:lnTo>
+                  <a:lnTo>
+                    <a:pt x="398544" y="1763851"/>
+                  </a:lnTo>
+                  <a:lnTo>
+                    <a:pt x="458829" y="1749138"/>
+                  </a:lnTo>
+                  <a:lnTo>
+                    <a:pt x="518574" y="1732366"/>
+                  </a:lnTo>
+                  <a:lnTo>
+                    <a:pt x="577708" y="1713553"/>
+                  </a:lnTo>
+                  <a:lnTo>
+                    <a:pt x="636161" y="1692722"/>
+                  </a:lnTo>
+                  <a:lnTo>
+                    <a:pt x="693866" y="1669898"/>
+                  </a:lnTo>
+                  <a:lnTo>
+                    <a:pt x="750753" y="1645108"/>
+                  </a:lnTo>
+                  <a:lnTo>
+                    <a:pt x="806756" y="1618380"/>
+                  </a:lnTo>
+                  <a:lnTo>
+                    <a:pt x="861809" y="1589747"/>
+                  </a:lnTo>
+                  <a:lnTo>
+                    <a:pt x="915848" y="1559241"/>
+                  </a:lnTo>
+                  <a:lnTo>
+                    <a:pt x="968808" y="1526899"/>
+                  </a:lnTo>
+                  <a:lnTo>
+                    <a:pt x="1020627" y="1492759"/>
+                  </a:lnTo>
+                  <a:lnTo>
+                    <a:pt x="1071244" y="1456862"/>
+                  </a:lnTo>
+                  <a:lnTo>
+                    <a:pt x="1120599" y="1419249"/>
+                  </a:lnTo>
+                  <a:lnTo>
+                    <a:pt x="1168635" y="1379964"/>
+                  </a:lnTo>
+                  <a:lnTo>
+                    <a:pt x="1215295" y="1339054"/>
+                  </a:lnTo>
+                  <a:lnTo>
+                    <a:pt x="1260524" y="1296568"/>
+                  </a:lnTo>
+                  <a:lnTo>
+                    <a:pt x="1304268" y="1252555"/>
+                  </a:lnTo>
+                  <a:lnTo>
+                    <a:pt x="1346477" y="1207067"/>
+                  </a:lnTo>
+                  <a:lnTo>
+                    <a:pt x="1387100" y="1160157"/>
+                  </a:lnTo>
+                  <a:lnTo>
+                    <a:pt x="1426089" y="1111881"/>
+                  </a:lnTo>
+                  <a:lnTo>
+                    <a:pt x="1463399" y="1062296"/>
+                  </a:lnTo>
+                  <a:lnTo>
+                    <a:pt x="1498986" y="1011460"/>
+                  </a:lnTo>
+                  <a:lnTo>
+                    <a:pt x="1532808" y="959432"/>
+                  </a:lnTo>
+                  <a:lnTo>
+                    <a:pt x="1564824" y="906275"/>
+                  </a:lnTo>
+                  <a:lnTo>
+                    <a:pt x="1594998" y="852051"/>
+                  </a:lnTo>
+                  <a:lnTo>
+                    <a:pt x="1623294" y="796823"/>
+                  </a:lnTo>
+                  <a:lnTo>
+                    <a:pt x="1649678" y="740657"/>
+                  </a:lnTo>
+                  <a:lnTo>
+                    <a:pt x="1674119" y="683619"/>
+                  </a:lnTo>
+                  <a:lnTo>
+                    <a:pt x="1696589" y="625776"/>
+                  </a:lnTo>
+                  <a:lnTo>
+                    <a:pt x="1717061" y="567196"/>
+                  </a:lnTo>
+                  <a:lnTo>
+                    <a:pt x="1735511" y="507948"/>
+                  </a:lnTo>
+                  <a:lnTo>
+                    <a:pt x="1751917" y="448102"/>
+                  </a:lnTo>
+                  <a:lnTo>
+                    <a:pt x="1766261" y="387728"/>
+                  </a:lnTo>
+                  <a:lnTo>
+                    <a:pt x="1778524" y="326897"/>
+                  </a:lnTo>
+                  <a:lnTo>
+                    <a:pt x="1788693" y="265682"/>
+                  </a:lnTo>
+                  <a:lnTo>
+                    <a:pt x="1796756" y="204154"/>
+                  </a:lnTo>
+                  <a:lnTo>
+                    <a:pt x="1802703" y="142385"/>
+                  </a:lnTo>
+                  <a:lnTo>
+                    <a:pt x="1806527" y="80449"/>
+                  </a:lnTo>
+                  <a:lnTo>
+                    <a:pt x="1744232" y="77675"/>
+                  </a:lnTo>
+                  <a:lnTo>
+                    <a:pt x="1681938" y="74901"/>
+                  </a:lnTo>
+                  <a:lnTo>
+                    <a:pt x="1619644" y="72126"/>
+                  </a:lnTo>
+                  <a:lnTo>
+                    <a:pt x="1557350" y="69352"/>
+                  </a:lnTo>
+                  <a:lnTo>
+                    <a:pt x="1495056" y="66578"/>
+                  </a:lnTo>
+                  <a:lnTo>
+                    <a:pt x="1432762" y="63804"/>
+                  </a:lnTo>
+                  <a:lnTo>
+                    <a:pt x="1370468" y="61030"/>
+                  </a:lnTo>
+                  <a:lnTo>
+                    <a:pt x="1308174" y="58256"/>
+                  </a:lnTo>
+                  <a:lnTo>
+                    <a:pt x="1245880" y="55482"/>
+                  </a:lnTo>
+                  <a:lnTo>
+                    <a:pt x="1183586" y="52708"/>
+                  </a:lnTo>
+                  <a:lnTo>
+                    <a:pt x="1121292" y="49934"/>
+                  </a:lnTo>
+                  <a:lnTo>
+                    <a:pt x="1058998" y="47159"/>
+                  </a:lnTo>
+                  <a:lnTo>
+                    <a:pt x="996704" y="44385"/>
+                  </a:lnTo>
+                  <a:lnTo>
+                    <a:pt x="934410" y="41611"/>
+                  </a:lnTo>
+                  <a:lnTo>
+                    <a:pt x="872116" y="38837"/>
+                  </a:lnTo>
+                  <a:lnTo>
+                    <a:pt x="809822" y="36063"/>
+                  </a:lnTo>
+                  <a:lnTo>
+                    <a:pt x="747528" y="33289"/>
+                  </a:lnTo>
+                  <a:lnTo>
+                    <a:pt x="685234" y="30515"/>
+                  </a:lnTo>
+                  <a:lnTo>
+                    <a:pt x="622940" y="27741"/>
+                  </a:lnTo>
+                  <a:lnTo>
+                    <a:pt x="560646" y="24967"/>
+                  </a:lnTo>
+                  <a:lnTo>
+                    <a:pt x="498352" y="22192"/>
+                  </a:lnTo>
+                  <a:lnTo>
+                    <a:pt x="436058" y="19418"/>
+                  </a:lnTo>
+                  <a:lnTo>
+                    <a:pt x="373764" y="16644"/>
+                  </a:lnTo>
+                  <a:lnTo>
+                    <a:pt x="311470" y="13870"/>
+                  </a:lnTo>
+                  <a:lnTo>
+                    <a:pt x="249176" y="11096"/>
+                  </a:lnTo>
+                  <a:lnTo>
+                    <a:pt x="186882" y="8322"/>
+                  </a:lnTo>
+                  <a:lnTo>
+                    <a:pt x="124588" y="5548"/>
+                  </a:lnTo>
+                  <a:lnTo>
+                    <a:pt x="62294" y="2774"/>
                   </a:lnTo>
                   <a:close/>
                 </a:path>
@@ -4057,477 +4057,480 @@
           </p:nvSpPr>
           <p:spPr>
             <a:xfrm>
-              <a:off x="3169594" y="1973107"/>
-              <a:ext cx="2106793" cy="3616615"/>
+              <a:off x="3169646" y="1973107"/>
+              <a:ext cx="2146050" cy="3616405"/>
             </a:xfrm>
             <a:custGeom>
               <a:avLst/>
               <a:pathLst>
-                <a:path w="2106793" h="3616615">
+                <a:path w="2146050" h="3616405">
                   <a:moveTo>
-                    <a:pt x="1808312" y="1808317"/>
+                    <a:pt x="1808259" y="1808317"/>
                   </a:moveTo>
                   <a:lnTo>
-                    <a:pt x="1808312" y="1745961"/>
-                  </a:lnTo>
-                  <a:lnTo>
-                    <a:pt x="1808312" y="1683605"/>
-                  </a:lnTo>
-                  <a:lnTo>
-                    <a:pt x="1808312" y="1621250"/>
-                  </a:lnTo>
-                  <a:lnTo>
-                    <a:pt x="1808312" y="1558894"/>
-                  </a:lnTo>
-                  <a:lnTo>
-                    <a:pt x="1808312" y="1496538"/>
-                  </a:lnTo>
-                  <a:lnTo>
-                    <a:pt x="1808312" y="1434182"/>
-                  </a:lnTo>
-                  <a:lnTo>
-                    <a:pt x="1808312" y="1371827"/>
-                  </a:lnTo>
-                  <a:lnTo>
-                    <a:pt x="1808312" y="1309471"/>
-                  </a:lnTo>
-                  <a:lnTo>
-                    <a:pt x="1808312" y="1247115"/>
-                  </a:lnTo>
-                  <a:lnTo>
-                    <a:pt x="1808312" y="1184759"/>
-                  </a:lnTo>
-                  <a:lnTo>
-                    <a:pt x="1808312" y="1122403"/>
-                  </a:lnTo>
-                  <a:lnTo>
-                    <a:pt x="1808312" y="1060048"/>
-                  </a:lnTo>
-                  <a:lnTo>
-                    <a:pt x="1808312" y="997692"/>
-                  </a:lnTo>
-                  <a:lnTo>
-                    <a:pt x="1808312" y="935336"/>
-                  </a:lnTo>
-                  <a:lnTo>
-                    <a:pt x="1808312" y="872980"/>
-                  </a:lnTo>
-                  <a:lnTo>
-                    <a:pt x="1808312" y="810625"/>
-                  </a:lnTo>
-                  <a:lnTo>
-                    <a:pt x="1808312" y="748269"/>
-                  </a:lnTo>
-                  <a:lnTo>
-                    <a:pt x="1808312" y="685913"/>
-                  </a:lnTo>
-                  <a:lnTo>
-                    <a:pt x="1808312" y="623557"/>
-                  </a:lnTo>
-                  <a:lnTo>
-                    <a:pt x="1808312" y="561201"/>
-                  </a:lnTo>
-                  <a:lnTo>
-                    <a:pt x="1808312" y="498846"/>
-                  </a:lnTo>
-                  <a:lnTo>
-                    <a:pt x="1808312" y="436490"/>
-                  </a:lnTo>
-                  <a:lnTo>
-                    <a:pt x="1808312" y="374134"/>
-                  </a:lnTo>
-                  <a:lnTo>
-                    <a:pt x="1808312" y="311778"/>
-                  </a:lnTo>
-                  <a:lnTo>
-                    <a:pt x="1808312" y="249423"/>
-                  </a:lnTo>
-                  <a:lnTo>
-                    <a:pt x="1808312" y="187067"/>
-                  </a:lnTo>
-                  <a:lnTo>
-                    <a:pt x="1808312" y="124711"/>
-                  </a:lnTo>
-                  <a:lnTo>
-                    <a:pt x="1808312" y="62355"/>
-                  </a:lnTo>
-                  <a:lnTo>
-                    <a:pt x="1808312" y="0"/>
-                  </a:lnTo>
-                  <a:lnTo>
-                    <a:pt x="1746666" y="1051"/>
-                  </a:lnTo>
-                  <a:lnTo>
-                    <a:pt x="1685091" y="4203"/>
-                  </a:lnTo>
-                  <a:lnTo>
-                    <a:pt x="1623660" y="9452"/>
-                  </a:lnTo>
-                  <a:lnTo>
-                    <a:pt x="1562443" y="16792"/>
-                  </a:lnTo>
-                  <a:lnTo>
-                    <a:pt x="1501512" y="26215"/>
-                  </a:lnTo>
-                  <a:lnTo>
-                    <a:pt x="1440938" y="37710"/>
-                  </a:lnTo>
-                  <a:lnTo>
-                    <a:pt x="1380791" y="51263"/>
-                  </a:lnTo>
-                  <a:lnTo>
-                    <a:pt x="1321140" y="66859"/>
-                  </a:lnTo>
-                  <a:lnTo>
-                    <a:pt x="1262057" y="84479"/>
-                  </a:lnTo>
-                  <a:lnTo>
-                    <a:pt x="1203608" y="104103"/>
-                  </a:lnTo>
-                  <a:lnTo>
-                    <a:pt x="1145862" y="125708"/>
-                  </a:lnTo>
-                  <a:lnTo>
-                    <a:pt x="1088886" y="149270"/>
-                  </a:lnTo>
-                  <a:lnTo>
-                    <a:pt x="1032747" y="174759"/>
-                  </a:lnTo>
-                  <a:lnTo>
-                    <a:pt x="977509" y="202148"/>
-                  </a:lnTo>
-                  <a:lnTo>
-                    <a:pt x="923237" y="231404"/>
-                  </a:lnTo>
-                  <a:lnTo>
-                    <a:pt x="869993" y="262493"/>
-                  </a:lnTo>
-                  <a:lnTo>
-                    <a:pt x="817841" y="295380"/>
-                  </a:lnTo>
-                  <a:lnTo>
-                    <a:pt x="766840" y="330025"/>
-                  </a:lnTo>
-                  <a:lnTo>
-                    <a:pt x="717050" y="366388"/>
-                  </a:lnTo>
-                  <a:lnTo>
-                    <a:pt x="668528" y="404428"/>
-                  </a:lnTo>
-                  <a:lnTo>
-                    <a:pt x="621332" y="444099"/>
-                  </a:lnTo>
-                  <a:lnTo>
-                    <a:pt x="575515" y="485357"/>
-                  </a:lnTo>
-                  <a:lnTo>
-                    <a:pt x="531131" y="528153"/>
-                  </a:lnTo>
-                  <a:lnTo>
-                    <a:pt x="488232" y="572436"/>
-                  </a:lnTo>
-                  <a:lnTo>
-                    <a:pt x="446868" y="618157"/>
-                  </a:lnTo>
-                  <a:lnTo>
-                    <a:pt x="407086" y="665261"/>
-                  </a:lnTo>
-                  <a:lnTo>
-                    <a:pt x="368933" y="713694"/>
-                  </a:lnTo>
-                  <a:lnTo>
-                    <a:pt x="332454" y="763399"/>
-                  </a:lnTo>
-                  <a:lnTo>
-                    <a:pt x="297690" y="814319"/>
-                  </a:lnTo>
-                  <a:lnTo>
-                    <a:pt x="264682" y="866394"/>
-                  </a:lnTo>
-                  <a:lnTo>
-                    <a:pt x="233469" y="919565"/>
-                  </a:lnTo>
-                  <a:lnTo>
-                    <a:pt x="204086" y="973768"/>
-                  </a:lnTo>
-                  <a:lnTo>
-                    <a:pt x="176568" y="1028942"/>
-                  </a:lnTo>
-                  <a:lnTo>
-                    <a:pt x="150948" y="1085022"/>
-                  </a:lnTo>
-                  <a:lnTo>
-                    <a:pt x="127254" y="1141943"/>
-                  </a:lnTo>
-                  <a:lnTo>
-                    <a:pt x="105514" y="1199638"/>
-                  </a:lnTo>
-                  <a:lnTo>
-                    <a:pt x="85753" y="1258041"/>
-                  </a:lnTo>
-                  <a:lnTo>
-                    <a:pt x="67995" y="1317083"/>
-                  </a:lnTo>
-                  <a:lnTo>
-                    <a:pt x="52261" y="1376697"/>
-                  </a:lnTo>
-                  <a:lnTo>
-                    <a:pt x="38567" y="1436813"/>
-                  </a:lnTo>
-                  <a:lnTo>
-                    <a:pt x="26931" y="1497360"/>
-                  </a:lnTo>
-                  <a:lnTo>
-                    <a:pt x="17366" y="1558269"/>
-                  </a:lnTo>
-                  <a:lnTo>
-                    <a:pt x="9883" y="1619468"/>
-                  </a:lnTo>
-                  <a:lnTo>
-                    <a:pt x="4490" y="1680887"/>
-                  </a:lnTo>
-                  <a:lnTo>
-                    <a:pt x="1194" y="1742454"/>
-                  </a:lnTo>
-                  <a:lnTo>
-                    <a:pt x="0" y="1804098"/>
-                  </a:lnTo>
-                  <a:lnTo>
-                    <a:pt x="907" y="1865746"/>
-                  </a:lnTo>
-                  <a:lnTo>
-                    <a:pt x="3915" y="1927328"/>
-                  </a:lnTo>
-                  <a:lnTo>
-                    <a:pt x="9021" y="1988772"/>
-                  </a:lnTo>
-                  <a:lnTo>
-                    <a:pt x="16219" y="2050005"/>
-                  </a:lnTo>
-                  <a:lnTo>
-                    <a:pt x="25500" y="2110958"/>
-                  </a:lnTo>
-                  <a:lnTo>
-                    <a:pt x="36853" y="2171559"/>
-                  </a:lnTo>
-                  <a:lnTo>
-                    <a:pt x="50266" y="2231738"/>
-                  </a:lnTo>
-                  <a:lnTo>
-                    <a:pt x="65722" y="2291424"/>
-                  </a:lnTo>
-                  <a:lnTo>
-                    <a:pt x="83204" y="2350549"/>
-                  </a:lnTo>
-                  <a:lnTo>
-                    <a:pt x="102692" y="2409043"/>
-                  </a:lnTo>
-                  <a:lnTo>
-                    <a:pt x="124162" y="2466839"/>
-                  </a:lnTo>
-                  <a:lnTo>
-                    <a:pt x="147591" y="2523870"/>
-                  </a:lnTo>
-                  <a:lnTo>
-                    <a:pt x="172949" y="2580069"/>
-                  </a:lnTo>
-                  <a:lnTo>
-                    <a:pt x="200209" y="2635370"/>
-                  </a:lnTo>
-                  <a:lnTo>
-                    <a:pt x="229339" y="2689711"/>
-                  </a:lnTo>
-                  <a:lnTo>
-                    <a:pt x="260303" y="2743026"/>
-                  </a:lnTo>
-                  <a:lnTo>
-                    <a:pt x="293068" y="2795255"/>
-                  </a:lnTo>
-                  <a:lnTo>
-                    <a:pt x="327594" y="2846337"/>
-                  </a:lnTo>
-                  <a:lnTo>
-                    <a:pt x="363841" y="2896212"/>
-                  </a:lnTo>
-                  <a:lnTo>
-                    <a:pt x="401767" y="2944822"/>
-                  </a:lnTo>
-                  <a:lnTo>
-                    <a:pt x="441329" y="2992111"/>
-                  </a:lnTo>
-                  <a:lnTo>
-                    <a:pt x="482479" y="3038024"/>
-                  </a:lnTo>
-                  <a:lnTo>
-                    <a:pt x="525171" y="3082508"/>
-                  </a:lnTo>
-                  <a:lnTo>
-                    <a:pt x="569355" y="3125510"/>
-                  </a:lnTo>
-                  <a:lnTo>
-                    <a:pt x="614979" y="3166981"/>
-                  </a:lnTo>
-                  <a:lnTo>
-                    <a:pt x="661990" y="3206872"/>
-                  </a:lnTo>
-                  <a:lnTo>
-                    <a:pt x="710333" y="3245138"/>
-                  </a:lnTo>
-                  <a:lnTo>
-                    <a:pt x="759953" y="3281733"/>
-                  </a:lnTo>
-                  <a:lnTo>
-                    <a:pt x="810792" y="3316616"/>
-                  </a:lnTo>
-                  <a:lnTo>
-                    <a:pt x="862790" y="3349745"/>
-                  </a:lnTo>
-                  <a:lnTo>
-                    <a:pt x="915888" y="3381082"/>
-                  </a:lnTo>
-                  <a:lnTo>
-                    <a:pt x="970023" y="3410591"/>
-                  </a:lnTo>
-                  <a:lnTo>
-                    <a:pt x="1025132" y="3438238"/>
-                  </a:lnTo>
-                  <a:lnTo>
-                    <a:pt x="1081152" y="3463989"/>
-                  </a:lnTo>
-                  <a:lnTo>
-                    <a:pt x="1138017" y="3487816"/>
-                  </a:lnTo>
-                  <a:lnTo>
-                    <a:pt x="1195662" y="3509690"/>
-                  </a:lnTo>
-                  <a:lnTo>
-                    <a:pt x="1254018" y="3529587"/>
-                  </a:lnTo>
-                  <a:lnTo>
-                    <a:pt x="1313019" y="3547483"/>
-                  </a:lnTo>
-                  <a:lnTo>
-                    <a:pt x="1372596" y="3563356"/>
-                  </a:lnTo>
-                  <a:lnTo>
-                    <a:pt x="1432679" y="3577190"/>
-                  </a:lnTo>
-                  <a:lnTo>
-                    <a:pt x="1493199" y="3588967"/>
-                  </a:lnTo>
-                  <a:lnTo>
-                    <a:pt x="1554086" y="3598675"/>
-                  </a:lnTo>
-                  <a:lnTo>
-                    <a:pt x="1615268" y="3606301"/>
-                  </a:lnTo>
-                  <a:lnTo>
-                    <a:pt x="1676674" y="3611837"/>
-                  </a:lnTo>
-                  <a:lnTo>
-                    <a:pt x="1738233" y="3615276"/>
-                  </a:lnTo>
-                  <a:lnTo>
-                    <a:pt x="1799874" y="3616615"/>
-                  </a:lnTo>
-                  <a:lnTo>
-                    <a:pt x="1861524" y="3615851"/>
-                  </a:lnTo>
-                  <a:lnTo>
-                    <a:pt x="1923113" y="3612987"/>
-                  </a:lnTo>
-                  <a:lnTo>
-                    <a:pt x="1984568" y="3608024"/>
-                  </a:lnTo>
-                  <a:lnTo>
-                    <a:pt x="2045818" y="3600969"/>
-                  </a:lnTo>
-                  <a:lnTo>
-                    <a:pt x="2106793" y="3591831"/>
-                  </a:lnTo>
-                  <a:lnTo>
-                    <a:pt x="2096500" y="3530330"/>
-                  </a:lnTo>
-                  <a:lnTo>
-                    <a:pt x="2086208" y="3468830"/>
-                  </a:lnTo>
-                  <a:lnTo>
-                    <a:pt x="2075915" y="3407329"/>
-                  </a:lnTo>
-                  <a:lnTo>
-                    <a:pt x="2065623" y="3345829"/>
-                  </a:lnTo>
-                  <a:lnTo>
-                    <a:pt x="2055331" y="3284328"/>
-                  </a:lnTo>
-                  <a:lnTo>
-                    <a:pt x="2045038" y="3222828"/>
-                  </a:lnTo>
-                  <a:lnTo>
-                    <a:pt x="2034746" y="3161327"/>
-                  </a:lnTo>
-                  <a:lnTo>
-                    <a:pt x="2024453" y="3099827"/>
-                  </a:lnTo>
-                  <a:lnTo>
-                    <a:pt x="2014161" y="3038326"/>
-                  </a:lnTo>
-                  <a:lnTo>
-                    <a:pt x="2003868" y="2976826"/>
-                  </a:lnTo>
-                  <a:lnTo>
-                    <a:pt x="1993576" y="2915325"/>
-                  </a:lnTo>
-                  <a:lnTo>
-                    <a:pt x="1983283" y="2853825"/>
-                  </a:lnTo>
-                  <a:lnTo>
-                    <a:pt x="1972991" y="2792325"/>
-                  </a:lnTo>
-                  <a:lnTo>
-                    <a:pt x="1962699" y="2730824"/>
-                  </a:lnTo>
-                  <a:lnTo>
-                    <a:pt x="1952406" y="2669324"/>
-                  </a:lnTo>
-                  <a:lnTo>
-                    <a:pt x="1942114" y="2607823"/>
-                  </a:lnTo>
-                  <a:lnTo>
-                    <a:pt x="1931821" y="2546323"/>
-                  </a:lnTo>
-                  <a:lnTo>
-                    <a:pt x="1921529" y="2484822"/>
-                  </a:lnTo>
-                  <a:lnTo>
-                    <a:pt x="1911236" y="2423322"/>
-                  </a:lnTo>
-                  <a:lnTo>
-                    <a:pt x="1900944" y="2361821"/>
-                  </a:lnTo>
-                  <a:lnTo>
-                    <a:pt x="1890652" y="2300321"/>
-                  </a:lnTo>
-                  <a:lnTo>
-                    <a:pt x="1880359" y="2238820"/>
-                  </a:lnTo>
-                  <a:lnTo>
-                    <a:pt x="1870067" y="2177320"/>
-                  </a:lnTo>
-                  <a:lnTo>
-                    <a:pt x="1859774" y="2115819"/>
-                  </a:lnTo>
-                  <a:lnTo>
-                    <a:pt x="1849482" y="2054319"/>
-                  </a:lnTo>
-                  <a:lnTo>
-                    <a:pt x="1839189" y="1992818"/>
-                  </a:lnTo>
-                  <a:lnTo>
-                    <a:pt x="1828897" y="1931318"/>
-                  </a:lnTo>
-                  <a:lnTo>
-                    <a:pt x="1818604" y="1869817"/>
+                    <a:pt x="1808259" y="1745961"/>
+                  </a:lnTo>
+                  <a:lnTo>
+                    <a:pt x="1808259" y="1683605"/>
+                  </a:lnTo>
+                  <a:lnTo>
+                    <a:pt x="1808259" y="1621250"/>
+                  </a:lnTo>
+                  <a:lnTo>
+                    <a:pt x="1808259" y="1558894"/>
+                  </a:lnTo>
+                  <a:lnTo>
+                    <a:pt x="1808259" y="1496538"/>
+                  </a:lnTo>
+                  <a:lnTo>
+                    <a:pt x="1808259" y="1434182"/>
+                  </a:lnTo>
+                  <a:lnTo>
+                    <a:pt x="1808259" y="1371827"/>
+                  </a:lnTo>
+                  <a:lnTo>
+                    <a:pt x="1808259" y="1309471"/>
+                  </a:lnTo>
+                  <a:lnTo>
+                    <a:pt x="1808259" y="1247115"/>
+                  </a:lnTo>
+                  <a:lnTo>
+                    <a:pt x="1808259" y="1184759"/>
+                  </a:lnTo>
+                  <a:lnTo>
+                    <a:pt x="1808259" y="1122403"/>
+                  </a:lnTo>
+                  <a:lnTo>
+                    <a:pt x="1808259" y="1060048"/>
+                  </a:lnTo>
+                  <a:lnTo>
+                    <a:pt x="1808259" y="997692"/>
+                  </a:lnTo>
+                  <a:lnTo>
+                    <a:pt x="1808259" y="935336"/>
+                  </a:lnTo>
+                  <a:lnTo>
+                    <a:pt x="1808259" y="872980"/>
+                  </a:lnTo>
+                  <a:lnTo>
+                    <a:pt x="1808259" y="810625"/>
+                  </a:lnTo>
+                  <a:lnTo>
+                    <a:pt x="1808259" y="748269"/>
+                  </a:lnTo>
+                  <a:lnTo>
+                    <a:pt x="1808259" y="685913"/>
+                  </a:lnTo>
+                  <a:lnTo>
+                    <a:pt x="1808259" y="623557"/>
+                  </a:lnTo>
+                  <a:lnTo>
+                    <a:pt x="1808259" y="561201"/>
+                  </a:lnTo>
+                  <a:lnTo>
+                    <a:pt x="1808259" y="498846"/>
+                  </a:lnTo>
+                  <a:lnTo>
+                    <a:pt x="1808259" y="436490"/>
+                  </a:lnTo>
+                  <a:lnTo>
+                    <a:pt x="1808259" y="374134"/>
+                  </a:lnTo>
+                  <a:lnTo>
+                    <a:pt x="1808259" y="311778"/>
+                  </a:lnTo>
+                  <a:lnTo>
+                    <a:pt x="1808259" y="249423"/>
+                  </a:lnTo>
+                  <a:lnTo>
+                    <a:pt x="1808259" y="187067"/>
+                  </a:lnTo>
+                  <a:lnTo>
+                    <a:pt x="1808259" y="124711"/>
+                  </a:lnTo>
+                  <a:lnTo>
+                    <a:pt x="1808259" y="62355"/>
+                  </a:lnTo>
+                  <a:lnTo>
+                    <a:pt x="1808259" y="0"/>
+                  </a:lnTo>
+                  <a:lnTo>
+                    <a:pt x="1746835" y="1043"/>
+                  </a:lnTo>
+                  <a:lnTo>
+                    <a:pt x="1685481" y="4172"/>
+                  </a:lnTo>
+                  <a:lnTo>
+                    <a:pt x="1624269" y="9384"/>
+                  </a:lnTo>
+                  <a:lnTo>
+                    <a:pt x="1563269" y="16672"/>
+                  </a:lnTo>
+                  <a:lnTo>
+                    <a:pt x="1502552" y="26028"/>
+                  </a:lnTo>
+                  <a:lnTo>
+                    <a:pt x="1442188" y="37440"/>
+                  </a:lnTo>
+                  <a:lnTo>
+                    <a:pt x="1382246" y="50897"/>
+                  </a:lnTo>
+                  <a:lnTo>
+                    <a:pt x="1322796" y="66382"/>
+                  </a:lnTo>
+                  <a:lnTo>
+                    <a:pt x="1263906" y="83877"/>
+                  </a:lnTo>
+                  <a:lnTo>
+                    <a:pt x="1205645" y="103363"/>
+                  </a:lnTo>
+                  <a:lnTo>
+                    <a:pt x="1148079" y="124817"/>
+                  </a:lnTo>
+                  <a:lnTo>
+                    <a:pt x="1091275" y="148213"/>
+                  </a:lnTo>
+                  <a:lnTo>
+                    <a:pt x="1035298" y="173526"/>
+                  </a:lnTo>
+                  <a:lnTo>
+                    <a:pt x="980214" y="200725"/>
+                  </a:lnTo>
+                  <a:lnTo>
+                    <a:pt x="926085" y="229779"/>
+                  </a:lnTo>
+                  <a:lnTo>
+                    <a:pt x="872975" y="260656"/>
+                  </a:lnTo>
+                  <a:lnTo>
+                    <a:pt x="820944" y="293319"/>
+                  </a:lnTo>
+                  <a:lnTo>
+                    <a:pt x="770052" y="327730"/>
+                  </a:lnTo>
+                  <a:lnTo>
+                    <a:pt x="720359" y="363850"/>
+                  </a:lnTo>
+                  <a:lnTo>
+                    <a:pt x="671921" y="401637"/>
+                  </a:lnTo>
+                  <a:lnTo>
+                    <a:pt x="624795" y="441048"/>
+                  </a:lnTo>
+                  <a:lnTo>
+                    <a:pt x="579035" y="482037"/>
+                  </a:lnTo>
+                  <a:lnTo>
+                    <a:pt x="534693" y="524557"/>
+                  </a:lnTo>
+                  <a:lnTo>
+                    <a:pt x="491821" y="568558"/>
+                  </a:lnTo>
+                  <a:lnTo>
+                    <a:pt x="450469" y="613990"/>
+                  </a:lnTo>
+                  <a:lnTo>
+                    <a:pt x="410684" y="660800"/>
+                  </a:lnTo>
+                  <a:lnTo>
+                    <a:pt x="372512" y="708935"/>
+                  </a:lnTo>
+                  <a:lnTo>
+                    <a:pt x="335996" y="758339"/>
+                  </a:lnTo>
+                  <a:lnTo>
+                    <a:pt x="301180" y="808955"/>
+                  </a:lnTo>
+                  <a:lnTo>
+                    <a:pt x="268104" y="860724"/>
+                  </a:lnTo>
+                  <a:lnTo>
+                    <a:pt x="236805" y="913586"/>
+                  </a:lnTo>
+                  <a:lnTo>
+                    <a:pt x="207320" y="967482"/>
+                  </a:lnTo>
+                  <a:lnTo>
+                    <a:pt x="179682" y="1022348"/>
+                  </a:lnTo>
+                  <a:lnTo>
+                    <a:pt x="153924" y="1078120"/>
+                  </a:lnTo>
+                  <a:lnTo>
+                    <a:pt x="130076" y="1134736"/>
+                  </a:lnTo>
+                  <a:lnTo>
+                    <a:pt x="108164" y="1192129"/>
+                  </a:lnTo>
+                  <a:lnTo>
+                    <a:pt x="88214" y="1250234"/>
+                  </a:lnTo>
+                  <a:lnTo>
+                    <a:pt x="70250" y="1308982"/>
+                  </a:lnTo>
+                  <a:lnTo>
+                    <a:pt x="54292" y="1368307"/>
+                  </a:lnTo>
+                  <a:lnTo>
+                    <a:pt x="40358" y="1428139"/>
+                  </a:lnTo>
+                  <a:lnTo>
+                    <a:pt x="28464" y="1488410"/>
+                  </a:lnTo>
+                  <a:lnTo>
+                    <a:pt x="18625" y="1549051"/>
+                  </a:lnTo>
+                  <a:lnTo>
+                    <a:pt x="10851" y="1609991"/>
+                  </a:lnTo>
+                  <a:lnTo>
+                    <a:pt x="5151" y="1671159"/>
+                  </a:lnTo>
+                  <a:lnTo>
+                    <a:pt x="1533" y="1732486"/>
+                  </a:lnTo>
+                  <a:lnTo>
+                    <a:pt x="0" y="1793901"/>
+                  </a:lnTo>
+                  <a:lnTo>
+                    <a:pt x="553" y="1855332"/>
+                  </a:lnTo>
+                  <a:lnTo>
+                    <a:pt x="3193" y="1916709"/>
+                  </a:lnTo>
+                  <a:lnTo>
+                    <a:pt x="7917" y="1977961"/>
+                  </a:lnTo>
+                  <a:lnTo>
+                    <a:pt x="14718" y="2039016"/>
+                  </a:lnTo>
+                  <a:lnTo>
+                    <a:pt x="23590" y="2099806"/>
+                  </a:lnTo>
+                  <a:lnTo>
+                    <a:pt x="34521" y="2160259"/>
+                  </a:lnTo>
+                  <a:lnTo>
+                    <a:pt x="47499" y="2220307"/>
+                  </a:lnTo>
+                  <a:lnTo>
+                    <a:pt x="62510" y="2279878"/>
+                  </a:lnTo>
+                  <a:lnTo>
+                    <a:pt x="79535" y="2338905"/>
+                  </a:lnTo>
+                  <a:lnTo>
+                    <a:pt x="98556" y="2397320"/>
+                  </a:lnTo>
+                  <a:lnTo>
+                    <a:pt x="119550" y="2455056"/>
+                  </a:lnTo>
+                  <a:lnTo>
+                    <a:pt x="142492" y="2512044"/>
+                  </a:lnTo>
+                  <a:lnTo>
+                    <a:pt x="167358" y="2568221"/>
+                  </a:lnTo>
+                  <a:lnTo>
+                    <a:pt x="194117" y="2623520"/>
+                  </a:lnTo>
+                  <a:lnTo>
+                    <a:pt x="222739" y="2677879"/>
+                  </a:lnTo>
+                  <a:lnTo>
+                    <a:pt x="253191" y="2731234"/>
+                  </a:lnTo>
+                  <a:lnTo>
+                    <a:pt x="285438" y="2783524"/>
+                  </a:lnTo>
+                  <a:lnTo>
+                    <a:pt x="319443" y="2834688"/>
+                  </a:lnTo>
+                  <a:lnTo>
+                    <a:pt x="355166" y="2884668"/>
+                  </a:lnTo>
+                  <a:lnTo>
+                    <a:pt x="392566" y="2933405"/>
+                  </a:lnTo>
+                  <a:lnTo>
+                    <a:pt x="431600" y="2980844"/>
+                  </a:lnTo>
+                  <a:lnTo>
+                    <a:pt x="472222" y="3026929"/>
+                  </a:lnTo>
+                  <a:lnTo>
+                    <a:pt x="514387" y="3071609"/>
+                  </a:lnTo>
+                  <a:lnTo>
+                    <a:pt x="558045" y="3114830"/>
+                  </a:lnTo>
+                  <a:lnTo>
+                    <a:pt x="603146" y="3156543"/>
+                  </a:lnTo>
+                  <a:lnTo>
+                    <a:pt x="649638" y="3196700"/>
+                  </a:lnTo>
+                  <a:lnTo>
+                    <a:pt x="697467" y="3235255"/>
+                  </a:lnTo>
+                  <a:lnTo>
+                    <a:pt x="746578" y="3272163"/>
+                  </a:lnTo>
+                  <a:lnTo>
+                    <a:pt x="796914" y="3307381"/>
+                  </a:lnTo>
+                  <a:lnTo>
+                    <a:pt x="848418" y="3340869"/>
+                  </a:lnTo>
+                  <a:lnTo>
+                    <a:pt x="901030" y="3372589"/>
+                  </a:lnTo>
+                  <a:lnTo>
+                    <a:pt x="954688" y="3402503"/>
+                  </a:lnTo>
+                  <a:lnTo>
+                    <a:pt x="1009332" y="3430577"/>
+                  </a:lnTo>
+                  <a:lnTo>
+                    <a:pt x="1064898" y="3456778"/>
+                  </a:lnTo>
+                  <a:lnTo>
+                    <a:pt x="1121321" y="3481078"/>
+                  </a:lnTo>
+                  <a:lnTo>
+                    <a:pt x="1178538" y="3503446"/>
+                  </a:lnTo>
+                  <a:lnTo>
+                    <a:pt x="1236481" y="3523858"/>
+                  </a:lnTo>
+                  <a:lnTo>
+                    <a:pt x="1295085" y="3542290"/>
+                  </a:lnTo>
+                  <a:lnTo>
+                    <a:pt x="1354280" y="3558721"/>
+                  </a:lnTo>
+                  <a:lnTo>
+                    <a:pt x="1414000" y="3573132"/>
+                  </a:lnTo>
+                  <a:lnTo>
+                    <a:pt x="1474174" y="3585505"/>
+                  </a:lnTo>
+                  <a:lnTo>
+                    <a:pt x="1534735" y="3595828"/>
+                  </a:lnTo>
+                  <a:lnTo>
+                    <a:pt x="1595610" y="3604088"/>
+                  </a:lnTo>
+                  <a:lnTo>
+                    <a:pt x="1656732" y="3610275"/>
+                  </a:lnTo>
+                  <a:lnTo>
+                    <a:pt x="1718028" y="3614382"/>
+                  </a:lnTo>
+                  <a:lnTo>
+                    <a:pt x="1779428" y="3616405"/>
+                  </a:lnTo>
+                  <a:lnTo>
+                    <a:pt x="1840862" y="3616340"/>
+                  </a:lnTo>
+                  <a:lnTo>
+                    <a:pt x="1902258" y="3614190"/>
+                  </a:lnTo>
+                  <a:lnTo>
+                    <a:pt x="1963545" y="3609955"/>
+                  </a:lnTo>
+                  <a:lnTo>
+                    <a:pt x="2024653" y="3603640"/>
+                  </a:lnTo>
+                  <a:lnTo>
+                    <a:pt x="2085512" y="3595254"/>
+                  </a:lnTo>
+                  <a:lnTo>
+                    <a:pt x="2146050" y="3584805"/>
+                  </a:lnTo>
+                  <a:lnTo>
+                    <a:pt x="2134402" y="3523547"/>
+                  </a:lnTo>
+                  <a:lnTo>
+                    <a:pt x="2122754" y="3462288"/>
+                  </a:lnTo>
+                  <a:lnTo>
+                    <a:pt x="2111106" y="3401030"/>
+                  </a:lnTo>
+                  <a:lnTo>
+                    <a:pt x="2099458" y="3339772"/>
+                  </a:lnTo>
+                  <a:lnTo>
+                    <a:pt x="2087811" y="3278514"/>
+                  </a:lnTo>
+                  <a:lnTo>
+                    <a:pt x="2076163" y="3217256"/>
+                  </a:lnTo>
+                  <a:lnTo>
+                    <a:pt x="2064515" y="3155997"/>
+                  </a:lnTo>
+                  <a:lnTo>
+                    <a:pt x="2052867" y="3094739"/>
+                  </a:lnTo>
+                  <a:lnTo>
+                    <a:pt x="2041219" y="3033481"/>
+                  </a:lnTo>
+                  <a:lnTo>
+                    <a:pt x="2029571" y="2972223"/>
+                  </a:lnTo>
+                  <a:lnTo>
+                    <a:pt x="2017923" y="2910965"/>
+                  </a:lnTo>
+                  <a:lnTo>
+                    <a:pt x="2006275" y="2849706"/>
+                  </a:lnTo>
+                  <a:lnTo>
+                    <a:pt x="1994627" y="2788448"/>
+                  </a:lnTo>
+                  <a:lnTo>
+                    <a:pt x="1982979" y="2727190"/>
+                  </a:lnTo>
+                  <a:lnTo>
+                    <a:pt x="1971331" y="2665932"/>
+                  </a:lnTo>
+                  <a:lnTo>
+                    <a:pt x="1959683" y="2604674"/>
+                  </a:lnTo>
+                  <a:lnTo>
+                    <a:pt x="1948035" y="2543415"/>
+                  </a:lnTo>
+                  <a:lnTo>
+                    <a:pt x="1936387" y="2482157"/>
+                  </a:lnTo>
+                  <a:lnTo>
+                    <a:pt x="1924739" y="2420899"/>
+                  </a:lnTo>
+                  <a:lnTo>
+                    <a:pt x="1913091" y="2359641"/>
+                  </a:lnTo>
+                  <a:lnTo>
+                    <a:pt x="1901443" y="2298383"/>
+                  </a:lnTo>
+                  <a:lnTo>
+                    <a:pt x="1889795" y="2237124"/>
+                  </a:lnTo>
+                  <a:lnTo>
+                    <a:pt x="1878147" y="2175866"/>
+                  </a:lnTo>
+                  <a:lnTo>
+                    <a:pt x="1866499" y="2114608"/>
+                  </a:lnTo>
+                  <a:lnTo>
+                    <a:pt x="1854851" y="2053350"/>
+                  </a:lnTo>
+                  <a:lnTo>
+                    <a:pt x="1843203" y="1992092"/>
+                  </a:lnTo>
+                  <a:lnTo>
+                    <a:pt x="1831555" y="1930833"/>
+                  </a:lnTo>
+                  <a:lnTo>
+                    <a:pt x="1819907" y="1869575"/>
                   </a:lnTo>
                   <a:close/>
                 </a:path>
@@ -4562,8 +4565,8 @@
           </p:nvSpPr>
           <p:spPr>
             <a:xfrm>
-              <a:off x="5134914" y="2851798"/>
-              <a:ext cx="208905" cy="109040"/>
+              <a:off x="5067054" y="2849632"/>
+              <a:ext cx="329449" cy="109040"/>
             </a:xfrm>
             <a:prstGeom prst="rect">
               <a:avLst/>
@@ -4595,7 +4598,7 @@
                   <a:latin typeface="Arial"/>
                   <a:cs typeface="Arial"/>
                 </a:rPr>
-                <a:t>9%</a:t>
+                <a:t>8.7%</a:t>
               </a:r>
             </a:p>
           </p:txBody>
@@ -4608,7 +4611,53 @@
           </p:nvSpPr>
           <p:spPr>
             <a:xfrm>
-              <a:off x="5568259" y="3272765"/>
+              <a:off x="5640786" y="3295008"/>
+              <a:ext cx="289291" cy="109040"/>
+            </a:xfrm>
+            <a:prstGeom prst="rect">
+              <a:avLst/>
+            </a:prstGeom>
+            <a:noFill/>
+          </p:spPr>
+          <p:txBody>
+            <a:bodyPr lIns="0" rIns="0" tIns="0" bIns="0" anchorCtr="1" anchor="ctr" wrap="none"/>
+            <a:lstStyle/>
+            <a:p>
+              <a:pPr algn="l" marL="0" marR="0" indent="0">
+                <a:lnSpc>
+                  <a:spcPts val="1138"/>
+                </a:lnSpc>
+                <a:spcBef>
+                  <a:spcPts val="0"/>
+                </a:spcBef>
+                <a:spcAft>
+                  <a:spcPts val="0"/>
+                </a:spcAft>
+              </a:pPr>
+              <a:r>
+                <a:rPr sz="1138">
+                  <a:solidFill>
+                    <a:srgbClr val="FFFFFF">
+                      <a:alpha val="100000"/>
+                    </a:srgbClr>
+                  </a:solidFill>
+                  <a:latin typeface="Arial"/>
+                  <a:cs typeface="Arial"/>
+                </a:rPr>
+                <a:t>17%</a:t>
+              </a:r>
+            </a:p>
+          </p:txBody>
+        </p:sp>
+        <p:sp>
+          <p:nvSpPr>
+            <p:cNvPr id="10" name="tx10"/>
+            <p:cNvSpPr/>
+            <p:nvPr/>
+          </p:nvSpPr>
+          <p:spPr>
+            <a:xfrm>
+              <a:off x="5466042" y="4312050"/>
               <a:ext cx="409835" cy="109040"/>
             </a:xfrm>
             <a:prstGeom prst="rect">
@@ -4641,20 +4690,158 @@
                   <a:latin typeface="Arial"/>
                   <a:cs typeface="Arial"/>
                 </a:rPr>
-                <a:t>15.5%</a:t>
+                <a:t>21.3%</a:t>
               </a:r>
             </a:p>
           </p:txBody>
         </p:sp>
         <p:sp>
           <p:nvSpPr>
-            <p:cNvPr id="10" name="tx10"/>
+            <p:cNvPr id="11" name="tx11"/>
             <p:cNvSpPr/>
             <p:nvPr/>
           </p:nvSpPr>
           <p:spPr>
             <a:xfrm>
-              <a:off x="5481069" y="4294239"/>
+              <a:off x="3942648" y="3804979"/>
+              <a:ext cx="289291" cy="109040"/>
+            </a:xfrm>
+            <a:prstGeom prst="rect">
+              <a:avLst/>
+            </a:prstGeom>
+            <a:noFill/>
+          </p:spPr>
+          <p:txBody>
+            <a:bodyPr lIns="0" rIns="0" tIns="0" bIns="0" anchorCtr="1" anchor="ctr" wrap="none"/>
+            <a:lstStyle/>
+            <a:p>
+              <a:pPr algn="l" marL="0" marR="0" indent="0">
+                <a:lnSpc>
+                  <a:spcPts val="1138"/>
+                </a:lnSpc>
+                <a:spcBef>
+                  <a:spcPts val="0"/>
+                </a:spcBef>
+                <a:spcAft>
+                  <a:spcPts val="0"/>
+                </a:spcAft>
+              </a:pPr>
+              <a:r>
+                <a:rPr sz="1138">
+                  <a:solidFill>
+                    <a:srgbClr val="FFFFFF">
+                      <a:alpha val="100000"/>
+                    </a:srgbClr>
+                  </a:solidFill>
+                  <a:latin typeface="Arial"/>
+                  <a:cs typeface="Arial"/>
+                </a:rPr>
+                <a:t>53%</a:t>
+              </a:r>
+            </a:p>
+          </p:txBody>
+        </p:sp>
+        <p:sp>
+          <p:nvSpPr>
+            <p:cNvPr id="12" name="tx12"/>
+            <p:cNvSpPr/>
+            <p:nvPr/>
+          </p:nvSpPr>
+          <p:spPr>
+            <a:xfrm>
+              <a:off x="5064811" y="2846275"/>
+              <a:ext cx="329449" cy="109040"/>
+            </a:xfrm>
+            <a:prstGeom prst="rect">
+              <a:avLst/>
+            </a:prstGeom>
+            <a:noFill/>
+          </p:spPr>
+          <p:txBody>
+            <a:bodyPr lIns="0" rIns="0" tIns="0" bIns="0" anchorCtr="1" anchor="ctr" wrap="none"/>
+            <a:lstStyle/>
+            <a:p>
+              <a:pPr algn="l" marL="0" marR="0" indent="0">
+                <a:lnSpc>
+                  <a:spcPts val="1138"/>
+                </a:lnSpc>
+                <a:spcBef>
+                  <a:spcPts val="0"/>
+                </a:spcBef>
+                <a:spcAft>
+                  <a:spcPts val="0"/>
+                </a:spcAft>
+              </a:pPr>
+              <a:r>
+                <a:rPr sz="1138">
+                  <a:solidFill>
+                    <a:srgbClr val="FFFFFF">
+                      <a:alpha val="100000"/>
+                    </a:srgbClr>
+                  </a:solidFill>
+                  <a:latin typeface="Arial"/>
+                  <a:cs typeface="Arial"/>
+                </a:rPr>
+                <a:t>8.7%</a:t>
+              </a:r>
+            </a:p>
+          </p:txBody>
+        </p:sp>
+        <p:sp>
+          <p:nvSpPr>
+            <p:cNvPr id="13" name="tx13"/>
+            <p:cNvSpPr/>
+            <p:nvPr/>
+          </p:nvSpPr>
+          <p:spPr>
+            <a:xfrm>
+              <a:off x="5638543" y="3291651"/>
+              <a:ext cx="289291" cy="109040"/>
+            </a:xfrm>
+            <a:prstGeom prst="rect">
+              <a:avLst/>
+            </a:prstGeom>
+            <a:noFill/>
+          </p:spPr>
+          <p:txBody>
+            <a:bodyPr lIns="0" rIns="0" tIns="0" bIns="0" anchorCtr="1" anchor="ctr" wrap="none"/>
+            <a:lstStyle/>
+            <a:p>
+              <a:pPr algn="l" marL="0" marR="0" indent="0">
+                <a:lnSpc>
+                  <a:spcPts val="1138"/>
+                </a:lnSpc>
+                <a:spcBef>
+                  <a:spcPts val="0"/>
+                </a:spcBef>
+                <a:spcAft>
+                  <a:spcPts val="0"/>
+                </a:spcAft>
+              </a:pPr>
+              <a:r>
+                <a:rPr sz="1138">
+                  <a:solidFill>
+                    <a:srgbClr val="FFFFFF">
+                      <a:alpha val="100000"/>
+                    </a:srgbClr>
+                  </a:solidFill>
+                  <a:latin typeface="Arial"/>
+                  <a:cs typeface="Arial"/>
+                </a:rPr>
+                <a:t>17%</a:t>
+              </a:r>
+            </a:p>
+          </p:txBody>
+        </p:sp>
+        <p:sp>
+          <p:nvSpPr>
+            <p:cNvPr id="14" name="tx14"/>
+            <p:cNvSpPr/>
+            <p:nvPr/>
+          </p:nvSpPr>
+          <p:spPr>
+            <a:xfrm>
+              <a:off x="5463799" y="4308694"/>
               <a:ext cx="409835" cy="109040"/>
             </a:xfrm>
             <a:prstGeom prst="rect">
@@ -4687,20 +4874,158 @@
                   <a:latin typeface="Arial"/>
                   <a:cs typeface="Arial"/>
                 </a:rPr>
-                <a:t>22.8%</a:t>
+                <a:t>21.3%</a:t>
               </a:r>
             </a:p>
           </p:txBody>
         </p:sp>
         <p:sp>
           <p:nvSpPr>
-            <p:cNvPr id="11" name="tx11"/>
+            <p:cNvPr id="15" name="tx15"/>
             <p:cNvSpPr/>
             <p:nvPr/>
           </p:nvSpPr>
           <p:spPr>
             <a:xfrm>
-              <a:off x="3881494" y="3795035"/>
+              <a:off x="3940405" y="3801622"/>
+              <a:ext cx="289291" cy="109040"/>
+            </a:xfrm>
+            <a:prstGeom prst="rect">
+              <a:avLst/>
+            </a:prstGeom>
+            <a:noFill/>
+          </p:spPr>
+          <p:txBody>
+            <a:bodyPr lIns="0" rIns="0" tIns="0" bIns="0" anchorCtr="1" anchor="ctr" wrap="none"/>
+            <a:lstStyle/>
+            <a:p>
+              <a:pPr algn="l" marL="0" marR="0" indent="0">
+                <a:lnSpc>
+                  <a:spcPts val="1138"/>
+                </a:lnSpc>
+                <a:spcBef>
+                  <a:spcPts val="0"/>
+                </a:spcBef>
+                <a:spcAft>
+                  <a:spcPts val="0"/>
+                </a:spcAft>
+              </a:pPr>
+              <a:r>
+                <a:rPr sz="1138">
+                  <a:solidFill>
+                    <a:srgbClr val="FFFFFF">
+                      <a:alpha val="100000"/>
+                    </a:srgbClr>
+                  </a:solidFill>
+                  <a:latin typeface="Arial"/>
+                  <a:cs typeface="Arial"/>
+                </a:rPr>
+                <a:t>53%</a:t>
+              </a:r>
+            </a:p>
+          </p:txBody>
+        </p:sp>
+        <p:sp>
+          <p:nvSpPr>
+            <p:cNvPr id="16" name="tx16"/>
+            <p:cNvSpPr/>
+            <p:nvPr/>
+          </p:nvSpPr>
+          <p:spPr>
+            <a:xfrm>
+              <a:off x="5061454" y="2844033"/>
+              <a:ext cx="329449" cy="109040"/>
+            </a:xfrm>
+            <a:prstGeom prst="rect">
+              <a:avLst/>
+            </a:prstGeom>
+            <a:noFill/>
+          </p:spPr>
+          <p:txBody>
+            <a:bodyPr lIns="0" rIns="0" tIns="0" bIns="0" anchorCtr="1" anchor="ctr" wrap="none"/>
+            <a:lstStyle/>
+            <a:p>
+              <a:pPr algn="l" marL="0" marR="0" indent="0">
+                <a:lnSpc>
+                  <a:spcPts val="1138"/>
+                </a:lnSpc>
+                <a:spcBef>
+                  <a:spcPts val="0"/>
+                </a:spcBef>
+                <a:spcAft>
+                  <a:spcPts val="0"/>
+                </a:spcAft>
+              </a:pPr>
+              <a:r>
+                <a:rPr sz="1138">
+                  <a:solidFill>
+                    <a:srgbClr val="FFFFFF">
+                      <a:alpha val="100000"/>
+                    </a:srgbClr>
+                  </a:solidFill>
+                  <a:latin typeface="Arial"/>
+                  <a:cs typeface="Arial"/>
+                </a:rPr>
+                <a:t>8.7%</a:t>
+              </a:r>
+            </a:p>
+          </p:txBody>
+        </p:sp>
+        <p:sp>
+          <p:nvSpPr>
+            <p:cNvPr id="17" name="tx17"/>
+            <p:cNvSpPr/>
+            <p:nvPr/>
+          </p:nvSpPr>
+          <p:spPr>
+            <a:xfrm>
+              <a:off x="5635187" y="3289409"/>
+              <a:ext cx="289291" cy="109040"/>
+            </a:xfrm>
+            <a:prstGeom prst="rect">
+              <a:avLst/>
+            </a:prstGeom>
+            <a:noFill/>
+          </p:spPr>
+          <p:txBody>
+            <a:bodyPr lIns="0" rIns="0" tIns="0" bIns="0" anchorCtr="1" anchor="ctr" wrap="none"/>
+            <a:lstStyle/>
+            <a:p>
+              <a:pPr algn="l" marL="0" marR="0" indent="0">
+                <a:lnSpc>
+                  <a:spcPts val="1138"/>
+                </a:lnSpc>
+                <a:spcBef>
+                  <a:spcPts val="0"/>
+                </a:spcBef>
+                <a:spcAft>
+                  <a:spcPts val="0"/>
+                </a:spcAft>
+              </a:pPr>
+              <a:r>
+                <a:rPr sz="1138">
+                  <a:solidFill>
+                    <a:srgbClr val="FFFFFF">
+                      <a:alpha val="100000"/>
+                    </a:srgbClr>
+                  </a:solidFill>
+                  <a:latin typeface="Arial"/>
+                  <a:cs typeface="Arial"/>
+                </a:rPr>
+                <a:t>17%</a:t>
+              </a:r>
+            </a:p>
+          </p:txBody>
+        </p:sp>
+        <p:sp>
+          <p:nvSpPr>
+            <p:cNvPr id="18" name="tx18"/>
+            <p:cNvSpPr/>
+            <p:nvPr/>
+          </p:nvSpPr>
+          <p:spPr>
+            <a:xfrm>
+              <a:off x="5460443" y="4306451"/>
               <a:ext cx="409835" cy="109040"/>
             </a:xfrm>
             <a:prstGeom prst="rect">
@@ -4733,21 +5058,21 @@
                   <a:latin typeface="Arial"/>
                   <a:cs typeface="Arial"/>
                 </a:rPr>
-                <a:t>52.6%</a:t>
+                <a:t>21.3%</a:t>
               </a:r>
             </a:p>
           </p:txBody>
         </p:sp>
         <p:sp>
           <p:nvSpPr>
-            <p:cNvPr id="12" name="tx12"/>
+            <p:cNvPr id="19" name="tx19"/>
             <p:cNvSpPr/>
             <p:nvPr/>
           </p:nvSpPr>
           <p:spPr>
             <a:xfrm>
-              <a:off x="5132671" y="2848441"/>
-              <a:ext cx="208905" cy="109040"/>
+              <a:off x="3937048" y="3799380"/>
+              <a:ext cx="289291" cy="109040"/>
             </a:xfrm>
             <a:prstGeom prst="rect">
               <a:avLst/>
@@ -4779,20 +5104,112 @@
                   <a:latin typeface="Arial"/>
                   <a:cs typeface="Arial"/>
                 </a:rPr>
-                <a:t>9%</a:t>
+                <a:t>53%</a:t>
               </a:r>
             </a:p>
           </p:txBody>
         </p:sp>
         <p:sp>
           <p:nvSpPr>
-            <p:cNvPr id="13" name="tx13"/>
+            <p:cNvPr id="20" name="tx20"/>
             <p:cNvSpPr/>
             <p:nvPr/>
           </p:nvSpPr>
           <p:spPr>
             <a:xfrm>
-              <a:off x="5566016" y="3269408"/>
+              <a:off x="5057495" y="2843245"/>
+              <a:ext cx="329449" cy="109040"/>
+            </a:xfrm>
+            <a:prstGeom prst="rect">
+              <a:avLst/>
+            </a:prstGeom>
+            <a:noFill/>
+          </p:spPr>
+          <p:txBody>
+            <a:bodyPr lIns="0" rIns="0" tIns="0" bIns="0" anchorCtr="1" anchor="ctr" wrap="none"/>
+            <a:lstStyle/>
+            <a:p>
+              <a:pPr algn="l" marL="0" marR="0" indent="0">
+                <a:lnSpc>
+                  <a:spcPts val="1138"/>
+                </a:lnSpc>
+                <a:spcBef>
+                  <a:spcPts val="0"/>
+                </a:spcBef>
+                <a:spcAft>
+                  <a:spcPts val="0"/>
+                </a:spcAft>
+              </a:pPr>
+              <a:r>
+                <a:rPr sz="1138">
+                  <a:solidFill>
+                    <a:srgbClr val="FFFFFF">
+                      <a:alpha val="100000"/>
+                    </a:srgbClr>
+                  </a:solidFill>
+                  <a:latin typeface="Arial"/>
+                  <a:cs typeface="Arial"/>
+                </a:rPr>
+                <a:t>8.7%</a:t>
+              </a:r>
+            </a:p>
+          </p:txBody>
+        </p:sp>
+        <p:sp>
+          <p:nvSpPr>
+            <p:cNvPr id="21" name="tx21"/>
+            <p:cNvSpPr/>
+            <p:nvPr/>
+          </p:nvSpPr>
+          <p:spPr>
+            <a:xfrm>
+              <a:off x="5631227" y="3288621"/>
+              <a:ext cx="289291" cy="109040"/>
+            </a:xfrm>
+            <a:prstGeom prst="rect">
+              <a:avLst/>
+            </a:prstGeom>
+            <a:noFill/>
+          </p:spPr>
+          <p:txBody>
+            <a:bodyPr lIns="0" rIns="0" tIns="0" bIns="0" anchorCtr="1" anchor="ctr" wrap="none"/>
+            <a:lstStyle/>
+            <a:p>
+              <a:pPr algn="l" marL="0" marR="0" indent="0">
+                <a:lnSpc>
+                  <a:spcPts val="1138"/>
+                </a:lnSpc>
+                <a:spcBef>
+                  <a:spcPts val="0"/>
+                </a:spcBef>
+                <a:spcAft>
+                  <a:spcPts val="0"/>
+                </a:spcAft>
+              </a:pPr>
+              <a:r>
+                <a:rPr sz="1138">
+                  <a:solidFill>
+                    <a:srgbClr val="FFFFFF">
+                      <a:alpha val="100000"/>
+                    </a:srgbClr>
+                  </a:solidFill>
+                  <a:latin typeface="Arial"/>
+                  <a:cs typeface="Arial"/>
+                </a:rPr>
+                <a:t>17%</a:t>
+              </a:r>
+            </a:p>
+          </p:txBody>
+        </p:sp>
+        <p:sp>
+          <p:nvSpPr>
+            <p:cNvPr id="22" name="tx22"/>
+            <p:cNvSpPr/>
+            <p:nvPr/>
+          </p:nvSpPr>
+          <p:spPr>
+            <a:xfrm>
+              <a:off x="5456483" y="4305663"/>
               <a:ext cx="409835" cy="109040"/>
             </a:xfrm>
             <a:prstGeom prst="rect">
@@ -4825,20 +5242,158 @@
                   <a:latin typeface="Arial"/>
                   <a:cs typeface="Arial"/>
                 </a:rPr>
-                <a:t>15.5%</a:t>
+                <a:t>21.3%</a:t>
               </a:r>
             </a:p>
           </p:txBody>
         </p:sp>
         <p:sp>
           <p:nvSpPr>
-            <p:cNvPr id="14" name="tx14"/>
+            <p:cNvPr id="23" name="tx23"/>
             <p:cNvSpPr/>
             <p:nvPr/>
           </p:nvSpPr>
           <p:spPr>
             <a:xfrm>
-              <a:off x="5478827" y="4290882"/>
+              <a:off x="3933089" y="3798592"/>
+              <a:ext cx="289291" cy="109040"/>
+            </a:xfrm>
+            <a:prstGeom prst="rect">
+              <a:avLst/>
+            </a:prstGeom>
+            <a:noFill/>
+          </p:spPr>
+          <p:txBody>
+            <a:bodyPr lIns="0" rIns="0" tIns="0" bIns="0" anchorCtr="1" anchor="ctr" wrap="none"/>
+            <a:lstStyle/>
+            <a:p>
+              <a:pPr algn="l" marL="0" marR="0" indent="0">
+                <a:lnSpc>
+                  <a:spcPts val="1138"/>
+                </a:lnSpc>
+                <a:spcBef>
+                  <a:spcPts val="0"/>
+                </a:spcBef>
+                <a:spcAft>
+                  <a:spcPts val="0"/>
+                </a:spcAft>
+              </a:pPr>
+              <a:r>
+                <a:rPr sz="1138">
+                  <a:solidFill>
+                    <a:srgbClr val="FFFFFF">
+                      <a:alpha val="100000"/>
+                    </a:srgbClr>
+                  </a:solidFill>
+                  <a:latin typeface="Arial"/>
+                  <a:cs typeface="Arial"/>
+                </a:rPr>
+                <a:t>53%</a:t>
+              </a:r>
+            </a:p>
+          </p:txBody>
+        </p:sp>
+        <p:sp>
+          <p:nvSpPr>
+            <p:cNvPr id="24" name="tx24"/>
+            <p:cNvSpPr/>
+            <p:nvPr/>
+          </p:nvSpPr>
+          <p:spPr>
+            <a:xfrm>
+              <a:off x="5053535" y="2844033"/>
+              <a:ext cx="329449" cy="109040"/>
+            </a:xfrm>
+            <a:prstGeom prst="rect">
+              <a:avLst/>
+            </a:prstGeom>
+            <a:noFill/>
+          </p:spPr>
+          <p:txBody>
+            <a:bodyPr lIns="0" rIns="0" tIns="0" bIns="0" anchorCtr="1" anchor="ctr" wrap="none"/>
+            <a:lstStyle/>
+            <a:p>
+              <a:pPr algn="l" marL="0" marR="0" indent="0">
+                <a:lnSpc>
+                  <a:spcPts val="1138"/>
+                </a:lnSpc>
+                <a:spcBef>
+                  <a:spcPts val="0"/>
+                </a:spcBef>
+                <a:spcAft>
+                  <a:spcPts val="0"/>
+                </a:spcAft>
+              </a:pPr>
+              <a:r>
+                <a:rPr sz="1138">
+                  <a:solidFill>
+                    <a:srgbClr val="FFFFFF">
+                      <a:alpha val="100000"/>
+                    </a:srgbClr>
+                  </a:solidFill>
+                  <a:latin typeface="Arial"/>
+                  <a:cs typeface="Arial"/>
+                </a:rPr>
+                <a:t>8.7%</a:t>
+              </a:r>
+            </a:p>
+          </p:txBody>
+        </p:sp>
+        <p:sp>
+          <p:nvSpPr>
+            <p:cNvPr id="25" name="tx25"/>
+            <p:cNvSpPr/>
+            <p:nvPr/>
+          </p:nvSpPr>
+          <p:spPr>
+            <a:xfrm>
+              <a:off x="5627268" y="3289409"/>
+              <a:ext cx="289291" cy="109040"/>
+            </a:xfrm>
+            <a:prstGeom prst="rect">
+              <a:avLst/>
+            </a:prstGeom>
+            <a:noFill/>
+          </p:spPr>
+          <p:txBody>
+            <a:bodyPr lIns="0" rIns="0" tIns="0" bIns="0" anchorCtr="1" anchor="ctr" wrap="none"/>
+            <a:lstStyle/>
+            <a:p>
+              <a:pPr algn="l" marL="0" marR="0" indent="0">
+                <a:lnSpc>
+                  <a:spcPts val="1138"/>
+                </a:lnSpc>
+                <a:spcBef>
+                  <a:spcPts val="0"/>
+                </a:spcBef>
+                <a:spcAft>
+                  <a:spcPts val="0"/>
+                </a:spcAft>
+              </a:pPr>
+              <a:r>
+                <a:rPr sz="1138">
+                  <a:solidFill>
+                    <a:srgbClr val="FFFFFF">
+                      <a:alpha val="100000"/>
+                    </a:srgbClr>
+                  </a:solidFill>
+                  <a:latin typeface="Arial"/>
+                  <a:cs typeface="Arial"/>
+                </a:rPr>
+                <a:t>17%</a:t>
+              </a:r>
+            </a:p>
+          </p:txBody>
+        </p:sp>
+        <p:sp>
+          <p:nvSpPr>
+            <p:cNvPr id="26" name="tx26"/>
+            <p:cNvSpPr/>
+            <p:nvPr/>
+          </p:nvSpPr>
+          <p:spPr>
+            <a:xfrm>
+              <a:off x="5452524" y="4306451"/>
               <a:ext cx="409835" cy="109040"/>
             </a:xfrm>
             <a:prstGeom prst="rect">
@@ -4871,20 +5426,158 @@
                   <a:latin typeface="Arial"/>
                   <a:cs typeface="Arial"/>
                 </a:rPr>
-                <a:t>22.8%</a:t>
+                <a:t>21.3%</a:t>
               </a:r>
             </a:p>
           </p:txBody>
         </p:sp>
         <p:sp>
           <p:nvSpPr>
-            <p:cNvPr id="15" name="tx15"/>
+            <p:cNvPr id="27" name="tx27"/>
             <p:cNvSpPr/>
             <p:nvPr/>
           </p:nvSpPr>
           <p:spPr>
             <a:xfrm>
-              <a:off x="3879251" y="3791678"/>
+              <a:off x="3929130" y="3799380"/>
+              <a:ext cx="289291" cy="109040"/>
+            </a:xfrm>
+            <a:prstGeom prst="rect">
+              <a:avLst/>
+            </a:prstGeom>
+            <a:noFill/>
+          </p:spPr>
+          <p:txBody>
+            <a:bodyPr lIns="0" rIns="0" tIns="0" bIns="0" anchorCtr="1" anchor="ctr" wrap="none"/>
+            <a:lstStyle/>
+            <a:p>
+              <a:pPr algn="l" marL="0" marR="0" indent="0">
+                <a:lnSpc>
+                  <a:spcPts val="1138"/>
+                </a:lnSpc>
+                <a:spcBef>
+                  <a:spcPts val="0"/>
+                </a:spcBef>
+                <a:spcAft>
+                  <a:spcPts val="0"/>
+                </a:spcAft>
+              </a:pPr>
+              <a:r>
+                <a:rPr sz="1138">
+                  <a:solidFill>
+                    <a:srgbClr val="FFFFFF">
+                      <a:alpha val="100000"/>
+                    </a:srgbClr>
+                  </a:solidFill>
+                  <a:latin typeface="Arial"/>
+                  <a:cs typeface="Arial"/>
+                </a:rPr>
+                <a:t>53%</a:t>
+              </a:r>
+            </a:p>
+          </p:txBody>
+        </p:sp>
+        <p:sp>
+          <p:nvSpPr>
+            <p:cNvPr id="28" name="tx28"/>
+            <p:cNvSpPr/>
+            <p:nvPr/>
+          </p:nvSpPr>
+          <p:spPr>
+            <a:xfrm>
+              <a:off x="5050179" y="2846275"/>
+              <a:ext cx="329449" cy="109040"/>
+            </a:xfrm>
+            <a:prstGeom prst="rect">
+              <a:avLst/>
+            </a:prstGeom>
+            <a:noFill/>
+          </p:spPr>
+          <p:txBody>
+            <a:bodyPr lIns="0" rIns="0" tIns="0" bIns="0" anchorCtr="1" anchor="ctr" wrap="none"/>
+            <a:lstStyle/>
+            <a:p>
+              <a:pPr algn="l" marL="0" marR="0" indent="0">
+                <a:lnSpc>
+                  <a:spcPts val="1138"/>
+                </a:lnSpc>
+                <a:spcBef>
+                  <a:spcPts val="0"/>
+                </a:spcBef>
+                <a:spcAft>
+                  <a:spcPts val="0"/>
+                </a:spcAft>
+              </a:pPr>
+              <a:r>
+                <a:rPr sz="1138">
+                  <a:solidFill>
+                    <a:srgbClr val="FFFFFF">
+                      <a:alpha val="100000"/>
+                    </a:srgbClr>
+                  </a:solidFill>
+                  <a:latin typeface="Arial"/>
+                  <a:cs typeface="Arial"/>
+                </a:rPr>
+                <a:t>8.7%</a:t>
+              </a:r>
+            </a:p>
+          </p:txBody>
+        </p:sp>
+        <p:sp>
+          <p:nvSpPr>
+            <p:cNvPr id="29" name="tx29"/>
+            <p:cNvSpPr/>
+            <p:nvPr/>
+          </p:nvSpPr>
+          <p:spPr>
+            <a:xfrm>
+              <a:off x="5623911" y="3291651"/>
+              <a:ext cx="289291" cy="109040"/>
+            </a:xfrm>
+            <a:prstGeom prst="rect">
+              <a:avLst/>
+            </a:prstGeom>
+            <a:noFill/>
+          </p:spPr>
+          <p:txBody>
+            <a:bodyPr lIns="0" rIns="0" tIns="0" bIns="0" anchorCtr="1" anchor="ctr" wrap="none"/>
+            <a:lstStyle/>
+            <a:p>
+              <a:pPr algn="l" marL="0" marR="0" indent="0">
+                <a:lnSpc>
+                  <a:spcPts val="1138"/>
+                </a:lnSpc>
+                <a:spcBef>
+                  <a:spcPts val="0"/>
+                </a:spcBef>
+                <a:spcAft>
+                  <a:spcPts val="0"/>
+                </a:spcAft>
+              </a:pPr>
+              <a:r>
+                <a:rPr sz="1138">
+                  <a:solidFill>
+                    <a:srgbClr val="FFFFFF">
+                      <a:alpha val="100000"/>
+                    </a:srgbClr>
+                  </a:solidFill>
+                  <a:latin typeface="Arial"/>
+                  <a:cs typeface="Arial"/>
+                </a:rPr>
+                <a:t>17%</a:t>
+              </a:r>
+            </a:p>
+          </p:txBody>
+        </p:sp>
+        <p:sp>
+          <p:nvSpPr>
+            <p:cNvPr id="30" name="tx30"/>
+            <p:cNvSpPr/>
+            <p:nvPr/>
+          </p:nvSpPr>
+          <p:spPr>
+            <a:xfrm>
+              <a:off x="5449167" y="4308694"/>
               <a:ext cx="409835" cy="109040"/>
             </a:xfrm>
             <a:prstGeom prst="rect">
@@ -4917,21 +5610,21 @@
                   <a:latin typeface="Arial"/>
                   <a:cs typeface="Arial"/>
                 </a:rPr>
-                <a:t>52.6%</a:t>
+                <a:t>21.3%</a:t>
               </a:r>
             </a:p>
           </p:txBody>
         </p:sp>
         <p:sp>
           <p:nvSpPr>
-            <p:cNvPr id="16" name="tx16"/>
+            <p:cNvPr id="31" name="tx31"/>
             <p:cNvSpPr/>
             <p:nvPr/>
           </p:nvSpPr>
           <p:spPr>
             <a:xfrm>
-              <a:off x="5129315" y="2846198"/>
-              <a:ext cx="208905" cy="109040"/>
+              <a:off x="3925773" y="3801622"/>
+              <a:ext cx="289291" cy="109040"/>
             </a:xfrm>
             <a:prstGeom prst="rect">
               <a:avLst/>
@@ -4963,20 +5656,112 @@
                   <a:latin typeface="Arial"/>
                   <a:cs typeface="Arial"/>
                 </a:rPr>
-                <a:t>9%</a:t>
+                <a:t>53%</a:t>
               </a:r>
             </a:p>
           </p:txBody>
         </p:sp>
         <p:sp>
           <p:nvSpPr>
-            <p:cNvPr id="17" name="tx17"/>
+            <p:cNvPr id="32" name="tx32"/>
             <p:cNvSpPr/>
             <p:nvPr/>
           </p:nvSpPr>
           <p:spPr>
             <a:xfrm>
-              <a:off x="5562659" y="3267165"/>
+              <a:off x="5047936" y="2849632"/>
+              <a:ext cx="329449" cy="109040"/>
+            </a:xfrm>
+            <a:prstGeom prst="rect">
+              <a:avLst/>
+            </a:prstGeom>
+            <a:noFill/>
+          </p:spPr>
+          <p:txBody>
+            <a:bodyPr lIns="0" rIns="0" tIns="0" bIns="0" anchorCtr="1" anchor="ctr" wrap="none"/>
+            <a:lstStyle/>
+            <a:p>
+              <a:pPr algn="l" marL="0" marR="0" indent="0">
+                <a:lnSpc>
+                  <a:spcPts val="1138"/>
+                </a:lnSpc>
+                <a:spcBef>
+                  <a:spcPts val="0"/>
+                </a:spcBef>
+                <a:spcAft>
+                  <a:spcPts val="0"/>
+                </a:spcAft>
+              </a:pPr>
+              <a:r>
+                <a:rPr sz="1138">
+                  <a:solidFill>
+                    <a:srgbClr val="FFFFFF">
+                      <a:alpha val="100000"/>
+                    </a:srgbClr>
+                  </a:solidFill>
+                  <a:latin typeface="Arial"/>
+                  <a:cs typeface="Arial"/>
+                </a:rPr>
+                <a:t>8.7%</a:t>
+              </a:r>
+            </a:p>
+          </p:txBody>
+        </p:sp>
+        <p:sp>
+          <p:nvSpPr>
+            <p:cNvPr id="33" name="tx33"/>
+            <p:cNvSpPr/>
+            <p:nvPr/>
+          </p:nvSpPr>
+          <p:spPr>
+            <a:xfrm>
+              <a:off x="5621668" y="3295008"/>
+              <a:ext cx="289291" cy="109040"/>
+            </a:xfrm>
+            <a:prstGeom prst="rect">
+              <a:avLst/>
+            </a:prstGeom>
+            <a:noFill/>
+          </p:spPr>
+          <p:txBody>
+            <a:bodyPr lIns="0" rIns="0" tIns="0" bIns="0" anchorCtr="1" anchor="ctr" wrap="none"/>
+            <a:lstStyle/>
+            <a:p>
+              <a:pPr algn="l" marL="0" marR="0" indent="0">
+                <a:lnSpc>
+                  <a:spcPts val="1138"/>
+                </a:lnSpc>
+                <a:spcBef>
+                  <a:spcPts val="0"/>
+                </a:spcBef>
+                <a:spcAft>
+                  <a:spcPts val="0"/>
+                </a:spcAft>
+              </a:pPr>
+              <a:r>
+                <a:rPr sz="1138">
+                  <a:solidFill>
+                    <a:srgbClr val="FFFFFF">
+                      <a:alpha val="100000"/>
+                    </a:srgbClr>
+                  </a:solidFill>
+                  <a:latin typeface="Arial"/>
+                  <a:cs typeface="Arial"/>
+                </a:rPr>
+                <a:t>17%</a:t>
+              </a:r>
+            </a:p>
+          </p:txBody>
+        </p:sp>
+        <p:sp>
+          <p:nvSpPr>
+            <p:cNvPr id="34" name="tx34"/>
+            <p:cNvSpPr/>
+            <p:nvPr/>
+          </p:nvSpPr>
+          <p:spPr>
+            <a:xfrm>
+              <a:off x="5446924" y="4312050"/>
               <a:ext cx="409835" cy="109040"/>
             </a:xfrm>
             <a:prstGeom prst="rect">
@@ -5009,20 +5794,158 @@
                   <a:latin typeface="Arial"/>
                   <a:cs typeface="Arial"/>
                 </a:rPr>
-                <a:t>15.5%</a:t>
+                <a:t>21.3%</a:t>
               </a:r>
             </a:p>
           </p:txBody>
         </p:sp>
         <p:sp>
           <p:nvSpPr>
-            <p:cNvPr id="18" name="tx18"/>
+            <p:cNvPr id="35" name="tx35"/>
             <p:cNvSpPr/>
             <p:nvPr/>
           </p:nvSpPr>
           <p:spPr>
             <a:xfrm>
-              <a:off x="5475470" y="4288639"/>
+              <a:off x="3923530" y="3804979"/>
+              <a:ext cx="289291" cy="109040"/>
+            </a:xfrm>
+            <a:prstGeom prst="rect">
+              <a:avLst/>
+            </a:prstGeom>
+            <a:noFill/>
+          </p:spPr>
+          <p:txBody>
+            <a:bodyPr lIns="0" rIns="0" tIns="0" bIns="0" anchorCtr="1" anchor="ctr" wrap="none"/>
+            <a:lstStyle/>
+            <a:p>
+              <a:pPr algn="l" marL="0" marR="0" indent="0">
+                <a:lnSpc>
+                  <a:spcPts val="1138"/>
+                </a:lnSpc>
+                <a:spcBef>
+                  <a:spcPts val="0"/>
+                </a:spcBef>
+                <a:spcAft>
+                  <a:spcPts val="0"/>
+                </a:spcAft>
+              </a:pPr>
+              <a:r>
+                <a:rPr sz="1138">
+                  <a:solidFill>
+                    <a:srgbClr val="FFFFFF">
+                      <a:alpha val="100000"/>
+                    </a:srgbClr>
+                  </a:solidFill>
+                  <a:latin typeface="Arial"/>
+                  <a:cs typeface="Arial"/>
+                </a:rPr>
+                <a:t>53%</a:t>
+              </a:r>
+            </a:p>
+          </p:txBody>
+        </p:sp>
+        <p:sp>
+          <p:nvSpPr>
+            <p:cNvPr id="36" name="tx36"/>
+            <p:cNvSpPr/>
+            <p:nvPr/>
+          </p:nvSpPr>
+          <p:spPr>
+            <a:xfrm>
+              <a:off x="5047148" y="2853592"/>
+              <a:ext cx="329449" cy="109040"/>
+            </a:xfrm>
+            <a:prstGeom prst="rect">
+              <a:avLst/>
+            </a:prstGeom>
+            <a:noFill/>
+          </p:spPr>
+          <p:txBody>
+            <a:bodyPr lIns="0" rIns="0" tIns="0" bIns="0" anchorCtr="1" anchor="ctr" wrap="none"/>
+            <a:lstStyle/>
+            <a:p>
+              <a:pPr algn="l" marL="0" marR="0" indent="0">
+                <a:lnSpc>
+                  <a:spcPts val="1138"/>
+                </a:lnSpc>
+                <a:spcBef>
+                  <a:spcPts val="0"/>
+                </a:spcBef>
+                <a:spcAft>
+                  <a:spcPts val="0"/>
+                </a:spcAft>
+              </a:pPr>
+              <a:r>
+                <a:rPr sz="1138">
+                  <a:solidFill>
+                    <a:srgbClr val="FFFFFF">
+                      <a:alpha val="100000"/>
+                    </a:srgbClr>
+                  </a:solidFill>
+                  <a:latin typeface="Arial"/>
+                  <a:cs typeface="Arial"/>
+                </a:rPr>
+                <a:t>8.7%</a:t>
+              </a:r>
+            </a:p>
+          </p:txBody>
+        </p:sp>
+        <p:sp>
+          <p:nvSpPr>
+            <p:cNvPr id="37" name="tx37"/>
+            <p:cNvSpPr/>
+            <p:nvPr/>
+          </p:nvSpPr>
+          <p:spPr>
+            <a:xfrm>
+              <a:off x="5620881" y="3298967"/>
+              <a:ext cx="289291" cy="109040"/>
+            </a:xfrm>
+            <a:prstGeom prst="rect">
+              <a:avLst/>
+            </a:prstGeom>
+            <a:noFill/>
+          </p:spPr>
+          <p:txBody>
+            <a:bodyPr lIns="0" rIns="0" tIns="0" bIns="0" anchorCtr="1" anchor="ctr" wrap="none"/>
+            <a:lstStyle/>
+            <a:p>
+              <a:pPr algn="l" marL="0" marR="0" indent="0">
+                <a:lnSpc>
+                  <a:spcPts val="1138"/>
+                </a:lnSpc>
+                <a:spcBef>
+                  <a:spcPts val="0"/>
+                </a:spcBef>
+                <a:spcAft>
+                  <a:spcPts val="0"/>
+                </a:spcAft>
+              </a:pPr>
+              <a:r>
+                <a:rPr sz="1138">
+                  <a:solidFill>
+                    <a:srgbClr val="FFFFFF">
+                      <a:alpha val="100000"/>
+                    </a:srgbClr>
+                  </a:solidFill>
+                  <a:latin typeface="Arial"/>
+                  <a:cs typeface="Arial"/>
+                </a:rPr>
+                <a:t>17%</a:t>
+              </a:r>
+            </a:p>
+          </p:txBody>
+        </p:sp>
+        <p:sp>
+          <p:nvSpPr>
+            <p:cNvPr id="38" name="tx38"/>
+            <p:cNvSpPr/>
+            <p:nvPr/>
+          </p:nvSpPr>
+          <p:spPr>
+            <a:xfrm>
+              <a:off x="5446137" y="4316010"/>
               <a:ext cx="409835" cy="109040"/>
             </a:xfrm>
             <a:prstGeom prst="rect">
@@ -5055,20 +5978,158 @@
                   <a:latin typeface="Arial"/>
                   <a:cs typeface="Arial"/>
                 </a:rPr>
-                <a:t>22.8%</a:t>
+                <a:t>21.3%</a:t>
               </a:r>
             </a:p>
           </p:txBody>
         </p:sp>
         <p:sp>
           <p:nvSpPr>
-            <p:cNvPr id="19" name="tx19"/>
+            <p:cNvPr id="39" name="tx39"/>
             <p:cNvSpPr/>
             <p:nvPr/>
           </p:nvSpPr>
           <p:spPr>
             <a:xfrm>
-              <a:off x="3875895" y="3789435"/>
+              <a:off x="3922743" y="3808938"/>
+              <a:ext cx="289291" cy="109040"/>
+            </a:xfrm>
+            <a:prstGeom prst="rect">
+              <a:avLst/>
+            </a:prstGeom>
+            <a:noFill/>
+          </p:spPr>
+          <p:txBody>
+            <a:bodyPr lIns="0" rIns="0" tIns="0" bIns="0" anchorCtr="1" anchor="ctr" wrap="none"/>
+            <a:lstStyle/>
+            <a:p>
+              <a:pPr algn="l" marL="0" marR="0" indent="0">
+                <a:lnSpc>
+                  <a:spcPts val="1138"/>
+                </a:lnSpc>
+                <a:spcBef>
+                  <a:spcPts val="0"/>
+                </a:spcBef>
+                <a:spcAft>
+                  <a:spcPts val="0"/>
+                </a:spcAft>
+              </a:pPr>
+              <a:r>
+                <a:rPr sz="1138">
+                  <a:solidFill>
+                    <a:srgbClr val="FFFFFF">
+                      <a:alpha val="100000"/>
+                    </a:srgbClr>
+                  </a:solidFill>
+                  <a:latin typeface="Arial"/>
+                  <a:cs typeface="Arial"/>
+                </a:rPr>
+                <a:t>53%</a:t>
+              </a:r>
+            </a:p>
+          </p:txBody>
+        </p:sp>
+        <p:sp>
+          <p:nvSpPr>
+            <p:cNvPr id="40" name="tx40"/>
+            <p:cNvSpPr/>
+            <p:nvPr/>
+          </p:nvSpPr>
+          <p:spPr>
+            <a:xfrm>
+              <a:off x="5047936" y="2857551"/>
+              <a:ext cx="329449" cy="109040"/>
+            </a:xfrm>
+            <a:prstGeom prst="rect">
+              <a:avLst/>
+            </a:prstGeom>
+            <a:noFill/>
+          </p:spPr>
+          <p:txBody>
+            <a:bodyPr lIns="0" rIns="0" tIns="0" bIns="0" anchorCtr="1" anchor="ctr" wrap="none"/>
+            <a:lstStyle/>
+            <a:p>
+              <a:pPr algn="l" marL="0" marR="0" indent="0">
+                <a:lnSpc>
+                  <a:spcPts val="1138"/>
+                </a:lnSpc>
+                <a:spcBef>
+                  <a:spcPts val="0"/>
+                </a:spcBef>
+                <a:spcAft>
+                  <a:spcPts val="0"/>
+                </a:spcAft>
+              </a:pPr>
+              <a:r>
+                <a:rPr sz="1138">
+                  <a:solidFill>
+                    <a:srgbClr val="FFFFFF">
+                      <a:alpha val="100000"/>
+                    </a:srgbClr>
+                  </a:solidFill>
+                  <a:latin typeface="Arial"/>
+                  <a:cs typeface="Arial"/>
+                </a:rPr>
+                <a:t>8.7%</a:t>
+              </a:r>
+            </a:p>
+          </p:txBody>
+        </p:sp>
+        <p:sp>
+          <p:nvSpPr>
+            <p:cNvPr id="41" name="tx41"/>
+            <p:cNvSpPr/>
+            <p:nvPr/>
+          </p:nvSpPr>
+          <p:spPr>
+            <a:xfrm>
+              <a:off x="5621668" y="3302927"/>
+              <a:ext cx="289291" cy="109040"/>
+            </a:xfrm>
+            <a:prstGeom prst="rect">
+              <a:avLst/>
+            </a:prstGeom>
+            <a:noFill/>
+          </p:spPr>
+          <p:txBody>
+            <a:bodyPr lIns="0" rIns="0" tIns="0" bIns="0" anchorCtr="1" anchor="ctr" wrap="none"/>
+            <a:lstStyle/>
+            <a:p>
+              <a:pPr algn="l" marL="0" marR="0" indent="0">
+                <a:lnSpc>
+                  <a:spcPts val="1138"/>
+                </a:lnSpc>
+                <a:spcBef>
+                  <a:spcPts val="0"/>
+                </a:spcBef>
+                <a:spcAft>
+                  <a:spcPts val="0"/>
+                </a:spcAft>
+              </a:pPr>
+              <a:r>
+                <a:rPr sz="1138">
+                  <a:solidFill>
+                    <a:srgbClr val="FFFFFF">
+                      <a:alpha val="100000"/>
+                    </a:srgbClr>
+                  </a:solidFill>
+                  <a:latin typeface="Arial"/>
+                  <a:cs typeface="Arial"/>
+                </a:rPr>
+                <a:t>17%</a:t>
+              </a:r>
+            </a:p>
+          </p:txBody>
+        </p:sp>
+        <p:sp>
+          <p:nvSpPr>
+            <p:cNvPr id="42" name="tx42"/>
+            <p:cNvSpPr/>
+            <p:nvPr/>
+          </p:nvSpPr>
+          <p:spPr>
+            <a:xfrm>
+              <a:off x="5446924" y="4319969"/>
               <a:ext cx="409835" cy="109040"/>
             </a:xfrm>
             <a:prstGeom prst="rect">
@@ -5101,21 +6162,21 @@
                   <a:latin typeface="Arial"/>
                   <a:cs typeface="Arial"/>
                 </a:rPr>
-                <a:t>52.6%</a:t>
+                <a:t>21.3%</a:t>
               </a:r>
             </a:p>
           </p:txBody>
         </p:sp>
         <p:sp>
           <p:nvSpPr>
-            <p:cNvPr id="20" name="tx20"/>
+            <p:cNvPr id="43" name="tx43"/>
             <p:cNvSpPr/>
             <p:nvPr/>
           </p:nvSpPr>
           <p:spPr>
             <a:xfrm>
-              <a:off x="5125355" y="2845411"/>
-              <a:ext cx="208905" cy="109040"/>
+              <a:off x="3923530" y="3812898"/>
+              <a:ext cx="289291" cy="109040"/>
             </a:xfrm>
             <a:prstGeom prst="rect">
               <a:avLst/>
@@ -5147,20 +6208,112 @@
                   <a:latin typeface="Arial"/>
                   <a:cs typeface="Arial"/>
                 </a:rPr>
-                <a:t>9%</a:t>
+                <a:t>53%</a:t>
               </a:r>
             </a:p>
           </p:txBody>
         </p:sp>
         <p:sp>
           <p:nvSpPr>
-            <p:cNvPr id="21" name="tx21"/>
+            <p:cNvPr id="44" name="tx44"/>
             <p:cNvSpPr/>
             <p:nvPr/>
           </p:nvSpPr>
           <p:spPr>
             <a:xfrm>
-              <a:off x="5558700" y="3266378"/>
+              <a:off x="5050179" y="2860908"/>
+              <a:ext cx="329449" cy="109040"/>
+            </a:xfrm>
+            <a:prstGeom prst="rect">
+              <a:avLst/>
+            </a:prstGeom>
+            <a:noFill/>
+          </p:spPr>
+          <p:txBody>
+            <a:bodyPr lIns="0" rIns="0" tIns="0" bIns="0" anchorCtr="1" anchor="ctr" wrap="none"/>
+            <a:lstStyle/>
+            <a:p>
+              <a:pPr algn="l" marL="0" marR="0" indent="0">
+                <a:lnSpc>
+                  <a:spcPts val="1138"/>
+                </a:lnSpc>
+                <a:spcBef>
+                  <a:spcPts val="0"/>
+                </a:spcBef>
+                <a:spcAft>
+                  <a:spcPts val="0"/>
+                </a:spcAft>
+              </a:pPr>
+              <a:r>
+                <a:rPr sz="1138">
+                  <a:solidFill>
+                    <a:srgbClr val="FFFFFF">
+                      <a:alpha val="100000"/>
+                    </a:srgbClr>
+                  </a:solidFill>
+                  <a:latin typeface="Arial"/>
+                  <a:cs typeface="Arial"/>
+                </a:rPr>
+                <a:t>8.7%</a:t>
+              </a:r>
+            </a:p>
+          </p:txBody>
+        </p:sp>
+        <p:sp>
+          <p:nvSpPr>
+            <p:cNvPr id="45" name="tx45"/>
+            <p:cNvSpPr/>
+            <p:nvPr/>
+          </p:nvSpPr>
+          <p:spPr>
+            <a:xfrm>
+              <a:off x="5623911" y="3306284"/>
+              <a:ext cx="289291" cy="109040"/>
+            </a:xfrm>
+            <a:prstGeom prst="rect">
+              <a:avLst/>
+            </a:prstGeom>
+            <a:noFill/>
+          </p:spPr>
+          <p:txBody>
+            <a:bodyPr lIns="0" rIns="0" tIns="0" bIns="0" anchorCtr="1" anchor="ctr" wrap="none"/>
+            <a:lstStyle/>
+            <a:p>
+              <a:pPr algn="l" marL="0" marR="0" indent="0">
+                <a:lnSpc>
+                  <a:spcPts val="1138"/>
+                </a:lnSpc>
+                <a:spcBef>
+                  <a:spcPts val="0"/>
+                </a:spcBef>
+                <a:spcAft>
+                  <a:spcPts val="0"/>
+                </a:spcAft>
+              </a:pPr>
+              <a:r>
+                <a:rPr sz="1138">
+                  <a:solidFill>
+                    <a:srgbClr val="FFFFFF">
+                      <a:alpha val="100000"/>
+                    </a:srgbClr>
+                  </a:solidFill>
+                  <a:latin typeface="Arial"/>
+                  <a:cs typeface="Arial"/>
+                </a:rPr>
+                <a:t>17%</a:t>
+              </a:r>
+            </a:p>
+          </p:txBody>
+        </p:sp>
+        <p:sp>
+          <p:nvSpPr>
+            <p:cNvPr id="46" name="tx46"/>
+            <p:cNvSpPr/>
+            <p:nvPr/>
+          </p:nvSpPr>
+          <p:spPr>
+            <a:xfrm>
+              <a:off x="5449167" y="4323326"/>
               <a:ext cx="409835" cy="109040"/>
             </a:xfrm>
             <a:prstGeom prst="rect">
@@ -5193,20 +6346,158 @@
                   <a:latin typeface="Arial"/>
                   <a:cs typeface="Arial"/>
                 </a:rPr>
-                <a:t>15.5%</a:t>
+                <a:t>21.3%</a:t>
               </a:r>
             </a:p>
           </p:txBody>
         </p:sp>
         <p:sp>
           <p:nvSpPr>
-            <p:cNvPr id="22" name="tx22"/>
+            <p:cNvPr id="47" name="tx47"/>
             <p:cNvSpPr/>
             <p:nvPr/>
           </p:nvSpPr>
           <p:spPr>
             <a:xfrm>
-              <a:off x="5471510" y="4287852"/>
+              <a:off x="3925773" y="3816254"/>
+              <a:ext cx="289291" cy="109040"/>
+            </a:xfrm>
+            <a:prstGeom prst="rect">
+              <a:avLst/>
+            </a:prstGeom>
+            <a:noFill/>
+          </p:spPr>
+          <p:txBody>
+            <a:bodyPr lIns="0" rIns="0" tIns="0" bIns="0" anchorCtr="1" anchor="ctr" wrap="none"/>
+            <a:lstStyle/>
+            <a:p>
+              <a:pPr algn="l" marL="0" marR="0" indent="0">
+                <a:lnSpc>
+                  <a:spcPts val="1138"/>
+                </a:lnSpc>
+                <a:spcBef>
+                  <a:spcPts val="0"/>
+                </a:spcBef>
+                <a:spcAft>
+                  <a:spcPts val="0"/>
+                </a:spcAft>
+              </a:pPr>
+              <a:r>
+                <a:rPr sz="1138">
+                  <a:solidFill>
+                    <a:srgbClr val="FFFFFF">
+                      <a:alpha val="100000"/>
+                    </a:srgbClr>
+                  </a:solidFill>
+                  <a:latin typeface="Arial"/>
+                  <a:cs typeface="Arial"/>
+                </a:rPr>
+                <a:t>53%</a:t>
+              </a:r>
+            </a:p>
+          </p:txBody>
+        </p:sp>
+        <p:sp>
+          <p:nvSpPr>
+            <p:cNvPr id="48" name="tx48"/>
+            <p:cNvSpPr/>
+            <p:nvPr/>
+          </p:nvSpPr>
+          <p:spPr>
+            <a:xfrm>
+              <a:off x="5053535" y="2863150"/>
+              <a:ext cx="329449" cy="109040"/>
+            </a:xfrm>
+            <a:prstGeom prst="rect">
+              <a:avLst/>
+            </a:prstGeom>
+            <a:noFill/>
+          </p:spPr>
+          <p:txBody>
+            <a:bodyPr lIns="0" rIns="0" tIns="0" bIns="0" anchorCtr="1" anchor="ctr" wrap="none"/>
+            <a:lstStyle/>
+            <a:p>
+              <a:pPr algn="l" marL="0" marR="0" indent="0">
+                <a:lnSpc>
+                  <a:spcPts val="1138"/>
+                </a:lnSpc>
+                <a:spcBef>
+                  <a:spcPts val="0"/>
+                </a:spcBef>
+                <a:spcAft>
+                  <a:spcPts val="0"/>
+                </a:spcAft>
+              </a:pPr>
+              <a:r>
+                <a:rPr sz="1138">
+                  <a:solidFill>
+                    <a:srgbClr val="FFFFFF">
+                      <a:alpha val="100000"/>
+                    </a:srgbClr>
+                  </a:solidFill>
+                  <a:latin typeface="Arial"/>
+                  <a:cs typeface="Arial"/>
+                </a:rPr>
+                <a:t>8.7%</a:t>
+              </a:r>
+            </a:p>
+          </p:txBody>
+        </p:sp>
+        <p:sp>
+          <p:nvSpPr>
+            <p:cNvPr id="49" name="tx49"/>
+            <p:cNvSpPr/>
+            <p:nvPr/>
+          </p:nvSpPr>
+          <p:spPr>
+            <a:xfrm>
+              <a:off x="5627268" y="3308526"/>
+              <a:ext cx="289291" cy="109040"/>
+            </a:xfrm>
+            <a:prstGeom prst="rect">
+              <a:avLst/>
+            </a:prstGeom>
+            <a:noFill/>
+          </p:spPr>
+          <p:txBody>
+            <a:bodyPr lIns="0" rIns="0" tIns="0" bIns="0" anchorCtr="1" anchor="ctr" wrap="none"/>
+            <a:lstStyle/>
+            <a:p>
+              <a:pPr algn="l" marL="0" marR="0" indent="0">
+                <a:lnSpc>
+                  <a:spcPts val="1138"/>
+                </a:lnSpc>
+                <a:spcBef>
+                  <a:spcPts val="0"/>
+                </a:spcBef>
+                <a:spcAft>
+                  <a:spcPts val="0"/>
+                </a:spcAft>
+              </a:pPr>
+              <a:r>
+                <a:rPr sz="1138">
+                  <a:solidFill>
+                    <a:srgbClr val="FFFFFF">
+                      <a:alpha val="100000"/>
+                    </a:srgbClr>
+                  </a:solidFill>
+                  <a:latin typeface="Arial"/>
+                  <a:cs typeface="Arial"/>
+                </a:rPr>
+                <a:t>17%</a:t>
+              </a:r>
+            </a:p>
+          </p:txBody>
+        </p:sp>
+        <p:sp>
+          <p:nvSpPr>
+            <p:cNvPr id="50" name="tx50"/>
+            <p:cNvSpPr/>
+            <p:nvPr/>
+          </p:nvSpPr>
+          <p:spPr>
+            <a:xfrm>
+              <a:off x="5452524" y="4325569"/>
               <a:ext cx="409835" cy="109040"/>
             </a:xfrm>
             <a:prstGeom prst="rect">
@@ -5239,20 +6530,158 @@
                   <a:latin typeface="Arial"/>
                   <a:cs typeface="Arial"/>
                 </a:rPr>
-                <a:t>22.8%</a:t>
+                <a:t>21.3%</a:t>
               </a:r>
             </a:p>
           </p:txBody>
         </p:sp>
         <p:sp>
           <p:nvSpPr>
-            <p:cNvPr id="23" name="tx23"/>
+            <p:cNvPr id="51" name="tx51"/>
             <p:cNvSpPr/>
             <p:nvPr/>
           </p:nvSpPr>
           <p:spPr>
             <a:xfrm>
-              <a:off x="3871935" y="3788648"/>
+              <a:off x="3929130" y="3818497"/>
+              <a:ext cx="289291" cy="109040"/>
+            </a:xfrm>
+            <a:prstGeom prst="rect">
+              <a:avLst/>
+            </a:prstGeom>
+            <a:noFill/>
+          </p:spPr>
+          <p:txBody>
+            <a:bodyPr lIns="0" rIns="0" tIns="0" bIns="0" anchorCtr="1" anchor="ctr" wrap="none"/>
+            <a:lstStyle/>
+            <a:p>
+              <a:pPr algn="l" marL="0" marR="0" indent="0">
+                <a:lnSpc>
+                  <a:spcPts val="1138"/>
+                </a:lnSpc>
+                <a:spcBef>
+                  <a:spcPts val="0"/>
+                </a:spcBef>
+                <a:spcAft>
+                  <a:spcPts val="0"/>
+                </a:spcAft>
+              </a:pPr>
+              <a:r>
+                <a:rPr sz="1138">
+                  <a:solidFill>
+                    <a:srgbClr val="FFFFFF">
+                      <a:alpha val="100000"/>
+                    </a:srgbClr>
+                  </a:solidFill>
+                  <a:latin typeface="Arial"/>
+                  <a:cs typeface="Arial"/>
+                </a:rPr>
+                <a:t>53%</a:t>
+              </a:r>
+            </a:p>
+          </p:txBody>
+        </p:sp>
+        <p:sp>
+          <p:nvSpPr>
+            <p:cNvPr id="52" name="tx52"/>
+            <p:cNvSpPr/>
+            <p:nvPr/>
+          </p:nvSpPr>
+          <p:spPr>
+            <a:xfrm>
+              <a:off x="5057495" y="2863938"/>
+              <a:ext cx="329449" cy="109040"/>
+            </a:xfrm>
+            <a:prstGeom prst="rect">
+              <a:avLst/>
+            </a:prstGeom>
+            <a:noFill/>
+          </p:spPr>
+          <p:txBody>
+            <a:bodyPr lIns="0" rIns="0" tIns="0" bIns="0" anchorCtr="1" anchor="ctr" wrap="none"/>
+            <a:lstStyle/>
+            <a:p>
+              <a:pPr algn="l" marL="0" marR="0" indent="0">
+                <a:lnSpc>
+                  <a:spcPts val="1138"/>
+                </a:lnSpc>
+                <a:spcBef>
+                  <a:spcPts val="0"/>
+                </a:spcBef>
+                <a:spcAft>
+                  <a:spcPts val="0"/>
+                </a:spcAft>
+              </a:pPr>
+              <a:r>
+                <a:rPr sz="1138">
+                  <a:solidFill>
+                    <a:srgbClr val="FFFFFF">
+                      <a:alpha val="100000"/>
+                    </a:srgbClr>
+                  </a:solidFill>
+                  <a:latin typeface="Arial"/>
+                  <a:cs typeface="Arial"/>
+                </a:rPr>
+                <a:t>8.7%</a:t>
+              </a:r>
+            </a:p>
+          </p:txBody>
+        </p:sp>
+        <p:sp>
+          <p:nvSpPr>
+            <p:cNvPr id="53" name="tx53"/>
+            <p:cNvSpPr/>
+            <p:nvPr/>
+          </p:nvSpPr>
+          <p:spPr>
+            <a:xfrm>
+              <a:off x="5631227" y="3309314"/>
+              <a:ext cx="289291" cy="109040"/>
+            </a:xfrm>
+            <a:prstGeom prst="rect">
+              <a:avLst/>
+            </a:prstGeom>
+            <a:noFill/>
+          </p:spPr>
+          <p:txBody>
+            <a:bodyPr lIns="0" rIns="0" tIns="0" bIns="0" anchorCtr="1" anchor="ctr" wrap="none"/>
+            <a:lstStyle/>
+            <a:p>
+              <a:pPr algn="l" marL="0" marR="0" indent="0">
+                <a:lnSpc>
+                  <a:spcPts val="1138"/>
+                </a:lnSpc>
+                <a:spcBef>
+                  <a:spcPts val="0"/>
+                </a:spcBef>
+                <a:spcAft>
+                  <a:spcPts val="0"/>
+                </a:spcAft>
+              </a:pPr>
+              <a:r>
+                <a:rPr sz="1138">
+                  <a:solidFill>
+                    <a:srgbClr val="FFFFFF">
+                      <a:alpha val="100000"/>
+                    </a:srgbClr>
+                  </a:solidFill>
+                  <a:latin typeface="Arial"/>
+                  <a:cs typeface="Arial"/>
+                </a:rPr>
+                <a:t>17%</a:t>
+              </a:r>
+            </a:p>
+          </p:txBody>
+        </p:sp>
+        <p:sp>
+          <p:nvSpPr>
+            <p:cNvPr id="54" name="tx54"/>
+            <p:cNvSpPr/>
+            <p:nvPr/>
+          </p:nvSpPr>
+          <p:spPr>
+            <a:xfrm>
+              <a:off x="5456483" y="4326356"/>
               <a:ext cx="409835" cy="109040"/>
             </a:xfrm>
             <a:prstGeom prst="rect">
@@ -5285,21 +6714,21 @@
                   <a:latin typeface="Arial"/>
                   <a:cs typeface="Arial"/>
                 </a:rPr>
-                <a:t>52.6%</a:t>
+                <a:t>21.3%</a:t>
               </a:r>
             </a:p>
           </p:txBody>
         </p:sp>
         <p:sp>
           <p:nvSpPr>
-            <p:cNvPr id="24" name="tx24"/>
+            <p:cNvPr id="55" name="tx55"/>
             <p:cNvSpPr/>
             <p:nvPr/>
           </p:nvSpPr>
           <p:spPr>
             <a:xfrm>
-              <a:off x="5121396" y="2846198"/>
-              <a:ext cx="208905" cy="109040"/>
+              <a:off x="3933089" y="3819285"/>
+              <a:ext cx="289291" cy="109040"/>
             </a:xfrm>
             <a:prstGeom prst="rect">
               <a:avLst/>
@@ -5331,20 +6760,112 @@
                   <a:latin typeface="Arial"/>
                   <a:cs typeface="Arial"/>
                 </a:rPr>
-                <a:t>9%</a:t>
+                <a:t>53%</a:t>
               </a:r>
             </a:p>
           </p:txBody>
         </p:sp>
         <p:sp>
           <p:nvSpPr>
-            <p:cNvPr id="25" name="tx25"/>
+            <p:cNvPr id="56" name="tx56"/>
             <p:cNvSpPr/>
             <p:nvPr/>
           </p:nvSpPr>
           <p:spPr>
             <a:xfrm>
-              <a:off x="5554741" y="3267165"/>
+              <a:off x="5061454" y="2863150"/>
+              <a:ext cx="329449" cy="109040"/>
+            </a:xfrm>
+            <a:prstGeom prst="rect">
+              <a:avLst/>
+            </a:prstGeom>
+            <a:noFill/>
+          </p:spPr>
+          <p:txBody>
+            <a:bodyPr lIns="0" rIns="0" tIns="0" bIns="0" anchorCtr="1" anchor="ctr" wrap="none"/>
+            <a:lstStyle/>
+            <a:p>
+              <a:pPr algn="l" marL="0" marR="0" indent="0">
+                <a:lnSpc>
+                  <a:spcPts val="1138"/>
+                </a:lnSpc>
+                <a:spcBef>
+                  <a:spcPts val="0"/>
+                </a:spcBef>
+                <a:spcAft>
+                  <a:spcPts val="0"/>
+                </a:spcAft>
+              </a:pPr>
+              <a:r>
+                <a:rPr sz="1138">
+                  <a:solidFill>
+                    <a:srgbClr val="FFFFFF">
+                      <a:alpha val="100000"/>
+                    </a:srgbClr>
+                  </a:solidFill>
+                  <a:latin typeface="Arial"/>
+                  <a:cs typeface="Arial"/>
+                </a:rPr>
+                <a:t>8.7%</a:t>
+              </a:r>
+            </a:p>
+          </p:txBody>
+        </p:sp>
+        <p:sp>
+          <p:nvSpPr>
+            <p:cNvPr id="57" name="tx57"/>
+            <p:cNvSpPr/>
+            <p:nvPr/>
+          </p:nvSpPr>
+          <p:spPr>
+            <a:xfrm>
+              <a:off x="5635187" y="3308526"/>
+              <a:ext cx="289291" cy="109040"/>
+            </a:xfrm>
+            <a:prstGeom prst="rect">
+              <a:avLst/>
+            </a:prstGeom>
+            <a:noFill/>
+          </p:spPr>
+          <p:txBody>
+            <a:bodyPr lIns="0" rIns="0" tIns="0" bIns="0" anchorCtr="1" anchor="ctr" wrap="none"/>
+            <a:lstStyle/>
+            <a:p>
+              <a:pPr algn="l" marL="0" marR="0" indent="0">
+                <a:lnSpc>
+                  <a:spcPts val="1138"/>
+                </a:lnSpc>
+                <a:spcBef>
+                  <a:spcPts val="0"/>
+                </a:spcBef>
+                <a:spcAft>
+                  <a:spcPts val="0"/>
+                </a:spcAft>
+              </a:pPr>
+              <a:r>
+                <a:rPr sz="1138">
+                  <a:solidFill>
+                    <a:srgbClr val="FFFFFF">
+                      <a:alpha val="100000"/>
+                    </a:srgbClr>
+                  </a:solidFill>
+                  <a:latin typeface="Arial"/>
+                  <a:cs typeface="Arial"/>
+                </a:rPr>
+                <a:t>17%</a:t>
+              </a:r>
+            </a:p>
+          </p:txBody>
+        </p:sp>
+        <p:sp>
+          <p:nvSpPr>
+            <p:cNvPr id="58" name="tx58"/>
+            <p:cNvSpPr/>
+            <p:nvPr/>
+          </p:nvSpPr>
+          <p:spPr>
+            <a:xfrm>
+              <a:off x="5460443" y="4325569"/>
               <a:ext cx="409835" cy="109040"/>
             </a:xfrm>
             <a:prstGeom prst="rect">
@@ -5377,20 +6898,158 @@
                   <a:latin typeface="Arial"/>
                   <a:cs typeface="Arial"/>
                 </a:rPr>
-                <a:t>15.5%</a:t>
+                <a:t>21.3%</a:t>
               </a:r>
             </a:p>
           </p:txBody>
         </p:sp>
         <p:sp>
           <p:nvSpPr>
-            <p:cNvPr id="26" name="tx26"/>
+            <p:cNvPr id="59" name="tx59"/>
             <p:cNvSpPr/>
             <p:nvPr/>
           </p:nvSpPr>
           <p:spPr>
             <a:xfrm>
-              <a:off x="5467551" y="4288639"/>
+              <a:off x="3937048" y="3818497"/>
+              <a:ext cx="289291" cy="109040"/>
+            </a:xfrm>
+            <a:prstGeom prst="rect">
+              <a:avLst/>
+            </a:prstGeom>
+            <a:noFill/>
+          </p:spPr>
+          <p:txBody>
+            <a:bodyPr lIns="0" rIns="0" tIns="0" bIns="0" anchorCtr="1" anchor="ctr" wrap="none"/>
+            <a:lstStyle/>
+            <a:p>
+              <a:pPr algn="l" marL="0" marR="0" indent="0">
+                <a:lnSpc>
+                  <a:spcPts val="1138"/>
+                </a:lnSpc>
+                <a:spcBef>
+                  <a:spcPts val="0"/>
+                </a:spcBef>
+                <a:spcAft>
+                  <a:spcPts val="0"/>
+                </a:spcAft>
+              </a:pPr>
+              <a:r>
+                <a:rPr sz="1138">
+                  <a:solidFill>
+                    <a:srgbClr val="FFFFFF">
+                      <a:alpha val="100000"/>
+                    </a:srgbClr>
+                  </a:solidFill>
+                  <a:latin typeface="Arial"/>
+                  <a:cs typeface="Arial"/>
+                </a:rPr>
+                <a:t>53%</a:t>
+              </a:r>
+            </a:p>
+          </p:txBody>
+        </p:sp>
+        <p:sp>
+          <p:nvSpPr>
+            <p:cNvPr id="60" name="tx60"/>
+            <p:cNvSpPr/>
+            <p:nvPr/>
+          </p:nvSpPr>
+          <p:spPr>
+            <a:xfrm>
+              <a:off x="5064811" y="2860908"/>
+              <a:ext cx="329449" cy="109040"/>
+            </a:xfrm>
+            <a:prstGeom prst="rect">
+              <a:avLst/>
+            </a:prstGeom>
+            <a:noFill/>
+          </p:spPr>
+          <p:txBody>
+            <a:bodyPr lIns="0" rIns="0" tIns="0" bIns="0" anchorCtr="1" anchor="ctr" wrap="none"/>
+            <a:lstStyle/>
+            <a:p>
+              <a:pPr algn="l" marL="0" marR="0" indent="0">
+                <a:lnSpc>
+                  <a:spcPts val="1138"/>
+                </a:lnSpc>
+                <a:spcBef>
+                  <a:spcPts val="0"/>
+                </a:spcBef>
+                <a:spcAft>
+                  <a:spcPts val="0"/>
+                </a:spcAft>
+              </a:pPr>
+              <a:r>
+                <a:rPr sz="1138">
+                  <a:solidFill>
+                    <a:srgbClr val="FFFFFF">
+                      <a:alpha val="100000"/>
+                    </a:srgbClr>
+                  </a:solidFill>
+                  <a:latin typeface="Arial"/>
+                  <a:cs typeface="Arial"/>
+                </a:rPr>
+                <a:t>8.7%</a:t>
+              </a:r>
+            </a:p>
+          </p:txBody>
+        </p:sp>
+        <p:sp>
+          <p:nvSpPr>
+            <p:cNvPr id="61" name="tx61"/>
+            <p:cNvSpPr/>
+            <p:nvPr/>
+          </p:nvSpPr>
+          <p:spPr>
+            <a:xfrm>
+              <a:off x="5638543" y="3306284"/>
+              <a:ext cx="289291" cy="109040"/>
+            </a:xfrm>
+            <a:prstGeom prst="rect">
+              <a:avLst/>
+            </a:prstGeom>
+            <a:noFill/>
+          </p:spPr>
+          <p:txBody>
+            <a:bodyPr lIns="0" rIns="0" tIns="0" bIns="0" anchorCtr="1" anchor="ctr" wrap="none"/>
+            <a:lstStyle/>
+            <a:p>
+              <a:pPr algn="l" marL="0" marR="0" indent="0">
+                <a:lnSpc>
+                  <a:spcPts val="1138"/>
+                </a:lnSpc>
+                <a:spcBef>
+                  <a:spcPts val="0"/>
+                </a:spcBef>
+                <a:spcAft>
+                  <a:spcPts val="0"/>
+                </a:spcAft>
+              </a:pPr>
+              <a:r>
+                <a:rPr sz="1138">
+                  <a:solidFill>
+                    <a:srgbClr val="FFFFFF">
+                      <a:alpha val="100000"/>
+                    </a:srgbClr>
+                  </a:solidFill>
+                  <a:latin typeface="Arial"/>
+                  <a:cs typeface="Arial"/>
+                </a:rPr>
+                <a:t>17%</a:t>
+              </a:r>
+            </a:p>
+          </p:txBody>
+        </p:sp>
+        <p:sp>
+          <p:nvSpPr>
+            <p:cNvPr id="62" name="tx62"/>
+            <p:cNvSpPr/>
+            <p:nvPr/>
+          </p:nvSpPr>
+          <p:spPr>
+            <a:xfrm>
+              <a:off x="5463799" y="4323326"/>
               <a:ext cx="409835" cy="109040"/>
             </a:xfrm>
             <a:prstGeom prst="rect">
@@ -5423,20 +7082,158 @@
                   <a:latin typeface="Arial"/>
                   <a:cs typeface="Arial"/>
                 </a:rPr>
-                <a:t>22.8%</a:t>
+                <a:t>21.3%</a:t>
               </a:r>
             </a:p>
           </p:txBody>
         </p:sp>
         <p:sp>
           <p:nvSpPr>
-            <p:cNvPr id="27" name="tx27"/>
+            <p:cNvPr id="63" name="tx63"/>
             <p:cNvSpPr/>
             <p:nvPr/>
           </p:nvSpPr>
           <p:spPr>
             <a:xfrm>
-              <a:off x="3867976" y="3789435"/>
+              <a:off x="3940405" y="3816254"/>
+              <a:ext cx="289291" cy="109040"/>
+            </a:xfrm>
+            <a:prstGeom prst="rect">
+              <a:avLst/>
+            </a:prstGeom>
+            <a:noFill/>
+          </p:spPr>
+          <p:txBody>
+            <a:bodyPr lIns="0" rIns="0" tIns="0" bIns="0" anchorCtr="1" anchor="ctr" wrap="none"/>
+            <a:lstStyle/>
+            <a:p>
+              <a:pPr algn="l" marL="0" marR="0" indent="0">
+                <a:lnSpc>
+                  <a:spcPts val="1138"/>
+                </a:lnSpc>
+                <a:spcBef>
+                  <a:spcPts val="0"/>
+                </a:spcBef>
+                <a:spcAft>
+                  <a:spcPts val="0"/>
+                </a:spcAft>
+              </a:pPr>
+              <a:r>
+                <a:rPr sz="1138">
+                  <a:solidFill>
+                    <a:srgbClr val="FFFFFF">
+                      <a:alpha val="100000"/>
+                    </a:srgbClr>
+                  </a:solidFill>
+                  <a:latin typeface="Arial"/>
+                  <a:cs typeface="Arial"/>
+                </a:rPr>
+                <a:t>53%</a:t>
+              </a:r>
+            </a:p>
+          </p:txBody>
+        </p:sp>
+        <p:sp>
+          <p:nvSpPr>
+            <p:cNvPr id="64" name="tx64"/>
+            <p:cNvSpPr/>
+            <p:nvPr/>
+          </p:nvSpPr>
+          <p:spPr>
+            <a:xfrm>
+              <a:off x="5067054" y="2857551"/>
+              <a:ext cx="329449" cy="109040"/>
+            </a:xfrm>
+            <a:prstGeom prst="rect">
+              <a:avLst/>
+            </a:prstGeom>
+            <a:noFill/>
+          </p:spPr>
+          <p:txBody>
+            <a:bodyPr lIns="0" rIns="0" tIns="0" bIns="0" anchorCtr="1" anchor="ctr" wrap="none"/>
+            <a:lstStyle/>
+            <a:p>
+              <a:pPr algn="l" marL="0" marR="0" indent="0">
+                <a:lnSpc>
+                  <a:spcPts val="1138"/>
+                </a:lnSpc>
+                <a:spcBef>
+                  <a:spcPts val="0"/>
+                </a:spcBef>
+                <a:spcAft>
+                  <a:spcPts val="0"/>
+                </a:spcAft>
+              </a:pPr>
+              <a:r>
+                <a:rPr sz="1138">
+                  <a:solidFill>
+                    <a:srgbClr val="FFFFFF">
+                      <a:alpha val="100000"/>
+                    </a:srgbClr>
+                  </a:solidFill>
+                  <a:latin typeface="Arial"/>
+                  <a:cs typeface="Arial"/>
+                </a:rPr>
+                <a:t>8.7%</a:t>
+              </a:r>
+            </a:p>
+          </p:txBody>
+        </p:sp>
+        <p:sp>
+          <p:nvSpPr>
+            <p:cNvPr id="65" name="tx65"/>
+            <p:cNvSpPr/>
+            <p:nvPr/>
+          </p:nvSpPr>
+          <p:spPr>
+            <a:xfrm>
+              <a:off x="5640786" y="3302927"/>
+              <a:ext cx="289291" cy="109040"/>
+            </a:xfrm>
+            <a:prstGeom prst="rect">
+              <a:avLst/>
+            </a:prstGeom>
+            <a:noFill/>
+          </p:spPr>
+          <p:txBody>
+            <a:bodyPr lIns="0" rIns="0" tIns="0" bIns="0" anchorCtr="1" anchor="ctr" wrap="none"/>
+            <a:lstStyle/>
+            <a:p>
+              <a:pPr algn="l" marL="0" marR="0" indent="0">
+                <a:lnSpc>
+                  <a:spcPts val="1138"/>
+                </a:lnSpc>
+                <a:spcBef>
+                  <a:spcPts val="0"/>
+                </a:spcBef>
+                <a:spcAft>
+                  <a:spcPts val="0"/>
+                </a:spcAft>
+              </a:pPr>
+              <a:r>
+                <a:rPr sz="1138">
+                  <a:solidFill>
+                    <a:srgbClr val="FFFFFF">
+                      <a:alpha val="100000"/>
+                    </a:srgbClr>
+                  </a:solidFill>
+                  <a:latin typeface="Arial"/>
+                  <a:cs typeface="Arial"/>
+                </a:rPr>
+                <a:t>17%</a:t>
+              </a:r>
+            </a:p>
+          </p:txBody>
+        </p:sp>
+        <p:sp>
+          <p:nvSpPr>
+            <p:cNvPr id="66" name="tx66"/>
+            <p:cNvSpPr/>
+            <p:nvPr/>
+          </p:nvSpPr>
+          <p:spPr>
+            <a:xfrm>
+              <a:off x="5466042" y="4319969"/>
               <a:ext cx="409835" cy="109040"/>
             </a:xfrm>
             <a:prstGeom prst="rect">
@@ -5469,21 +7266,21 @@
                   <a:latin typeface="Arial"/>
                   <a:cs typeface="Arial"/>
                 </a:rPr>
-                <a:t>52.6%</a:t>
+                <a:t>21.3%</a:t>
               </a:r>
             </a:p>
           </p:txBody>
         </p:sp>
         <p:sp>
           <p:nvSpPr>
-            <p:cNvPr id="28" name="tx28"/>
+            <p:cNvPr id="67" name="tx67"/>
             <p:cNvSpPr/>
             <p:nvPr/>
           </p:nvSpPr>
           <p:spPr>
             <a:xfrm>
-              <a:off x="5118039" y="2848441"/>
-              <a:ext cx="208905" cy="109040"/>
+              <a:off x="3942648" y="3812898"/>
+              <a:ext cx="289291" cy="109040"/>
             </a:xfrm>
             <a:prstGeom prst="rect">
               <a:avLst/>
@@ -5515,20 +7312,112 @@
                   <a:latin typeface="Arial"/>
                   <a:cs typeface="Arial"/>
                 </a:rPr>
-                <a:t>9%</a:t>
+                <a:t>53%</a:t>
               </a:r>
             </a:p>
           </p:txBody>
         </p:sp>
         <p:sp>
           <p:nvSpPr>
-            <p:cNvPr id="29" name="tx29"/>
+            <p:cNvPr id="68" name="tx68"/>
             <p:cNvSpPr/>
             <p:nvPr/>
           </p:nvSpPr>
           <p:spPr>
             <a:xfrm>
-              <a:off x="5551384" y="3269408"/>
+              <a:off x="5067841" y="2853592"/>
+              <a:ext cx="329449" cy="109040"/>
+            </a:xfrm>
+            <a:prstGeom prst="rect">
+              <a:avLst/>
+            </a:prstGeom>
+            <a:noFill/>
+          </p:spPr>
+          <p:txBody>
+            <a:bodyPr lIns="0" rIns="0" tIns="0" bIns="0" anchorCtr="1" anchor="ctr" wrap="none"/>
+            <a:lstStyle/>
+            <a:p>
+              <a:pPr algn="l" marL="0" marR="0" indent="0">
+                <a:lnSpc>
+                  <a:spcPts val="1138"/>
+                </a:lnSpc>
+                <a:spcBef>
+                  <a:spcPts val="0"/>
+                </a:spcBef>
+                <a:spcAft>
+                  <a:spcPts val="0"/>
+                </a:spcAft>
+              </a:pPr>
+              <a:r>
+                <a:rPr sz="1138">
+                  <a:solidFill>
+                    <a:srgbClr val="FFFFFF">
+                      <a:alpha val="100000"/>
+                    </a:srgbClr>
+                  </a:solidFill>
+                  <a:latin typeface="Arial"/>
+                  <a:cs typeface="Arial"/>
+                </a:rPr>
+                <a:t>8.7%</a:t>
+              </a:r>
+            </a:p>
+          </p:txBody>
+        </p:sp>
+        <p:sp>
+          <p:nvSpPr>
+            <p:cNvPr id="69" name="tx69"/>
+            <p:cNvSpPr/>
+            <p:nvPr/>
+          </p:nvSpPr>
+          <p:spPr>
+            <a:xfrm>
+              <a:off x="5641574" y="3298967"/>
+              <a:ext cx="289291" cy="109040"/>
+            </a:xfrm>
+            <a:prstGeom prst="rect">
+              <a:avLst/>
+            </a:prstGeom>
+            <a:noFill/>
+          </p:spPr>
+          <p:txBody>
+            <a:bodyPr lIns="0" rIns="0" tIns="0" bIns="0" anchorCtr="1" anchor="ctr" wrap="none"/>
+            <a:lstStyle/>
+            <a:p>
+              <a:pPr algn="l" marL="0" marR="0" indent="0">
+                <a:lnSpc>
+                  <a:spcPts val="1138"/>
+                </a:lnSpc>
+                <a:spcBef>
+                  <a:spcPts val="0"/>
+                </a:spcBef>
+                <a:spcAft>
+                  <a:spcPts val="0"/>
+                </a:spcAft>
+              </a:pPr>
+              <a:r>
+                <a:rPr sz="1138">
+                  <a:solidFill>
+                    <a:srgbClr val="FFFFFF">
+                      <a:alpha val="100000"/>
+                    </a:srgbClr>
+                  </a:solidFill>
+                  <a:latin typeface="Arial"/>
+                  <a:cs typeface="Arial"/>
+                </a:rPr>
+                <a:t>17%</a:t>
+              </a:r>
+            </a:p>
+          </p:txBody>
+        </p:sp>
+        <p:sp>
+          <p:nvSpPr>
+            <p:cNvPr id="70" name="tx70"/>
+            <p:cNvSpPr/>
+            <p:nvPr/>
+          </p:nvSpPr>
+          <p:spPr>
+            <a:xfrm>
+              <a:off x="5466830" y="4316010"/>
               <a:ext cx="409835" cy="109040"/>
             </a:xfrm>
             <a:prstGeom prst="rect">
@@ -5561,20 +7450,158 @@
                   <a:latin typeface="Arial"/>
                   <a:cs typeface="Arial"/>
                 </a:rPr>
-                <a:t>15.5%</a:t>
+                <a:t>21.3%</a:t>
               </a:r>
             </a:p>
           </p:txBody>
         </p:sp>
         <p:sp>
           <p:nvSpPr>
-            <p:cNvPr id="30" name="tx30"/>
+            <p:cNvPr id="71" name="tx71"/>
             <p:cNvSpPr/>
             <p:nvPr/>
           </p:nvSpPr>
           <p:spPr>
             <a:xfrm>
-              <a:off x="5464194" y="4290882"/>
+              <a:off x="3943435" y="3808938"/>
+              <a:ext cx="289291" cy="109040"/>
+            </a:xfrm>
+            <a:prstGeom prst="rect">
+              <a:avLst/>
+            </a:prstGeom>
+            <a:noFill/>
+          </p:spPr>
+          <p:txBody>
+            <a:bodyPr lIns="0" rIns="0" tIns="0" bIns="0" anchorCtr="1" anchor="ctr" wrap="none"/>
+            <a:lstStyle/>
+            <a:p>
+              <a:pPr algn="l" marL="0" marR="0" indent="0">
+                <a:lnSpc>
+                  <a:spcPts val="1138"/>
+                </a:lnSpc>
+                <a:spcBef>
+                  <a:spcPts val="0"/>
+                </a:spcBef>
+                <a:spcAft>
+                  <a:spcPts val="0"/>
+                </a:spcAft>
+              </a:pPr>
+              <a:r>
+                <a:rPr sz="1138">
+                  <a:solidFill>
+                    <a:srgbClr val="FFFFFF">
+                      <a:alpha val="100000"/>
+                    </a:srgbClr>
+                  </a:solidFill>
+                  <a:latin typeface="Arial"/>
+                  <a:cs typeface="Arial"/>
+                </a:rPr>
+                <a:t>53%</a:t>
+              </a:r>
+            </a:p>
+          </p:txBody>
+        </p:sp>
+        <p:sp>
+          <p:nvSpPr>
+            <p:cNvPr id="72" name="tx72"/>
+            <p:cNvSpPr/>
+            <p:nvPr/>
+          </p:nvSpPr>
+          <p:spPr>
+            <a:xfrm>
+              <a:off x="5057495" y="2853592"/>
+              <a:ext cx="329449" cy="109040"/>
+            </a:xfrm>
+            <a:prstGeom prst="rect">
+              <a:avLst/>
+            </a:prstGeom>
+            <a:noFill/>
+          </p:spPr>
+          <p:txBody>
+            <a:bodyPr lIns="0" rIns="0" tIns="0" bIns="0" anchorCtr="1" anchor="ctr" wrap="none"/>
+            <a:lstStyle/>
+            <a:p>
+              <a:pPr algn="l" marL="0" marR="0" indent="0">
+                <a:lnSpc>
+                  <a:spcPts val="1138"/>
+                </a:lnSpc>
+                <a:spcBef>
+                  <a:spcPts val="0"/>
+                </a:spcBef>
+                <a:spcAft>
+                  <a:spcPts val="0"/>
+                </a:spcAft>
+              </a:pPr>
+              <a:r>
+                <a:rPr sz="1138">
+                  <a:solidFill>
+                    <a:srgbClr val="C77CFF">
+                      <a:alpha val="100000"/>
+                    </a:srgbClr>
+                  </a:solidFill>
+                  <a:latin typeface="Arial"/>
+                  <a:cs typeface="Arial"/>
+                </a:rPr>
+                <a:t>8.7%</a:t>
+              </a:r>
+            </a:p>
+          </p:txBody>
+        </p:sp>
+        <p:sp>
+          <p:nvSpPr>
+            <p:cNvPr id="73" name="tx73"/>
+            <p:cNvSpPr/>
+            <p:nvPr/>
+          </p:nvSpPr>
+          <p:spPr>
+            <a:xfrm>
+              <a:off x="5631227" y="3298967"/>
+              <a:ext cx="289291" cy="109040"/>
+            </a:xfrm>
+            <a:prstGeom prst="rect">
+              <a:avLst/>
+            </a:prstGeom>
+            <a:noFill/>
+          </p:spPr>
+          <p:txBody>
+            <a:bodyPr lIns="0" rIns="0" tIns="0" bIns="0" anchorCtr="1" anchor="ctr" wrap="none"/>
+            <a:lstStyle/>
+            <a:p>
+              <a:pPr algn="l" marL="0" marR="0" indent="0">
+                <a:lnSpc>
+                  <a:spcPts val="1138"/>
+                </a:lnSpc>
+                <a:spcBef>
+                  <a:spcPts val="0"/>
+                </a:spcBef>
+                <a:spcAft>
+                  <a:spcPts val="0"/>
+                </a:spcAft>
+              </a:pPr>
+              <a:r>
+                <a:rPr sz="1138">
+                  <a:solidFill>
+                    <a:srgbClr val="00BFC4">
+                      <a:alpha val="100000"/>
+                    </a:srgbClr>
+                  </a:solidFill>
+                  <a:latin typeface="Arial"/>
+                  <a:cs typeface="Arial"/>
+                </a:rPr>
+                <a:t>17%</a:t>
+              </a:r>
+            </a:p>
+          </p:txBody>
+        </p:sp>
+        <p:sp>
+          <p:nvSpPr>
+            <p:cNvPr id="74" name="tx74"/>
+            <p:cNvSpPr/>
+            <p:nvPr/>
+          </p:nvSpPr>
+          <p:spPr>
+            <a:xfrm>
+              <a:off x="5456483" y="4316010"/>
               <a:ext cx="409835" cy="109040"/>
             </a:xfrm>
             <a:prstGeom prst="rect">
@@ -5600,28 +7627,28 @@
               <a:r>
                 <a:rPr sz="1138">
                   <a:solidFill>
-                    <a:srgbClr val="FFFFFF">
+                    <a:srgbClr val="7CAE00">
                       <a:alpha val="100000"/>
                     </a:srgbClr>
                   </a:solidFill>
                   <a:latin typeface="Arial"/>
                   <a:cs typeface="Arial"/>
                 </a:rPr>
-                <a:t>22.8%</a:t>
+                <a:t>21.3%</a:t>
               </a:r>
             </a:p>
           </p:txBody>
         </p:sp>
         <p:sp>
           <p:nvSpPr>
-            <p:cNvPr id="31" name="tx31"/>
+            <p:cNvPr id="75" name="tx75"/>
             <p:cNvSpPr/>
             <p:nvPr/>
           </p:nvSpPr>
           <p:spPr>
             <a:xfrm>
-              <a:off x="3864619" y="3791678"/>
-              <a:ext cx="409835" cy="109040"/>
+              <a:off x="3933089" y="3808938"/>
+              <a:ext cx="289291" cy="109040"/>
             </a:xfrm>
             <a:prstGeom prst="rect">
               <a:avLst/>
@@ -5646,2030 +7673,6 @@
               <a:r>
                 <a:rPr sz="1138">
                   <a:solidFill>
-                    <a:srgbClr val="FFFFFF">
-                      <a:alpha val="100000"/>
-                    </a:srgbClr>
-                  </a:solidFill>
-                  <a:latin typeface="Arial"/>
-                  <a:cs typeface="Arial"/>
-                </a:rPr>
-                <a:t>52.6%</a:t>
-              </a:r>
-            </a:p>
-          </p:txBody>
-        </p:sp>
-        <p:sp>
-          <p:nvSpPr>
-            <p:cNvPr id="32" name="tx32"/>
-            <p:cNvSpPr/>
-            <p:nvPr/>
-          </p:nvSpPr>
-          <p:spPr>
-            <a:xfrm>
-              <a:off x="5115796" y="2851798"/>
-              <a:ext cx="208905" cy="109040"/>
-            </a:xfrm>
-            <a:prstGeom prst="rect">
-              <a:avLst/>
-            </a:prstGeom>
-            <a:noFill/>
-          </p:spPr>
-          <p:txBody>
-            <a:bodyPr lIns="0" rIns="0" tIns="0" bIns="0" anchorCtr="1" anchor="ctr" wrap="none"/>
-            <a:lstStyle/>
-            <a:p>
-              <a:pPr algn="l" marL="0" marR="0" indent="0">
-                <a:lnSpc>
-                  <a:spcPts val="1138"/>
-                </a:lnSpc>
-                <a:spcBef>
-                  <a:spcPts val="0"/>
-                </a:spcBef>
-                <a:spcAft>
-                  <a:spcPts val="0"/>
-                </a:spcAft>
-              </a:pPr>
-              <a:r>
-                <a:rPr sz="1138">
-                  <a:solidFill>
-                    <a:srgbClr val="FFFFFF">
-                      <a:alpha val="100000"/>
-                    </a:srgbClr>
-                  </a:solidFill>
-                  <a:latin typeface="Arial"/>
-                  <a:cs typeface="Arial"/>
-                </a:rPr>
-                <a:t>9%</a:t>
-              </a:r>
-            </a:p>
-          </p:txBody>
-        </p:sp>
-        <p:sp>
-          <p:nvSpPr>
-            <p:cNvPr id="33" name="tx33"/>
-            <p:cNvSpPr/>
-            <p:nvPr/>
-          </p:nvSpPr>
-          <p:spPr>
-            <a:xfrm>
-              <a:off x="5549141" y="3272765"/>
-              <a:ext cx="409835" cy="109040"/>
-            </a:xfrm>
-            <a:prstGeom prst="rect">
-              <a:avLst/>
-            </a:prstGeom>
-            <a:noFill/>
-          </p:spPr>
-          <p:txBody>
-            <a:bodyPr lIns="0" rIns="0" tIns="0" bIns="0" anchorCtr="1" anchor="ctr" wrap="none"/>
-            <a:lstStyle/>
-            <a:p>
-              <a:pPr algn="l" marL="0" marR="0" indent="0">
-                <a:lnSpc>
-                  <a:spcPts val="1138"/>
-                </a:lnSpc>
-                <a:spcBef>
-                  <a:spcPts val="0"/>
-                </a:spcBef>
-                <a:spcAft>
-                  <a:spcPts val="0"/>
-                </a:spcAft>
-              </a:pPr>
-              <a:r>
-                <a:rPr sz="1138">
-                  <a:solidFill>
-                    <a:srgbClr val="FFFFFF">
-                      <a:alpha val="100000"/>
-                    </a:srgbClr>
-                  </a:solidFill>
-                  <a:latin typeface="Arial"/>
-                  <a:cs typeface="Arial"/>
-                </a:rPr>
-                <a:t>15.5%</a:t>
-              </a:r>
-            </a:p>
-          </p:txBody>
-        </p:sp>
-        <p:sp>
-          <p:nvSpPr>
-            <p:cNvPr id="34" name="tx34"/>
-            <p:cNvSpPr/>
-            <p:nvPr/>
-          </p:nvSpPr>
-          <p:spPr>
-            <a:xfrm>
-              <a:off x="5461952" y="4294239"/>
-              <a:ext cx="409835" cy="109040"/>
-            </a:xfrm>
-            <a:prstGeom prst="rect">
-              <a:avLst/>
-            </a:prstGeom>
-            <a:noFill/>
-          </p:spPr>
-          <p:txBody>
-            <a:bodyPr lIns="0" rIns="0" tIns="0" bIns="0" anchorCtr="1" anchor="ctr" wrap="none"/>
-            <a:lstStyle/>
-            <a:p>
-              <a:pPr algn="l" marL="0" marR="0" indent="0">
-                <a:lnSpc>
-                  <a:spcPts val="1138"/>
-                </a:lnSpc>
-                <a:spcBef>
-                  <a:spcPts val="0"/>
-                </a:spcBef>
-                <a:spcAft>
-                  <a:spcPts val="0"/>
-                </a:spcAft>
-              </a:pPr>
-              <a:r>
-                <a:rPr sz="1138">
-                  <a:solidFill>
-                    <a:srgbClr val="FFFFFF">
-                      <a:alpha val="100000"/>
-                    </a:srgbClr>
-                  </a:solidFill>
-                  <a:latin typeface="Arial"/>
-                  <a:cs typeface="Arial"/>
-                </a:rPr>
-                <a:t>22.8%</a:t>
-              </a:r>
-            </a:p>
-          </p:txBody>
-        </p:sp>
-        <p:sp>
-          <p:nvSpPr>
-            <p:cNvPr id="35" name="tx35"/>
-            <p:cNvSpPr/>
-            <p:nvPr/>
-          </p:nvSpPr>
-          <p:spPr>
-            <a:xfrm>
-              <a:off x="3862376" y="3795035"/>
-              <a:ext cx="409835" cy="109040"/>
-            </a:xfrm>
-            <a:prstGeom prst="rect">
-              <a:avLst/>
-            </a:prstGeom>
-            <a:noFill/>
-          </p:spPr>
-          <p:txBody>
-            <a:bodyPr lIns="0" rIns="0" tIns="0" bIns="0" anchorCtr="1" anchor="ctr" wrap="none"/>
-            <a:lstStyle/>
-            <a:p>
-              <a:pPr algn="l" marL="0" marR="0" indent="0">
-                <a:lnSpc>
-                  <a:spcPts val="1138"/>
-                </a:lnSpc>
-                <a:spcBef>
-                  <a:spcPts val="0"/>
-                </a:spcBef>
-                <a:spcAft>
-                  <a:spcPts val="0"/>
-                </a:spcAft>
-              </a:pPr>
-              <a:r>
-                <a:rPr sz="1138">
-                  <a:solidFill>
-                    <a:srgbClr val="FFFFFF">
-                      <a:alpha val="100000"/>
-                    </a:srgbClr>
-                  </a:solidFill>
-                  <a:latin typeface="Arial"/>
-                  <a:cs typeface="Arial"/>
-                </a:rPr>
-                <a:t>52.6%</a:t>
-              </a:r>
-            </a:p>
-          </p:txBody>
-        </p:sp>
-        <p:sp>
-          <p:nvSpPr>
-            <p:cNvPr id="36" name="tx36"/>
-            <p:cNvSpPr/>
-            <p:nvPr/>
-          </p:nvSpPr>
-          <p:spPr>
-            <a:xfrm>
-              <a:off x="5115009" y="2855757"/>
-              <a:ext cx="208905" cy="109040"/>
-            </a:xfrm>
-            <a:prstGeom prst="rect">
-              <a:avLst/>
-            </a:prstGeom>
-            <a:noFill/>
-          </p:spPr>
-          <p:txBody>
-            <a:bodyPr lIns="0" rIns="0" tIns="0" bIns="0" anchorCtr="1" anchor="ctr" wrap="none"/>
-            <a:lstStyle/>
-            <a:p>
-              <a:pPr algn="l" marL="0" marR="0" indent="0">
-                <a:lnSpc>
-                  <a:spcPts val="1138"/>
-                </a:lnSpc>
-                <a:spcBef>
-                  <a:spcPts val="0"/>
-                </a:spcBef>
-                <a:spcAft>
-                  <a:spcPts val="0"/>
-                </a:spcAft>
-              </a:pPr>
-              <a:r>
-                <a:rPr sz="1138">
-                  <a:solidFill>
-                    <a:srgbClr val="FFFFFF">
-                      <a:alpha val="100000"/>
-                    </a:srgbClr>
-                  </a:solidFill>
-                  <a:latin typeface="Arial"/>
-                  <a:cs typeface="Arial"/>
-                </a:rPr>
-                <a:t>9%</a:t>
-              </a:r>
-            </a:p>
-          </p:txBody>
-        </p:sp>
-        <p:sp>
-          <p:nvSpPr>
-            <p:cNvPr id="37" name="tx37"/>
-            <p:cNvSpPr/>
-            <p:nvPr/>
-          </p:nvSpPr>
-          <p:spPr>
-            <a:xfrm>
-              <a:off x="5548354" y="3276724"/>
-              <a:ext cx="409835" cy="109040"/>
-            </a:xfrm>
-            <a:prstGeom prst="rect">
-              <a:avLst/>
-            </a:prstGeom>
-            <a:noFill/>
-          </p:spPr>
-          <p:txBody>
-            <a:bodyPr lIns="0" rIns="0" tIns="0" bIns="0" anchorCtr="1" anchor="ctr" wrap="none"/>
-            <a:lstStyle/>
-            <a:p>
-              <a:pPr algn="l" marL="0" marR="0" indent="0">
-                <a:lnSpc>
-                  <a:spcPts val="1138"/>
-                </a:lnSpc>
-                <a:spcBef>
-                  <a:spcPts val="0"/>
-                </a:spcBef>
-                <a:spcAft>
-                  <a:spcPts val="0"/>
-                </a:spcAft>
-              </a:pPr>
-              <a:r>
-                <a:rPr sz="1138">
-                  <a:solidFill>
-                    <a:srgbClr val="FFFFFF">
-                      <a:alpha val="100000"/>
-                    </a:srgbClr>
-                  </a:solidFill>
-                  <a:latin typeface="Arial"/>
-                  <a:cs typeface="Arial"/>
-                </a:rPr>
-                <a:t>15.5%</a:t>
-              </a:r>
-            </a:p>
-          </p:txBody>
-        </p:sp>
-        <p:sp>
-          <p:nvSpPr>
-            <p:cNvPr id="38" name="tx38"/>
-            <p:cNvSpPr/>
-            <p:nvPr/>
-          </p:nvSpPr>
-          <p:spPr>
-            <a:xfrm>
-              <a:off x="5461164" y="4298198"/>
-              <a:ext cx="409835" cy="109040"/>
-            </a:xfrm>
-            <a:prstGeom prst="rect">
-              <a:avLst/>
-            </a:prstGeom>
-            <a:noFill/>
-          </p:spPr>
-          <p:txBody>
-            <a:bodyPr lIns="0" rIns="0" tIns="0" bIns="0" anchorCtr="1" anchor="ctr" wrap="none"/>
-            <a:lstStyle/>
-            <a:p>
-              <a:pPr algn="l" marL="0" marR="0" indent="0">
-                <a:lnSpc>
-                  <a:spcPts val="1138"/>
-                </a:lnSpc>
-                <a:spcBef>
-                  <a:spcPts val="0"/>
-                </a:spcBef>
-                <a:spcAft>
-                  <a:spcPts val="0"/>
-                </a:spcAft>
-              </a:pPr>
-              <a:r>
-                <a:rPr sz="1138">
-                  <a:solidFill>
-                    <a:srgbClr val="FFFFFF">
-                      <a:alpha val="100000"/>
-                    </a:srgbClr>
-                  </a:solidFill>
-                  <a:latin typeface="Arial"/>
-                  <a:cs typeface="Arial"/>
-                </a:rPr>
-                <a:t>22.8%</a:t>
-              </a:r>
-            </a:p>
-          </p:txBody>
-        </p:sp>
-        <p:sp>
-          <p:nvSpPr>
-            <p:cNvPr id="39" name="tx39"/>
-            <p:cNvSpPr/>
-            <p:nvPr/>
-          </p:nvSpPr>
-          <p:spPr>
-            <a:xfrm>
-              <a:off x="3861589" y="3798994"/>
-              <a:ext cx="409835" cy="109040"/>
-            </a:xfrm>
-            <a:prstGeom prst="rect">
-              <a:avLst/>
-            </a:prstGeom>
-            <a:noFill/>
-          </p:spPr>
-          <p:txBody>
-            <a:bodyPr lIns="0" rIns="0" tIns="0" bIns="0" anchorCtr="1" anchor="ctr" wrap="none"/>
-            <a:lstStyle/>
-            <a:p>
-              <a:pPr algn="l" marL="0" marR="0" indent="0">
-                <a:lnSpc>
-                  <a:spcPts val="1138"/>
-                </a:lnSpc>
-                <a:spcBef>
-                  <a:spcPts val="0"/>
-                </a:spcBef>
-                <a:spcAft>
-                  <a:spcPts val="0"/>
-                </a:spcAft>
-              </a:pPr>
-              <a:r>
-                <a:rPr sz="1138">
-                  <a:solidFill>
-                    <a:srgbClr val="FFFFFF">
-                      <a:alpha val="100000"/>
-                    </a:srgbClr>
-                  </a:solidFill>
-                  <a:latin typeface="Arial"/>
-                  <a:cs typeface="Arial"/>
-                </a:rPr>
-                <a:t>52.6%</a:t>
-              </a:r>
-            </a:p>
-          </p:txBody>
-        </p:sp>
-        <p:sp>
-          <p:nvSpPr>
-            <p:cNvPr id="40" name="tx40"/>
-            <p:cNvSpPr/>
-            <p:nvPr/>
-          </p:nvSpPr>
-          <p:spPr>
-            <a:xfrm>
-              <a:off x="5115796" y="2859716"/>
-              <a:ext cx="208905" cy="109040"/>
-            </a:xfrm>
-            <a:prstGeom prst="rect">
-              <a:avLst/>
-            </a:prstGeom>
-            <a:noFill/>
-          </p:spPr>
-          <p:txBody>
-            <a:bodyPr lIns="0" rIns="0" tIns="0" bIns="0" anchorCtr="1" anchor="ctr" wrap="none"/>
-            <a:lstStyle/>
-            <a:p>
-              <a:pPr algn="l" marL="0" marR="0" indent="0">
-                <a:lnSpc>
-                  <a:spcPts val="1138"/>
-                </a:lnSpc>
-                <a:spcBef>
-                  <a:spcPts val="0"/>
-                </a:spcBef>
-                <a:spcAft>
-                  <a:spcPts val="0"/>
-                </a:spcAft>
-              </a:pPr>
-              <a:r>
-                <a:rPr sz="1138">
-                  <a:solidFill>
-                    <a:srgbClr val="FFFFFF">
-                      <a:alpha val="100000"/>
-                    </a:srgbClr>
-                  </a:solidFill>
-                  <a:latin typeface="Arial"/>
-                  <a:cs typeface="Arial"/>
-                </a:rPr>
-                <a:t>9%</a:t>
-              </a:r>
-            </a:p>
-          </p:txBody>
-        </p:sp>
-        <p:sp>
-          <p:nvSpPr>
-            <p:cNvPr id="41" name="tx41"/>
-            <p:cNvSpPr/>
-            <p:nvPr/>
-          </p:nvSpPr>
-          <p:spPr>
-            <a:xfrm>
-              <a:off x="5549141" y="3280684"/>
-              <a:ext cx="409835" cy="109040"/>
-            </a:xfrm>
-            <a:prstGeom prst="rect">
-              <a:avLst/>
-            </a:prstGeom>
-            <a:noFill/>
-          </p:spPr>
-          <p:txBody>
-            <a:bodyPr lIns="0" rIns="0" tIns="0" bIns="0" anchorCtr="1" anchor="ctr" wrap="none"/>
-            <a:lstStyle/>
-            <a:p>
-              <a:pPr algn="l" marL="0" marR="0" indent="0">
-                <a:lnSpc>
-                  <a:spcPts val="1138"/>
-                </a:lnSpc>
-                <a:spcBef>
-                  <a:spcPts val="0"/>
-                </a:spcBef>
-                <a:spcAft>
-                  <a:spcPts val="0"/>
-                </a:spcAft>
-              </a:pPr>
-              <a:r>
-                <a:rPr sz="1138">
-                  <a:solidFill>
-                    <a:srgbClr val="FFFFFF">
-                      <a:alpha val="100000"/>
-                    </a:srgbClr>
-                  </a:solidFill>
-                  <a:latin typeface="Arial"/>
-                  <a:cs typeface="Arial"/>
-                </a:rPr>
-                <a:t>15.5%</a:t>
-              </a:r>
-            </a:p>
-          </p:txBody>
-        </p:sp>
-        <p:sp>
-          <p:nvSpPr>
-            <p:cNvPr id="42" name="tx42"/>
-            <p:cNvSpPr/>
-            <p:nvPr/>
-          </p:nvSpPr>
-          <p:spPr>
-            <a:xfrm>
-              <a:off x="5461952" y="4302158"/>
-              <a:ext cx="409835" cy="109040"/>
-            </a:xfrm>
-            <a:prstGeom prst="rect">
-              <a:avLst/>
-            </a:prstGeom>
-            <a:noFill/>
-          </p:spPr>
-          <p:txBody>
-            <a:bodyPr lIns="0" rIns="0" tIns="0" bIns="0" anchorCtr="1" anchor="ctr" wrap="none"/>
-            <a:lstStyle/>
-            <a:p>
-              <a:pPr algn="l" marL="0" marR="0" indent="0">
-                <a:lnSpc>
-                  <a:spcPts val="1138"/>
-                </a:lnSpc>
-                <a:spcBef>
-                  <a:spcPts val="0"/>
-                </a:spcBef>
-                <a:spcAft>
-                  <a:spcPts val="0"/>
-                </a:spcAft>
-              </a:pPr>
-              <a:r>
-                <a:rPr sz="1138">
-                  <a:solidFill>
-                    <a:srgbClr val="FFFFFF">
-                      <a:alpha val="100000"/>
-                    </a:srgbClr>
-                  </a:solidFill>
-                  <a:latin typeface="Arial"/>
-                  <a:cs typeface="Arial"/>
-                </a:rPr>
-                <a:t>22.8%</a:t>
-              </a:r>
-            </a:p>
-          </p:txBody>
-        </p:sp>
-        <p:sp>
-          <p:nvSpPr>
-            <p:cNvPr id="43" name="tx43"/>
-            <p:cNvSpPr/>
-            <p:nvPr/>
-          </p:nvSpPr>
-          <p:spPr>
-            <a:xfrm>
-              <a:off x="3862376" y="3802953"/>
-              <a:ext cx="409835" cy="109040"/>
-            </a:xfrm>
-            <a:prstGeom prst="rect">
-              <a:avLst/>
-            </a:prstGeom>
-            <a:noFill/>
-          </p:spPr>
-          <p:txBody>
-            <a:bodyPr lIns="0" rIns="0" tIns="0" bIns="0" anchorCtr="1" anchor="ctr" wrap="none"/>
-            <a:lstStyle/>
-            <a:p>
-              <a:pPr algn="l" marL="0" marR="0" indent="0">
-                <a:lnSpc>
-                  <a:spcPts val="1138"/>
-                </a:lnSpc>
-                <a:spcBef>
-                  <a:spcPts val="0"/>
-                </a:spcBef>
-                <a:spcAft>
-                  <a:spcPts val="0"/>
-                </a:spcAft>
-              </a:pPr>
-              <a:r>
-                <a:rPr sz="1138">
-                  <a:solidFill>
-                    <a:srgbClr val="FFFFFF">
-                      <a:alpha val="100000"/>
-                    </a:srgbClr>
-                  </a:solidFill>
-                  <a:latin typeface="Arial"/>
-                  <a:cs typeface="Arial"/>
-                </a:rPr>
-                <a:t>52.6%</a:t>
-              </a:r>
-            </a:p>
-          </p:txBody>
-        </p:sp>
-        <p:sp>
-          <p:nvSpPr>
-            <p:cNvPr id="44" name="tx44"/>
-            <p:cNvSpPr/>
-            <p:nvPr/>
-          </p:nvSpPr>
-          <p:spPr>
-            <a:xfrm>
-              <a:off x="5118039" y="2863073"/>
-              <a:ext cx="208905" cy="109040"/>
-            </a:xfrm>
-            <a:prstGeom prst="rect">
-              <a:avLst/>
-            </a:prstGeom>
-            <a:noFill/>
-          </p:spPr>
-          <p:txBody>
-            <a:bodyPr lIns="0" rIns="0" tIns="0" bIns="0" anchorCtr="1" anchor="ctr" wrap="none"/>
-            <a:lstStyle/>
-            <a:p>
-              <a:pPr algn="l" marL="0" marR="0" indent="0">
-                <a:lnSpc>
-                  <a:spcPts val="1138"/>
-                </a:lnSpc>
-                <a:spcBef>
-                  <a:spcPts val="0"/>
-                </a:spcBef>
-                <a:spcAft>
-                  <a:spcPts val="0"/>
-                </a:spcAft>
-              </a:pPr>
-              <a:r>
-                <a:rPr sz="1138">
-                  <a:solidFill>
-                    <a:srgbClr val="FFFFFF">
-                      <a:alpha val="100000"/>
-                    </a:srgbClr>
-                  </a:solidFill>
-                  <a:latin typeface="Arial"/>
-                  <a:cs typeface="Arial"/>
-                </a:rPr>
-                <a:t>9%</a:t>
-              </a:r>
-            </a:p>
-          </p:txBody>
-        </p:sp>
-        <p:sp>
-          <p:nvSpPr>
-            <p:cNvPr id="45" name="tx45"/>
-            <p:cNvSpPr/>
-            <p:nvPr/>
-          </p:nvSpPr>
-          <p:spPr>
-            <a:xfrm>
-              <a:off x="5551384" y="3284040"/>
-              <a:ext cx="409835" cy="109040"/>
-            </a:xfrm>
-            <a:prstGeom prst="rect">
-              <a:avLst/>
-            </a:prstGeom>
-            <a:noFill/>
-          </p:spPr>
-          <p:txBody>
-            <a:bodyPr lIns="0" rIns="0" tIns="0" bIns="0" anchorCtr="1" anchor="ctr" wrap="none"/>
-            <a:lstStyle/>
-            <a:p>
-              <a:pPr algn="l" marL="0" marR="0" indent="0">
-                <a:lnSpc>
-                  <a:spcPts val="1138"/>
-                </a:lnSpc>
-                <a:spcBef>
-                  <a:spcPts val="0"/>
-                </a:spcBef>
-                <a:spcAft>
-                  <a:spcPts val="0"/>
-                </a:spcAft>
-              </a:pPr>
-              <a:r>
-                <a:rPr sz="1138">
-                  <a:solidFill>
-                    <a:srgbClr val="FFFFFF">
-                      <a:alpha val="100000"/>
-                    </a:srgbClr>
-                  </a:solidFill>
-                  <a:latin typeface="Arial"/>
-                  <a:cs typeface="Arial"/>
-                </a:rPr>
-                <a:t>15.5%</a:t>
-              </a:r>
-            </a:p>
-          </p:txBody>
-        </p:sp>
-        <p:sp>
-          <p:nvSpPr>
-            <p:cNvPr id="46" name="tx46"/>
-            <p:cNvSpPr/>
-            <p:nvPr/>
-          </p:nvSpPr>
-          <p:spPr>
-            <a:xfrm>
-              <a:off x="5464194" y="4305514"/>
-              <a:ext cx="409835" cy="109040"/>
-            </a:xfrm>
-            <a:prstGeom prst="rect">
-              <a:avLst/>
-            </a:prstGeom>
-            <a:noFill/>
-          </p:spPr>
-          <p:txBody>
-            <a:bodyPr lIns="0" rIns="0" tIns="0" bIns="0" anchorCtr="1" anchor="ctr" wrap="none"/>
-            <a:lstStyle/>
-            <a:p>
-              <a:pPr algn="l" marL="0" marR="0" indent="0">
-                <a:lnSpc>
-                  <a:spcPts val="1138"/>
-                </a:lnSpc>
-                <a:spcBef>
-                  <a:spcPts val="0"/>
-                </a:spcBef>
-                <a:spcAft>
-                  <a:spcPts val="0"/>
-                </a:spcAft>
-              </a:pPr>
-              <a:r>
-                <a:rPr sz="1138">
-                  <a:solidFill>
-                    <a:srgbClr val="FFFFFF">
-                      <a:alpha val="100000"/>
-                    </a:srgbClr>
-                  </a:solidFill>
-                  <a:latin typeface="Arial"/>
-                  <a:cs typeface="Arial"/>
-                </a:rPr>
-                <a:t>22.8%</a:t>
-              </a:r>
-            </a:p>
-          </p:txBody>
-        </p:sp>
-        <p:sp>
-          <p:nvSpPr>
-            <p:cNvPr id="47" name="tx47"/>
-            <p:cNvSpPr/>
-            <p:nvPr/>
-          </p:nvSpPr>
-          <p:spPr>
-            <a:xfrm>
-              <a:off x="3864619" y="3806310"/>
-              <a:ext cx="409835" cy="109040"/>
-            </a:xfrm>
-            <a:prstGeom prst="rect">
-              <a:avLst/>
-            </a:prstGeom>
-            <a:noFill/>
-          </p:spPr>
-          <p:txBody>
-            <a:bodyPr lIns="0" rIns="0" tIns="0" bIns="0" anchorCtr="1" anchor="ctr" wrap="none"/>
-            <a:lstStyle/>
-            <a:p>
-              <a:pPr algn="l" marL="0" marR="0" indent="0">
-                <a:lnSpc>
-                  <a:spcPts val="1138"/>
-                </a:lnSpc>
-                <a:spcBef>
-                  <a:spcPts val="0"/>
-                </a:spcBef>
-                <a:spcAft>
-                  <a:spcPts val="0"/>
-                </a:spcAft>
-              </a:pPr>
-              <a:r>
-                <a:rPr sz="1138">
-                  <a:solidFill>
-                    <a:srgbClr val="FFFFFF">
-                      <a:alpha val="100000"/>
-                    </a:srgbClr>
-                  </a:solidFill>
-                  <a:latin typeface="Arial"/>
-                  <a:cs typeface="Arial"/>
-                </a:rPr>
-                <a:t>52.6%</a:t>
-              </a:r>
-            </a:p>
-          </p:txBody>
-        </p:sp>
-        <p:sp>
-          <p:nvSpPr>
-            <p:cNvPr id="48" name="tx48"/>
-            <p:cNvSpPr/>
-            <p:nvPr/>
-          </p:nvSpPr>
-          <p:spPr>
-            <a:xfrm>
-              <a:off x="5121396" y="2865316"/>
-              <a:ext cx="208905" cy="109040"/>
-            </a:xfrm>
-            <a:prstGeom prst="rect">
-              <a:avLst/>
-            </a:prstGeom>
-            <a:noFill/>
-          </p:spPr>
-          <p:txBody>
-            <a:bodyPr lIns="0" rIns="0" tIns="0" bIns="0" anchorCtr="1" anchor="ctr" wrap="none"/>
-            <a:lstStyle/>
-            <a:p>
-              <a:pPr algn="l" marL="0" marR="0" indent="0">
-                <a:lnSpc>
-                  <a:spcPts val="1138"/>
-                </a:lnSpc>
-                <a:spcBef>
-                  <a:spcPts val="0"/>
-                </a:spcBef>
-                <a:spcAft>
-                  <a:spcPts val="0"/>
-                </a:spcAft>
-              </a:pPr>
-              <a:r>
-                <a:rPr sz="1138">
-                  <a:solidFill>
-                    <a:srgbClr val="FFFFFF">
-                      <a:alpha val="100000"/>
-                    </a:srgbClr>
-                  </a:solidFill>
-                  <a:latin typeface="Arial"/>
-                  <a:cs typeface="Arial"/>
-                </a:rPr>
-                <a:t>9%</a:t>
-              </a:r>
-            </a:p>
-          </p:txBody>
-        </p:sp>
-        <p:sp>
-          <p:nvSpPr>
-            <p:cNvPr id="49" name="tx49"/>
-            <p:cNvSpPr/>
-            <p:nvPr/>
-          </p:nvSpPr>
-          <p:spPr>
-            <a:xfrm>
-              <a:off x="5554741" y="3286283"/>
-              <a:ext cx="409835" cy="109040"/>
-            </a:xfrm>
-            <a:prstGeom prst="rect">
-              <a:avLst/>
-            </a:prstGeom>
-            <a:noFill/>
-          </p:spPr>
-          <p:txBody>
-            <a:bodyPr lIns="0" rIns="0" tIns="0" bIns="0" anchorCtr="1" anchor="ctr" wrap="none"/>
-            <a:lstStyle/>
-            <a:p>
-              <a:pPr algn="l" marL="0" marR="0" indent="0">
-                <a:lnSpc>
-                  <a:spcPts val="1138"/>
-                </a:lnSpc>
-                <a:spcBef>
-                  <a:spcPts val="0"/>
-                </a:spcBef>
-                <a:spcAft>
-                  <a:spcPts val="0"/>
-                </a:spcAft>
-              </a:pPr>
-              <a:r>
-                <a:rPr sz="1138">
-                  <a:solidFill>
-                    <a:srgbClr val="FFFFFF">
-                      <a:alpha val="100000"/>
-                    </a:srgbClr>
-                  </a:solidFill>
-                  <a:latin typeface="Arial"/>
-                  <a:cs typeface="Arial"/>
-                </a:rPr>
-                <a:t>15.5%</a:t>
-              </a:r>
-            </a:p>
-          </p:txBody>
-        </p:sp>
-        <p:sp>
-          <p:nvSpPr>
-            <p:cNvPr id="50" name="tx50"/>
-            <p:cNvSpPr/>
-            <p:nvPr/>
-          </p:nvSpPr>
-          <p:spPr>
-            <a:xfrm>
-              <a:off x="5467551" y="4307757"/>
-              <a:ext cx="409835" cy="109040"/>
-            </a:xfrm>
-            <a:prstGeom prst="rect">
-              <a:avLst/>
-            </a:prstGeom>
-            <a:noFill/>
-          </p:spPr>
-          <p:txBody>
-            <a:bodyPr lIns="0" rIns="0" tIns="0" bIns="0" anchorCtr="1" anchor="ctr" wrap="none"/>
-            <a:lstStyle/>
-            <a:p>
-              <a:pPr algn="l" marL="0" marR="0" indent="0">
-                <a:lnSpc>
-                  <a:spcPts val="1138"/>
-                </a:lnSpc>
-                <a:spcBef>
-                  <a:spcPts val="0"/>
-                </a:spcBef>
-                <a:spcAft>
-                  <a:spcPts val="0"/>
-                </a:spcAft>
-              </a:pPr>
-              <a:r>
-                <a:rPr sz="1138">
-                  <a:solidFill>
-                    <a:srgbClr val="FFFFFF">
-                      <a:alpha val="100000"/>
-                    </a:srgbClr>
-                  </a:solidFill>
-                  <a:latin typeface="Arial"/>
-                  <a:cs typeface="Arial"/>
-                </a:rPr>
-                <a:t>22.8%</a:t>
-              </a:r>
-            </a:p>
-          </p:txBody>
-        </p:sp>
-        <p:sp>
-          <p:nvSpPr>
-            <p:cNvPr id="51" name="tx51"/>
-            <p:cNvSpPr/>
-            <p:nvPr/>
-          </p:nvSpPr>
-          <p:spPr>
-            <a:xfrm>
-              <a:off x="3867976" y="3808553"/>
-              <a:ext cx="409835" cy="109040"/>
-            </a:xfrm>
-            <a:prstGeom prst="rect">
-              <a:avLst/>
-            </a:prstGeom>
-            <a:noFill/>
-          </p:spPr>
-          <p:txBody>
-            <a:bodyPr lIns="0" rIns="0" tIns="0" bIns="0" anchorCtr="1" anchor="ctr" wrap="none"/>
-            <a:lstStyle/>
-            <a:p>
-              <a:pPr algn="l" marL="0" marR="0" indent="0">
-                <a:lnSpc>
-                  <a:spcPts val="1138"/>
-                </a:lnSpc>
-                <a:spcBef>
-                  <a:spcPts val="0"/>
-                </a:spcBef>
-                <a:spcAft>
-                  <a:spcPts val="0"/>
-                </a:spcAft>
-              </a:pPr>
-              <a:r>
-                <a:rPr sz="1138">
-                  <a:solidFill>
-                    <a:srgbClr val="FFFFFF">
-                      <a:alpha val="100000"/>
-                    </a:srgbClr>
-                  </a:solidFill>
-                  <a:latin typeface="Arial"/>
-                  <a:cs typeface="Arial"/>
-                </a:rPr>
-                <a:t>52.6%</a:t>
-              </a:r>
-            </a:p>
-          </p:txBody>
-        </p:sp>
-        <p:sp>
-          <p:nvSpPr>
-            <p:cNvPr id="52" name="tx52"/>
-            <p:cNvSpPr/>
-            <p:nvPr/>
-          </p:nvSpPr>
-          <p:spPr>
-            <a:xfrm>
-              <a:off x="5125355" y="2866104"/>
-              <a:ext cx="208905" cy="109040"/>
-            </a:xfrm>
-            <a:prstGeom prst="rect">
-              <a:avLst/>
-            </a:prstGeom>
-            <a:noFill/>
-          </p:spPr>
-          <p:txBody>
-            <a:bodyPr lIns="0" rIns="0" tIns="0" bIns="0" anchorCtr="1" anchor="ctr" wrap="none"/>
-            <a:lstStyle/>
-            <a:p>
-              <a:pPr algn="l" marL="0" marR="0" indent="0">
-                <a:lnSpc>
-                  <a:spcPts val="1138"/>
-                </a:lnSpc>
-                <a:spcBef>
-                  <a:spcPts val="0"/>
-                </a:spcBef>
-                <a:spcAft>
-                  <a:spcPts val="0"/>
-                </a:spcAft>
-              </a:pPr>
-              <a:r>
-                <a:rPr sz="1138">
-                  <a:solidFill>
-                    <a:srgbClr val="FFFFFF">
-                      <a:alpha val="100000"/>
-                    </a:srgbClr>
-                  </a:solidFill>
-                  <a:latin typeface="Arial"/>
-                  <a:cs typeface="Arial"/>
-                </a:rPr>
-                <a:t>9%</a:t>
-              </a:r>
-            </a:p>
-          </p:txBody>
-        </p:sp>
-        <p:sp>
-          <p:nvSpPr>
-            <p:cNvPr id="53" name="tx53"/>
-            <p:cNvSpPr/>
-            <p:nvPr/>
-          </p:nvSpPr>
-          <p:spPr>
-            <a:xfrm>
-              <a:off x="5558700" y="3287071"/>
-              <a:ext cx="409835" cy="109040"/>
-            </a:xfrm>
-            <a:prstGeom prst="rect">
-              <a:avLst/>
-            </a:prstGeom>
-            <a:noFill/>
-          </p:spPr>
-          <p:txBody>
-            <a:bodyPr lIns="0" rIns="0" tIns="0" bIns="0" anchorCtr="1" anchor="ctr" wrap="none"/>
-            <a:lstStyle/>
-            <a:p>
-              <a:pPr algn="l" marL="0" marR="0" indent="0">
-                <a:lnSpc>
-                  <a:spcPts val="1138"/>
-                </a:lnSpc>
-                <a:spcBef>
-                  <a:spcPts val="0"/>
-                </a:spcBef>
-                <a:spcAft>
-                  <a:spcPts val="0"/>
-                </a:spcAft>
-              </a:pPr>
-              <a:r>
-                <a:rPr sz="1138">
-                  <a:solidFill>
-                    <a:srgbClr val="FFFFFF">
-                      <a:alpha val="100000"/>
-                    </a:srgbClr>
-                  </a:solidFill>
-                  <a:latin typeface="Arial"/>
-                  <a:cs typeface="Arial"/>
-                </a:rPr>
-                <a:t>15.5%</a:t>
-              </a:r>
-            </a:p>
-          </p:txBody>
-        </p:sp>
-        <p:sp>
-          <p:nvSpPr>
-            <p:cNvPr id="54" name="tx54"/>
-            <p:cNvSpPr/>
-            <p:nvPr/>
-          </p:nvSpPr>
-          <p:spPr>
-            <a:xfrm>
-              <a:off x="5471510" y="4308545"/>
-              <a:ext cx="409835" cy="109040"/>
-            </a:xfrm>
-            <a:prstGeom prst="rect">
-              <a:avLst/>
-            </a:prstGeom>
-            <a:noFill/>
-          </p:spPr>
-          <p:txBody>
-            <a:bodyPr lIns="0" rIns="0" tIns="0" bIns="0" anchorCtr="1" anchor="ctr" wrap="none"/>
-            <a:lstStyle/>
-            <a:p>
-              <a:pPr algn="l" marL="0" marR="0" indent="0">
-                <a:lnSpc>
-                  <a:spcPts val="1138"/>
-                </a:lnSpc>
-                <a:spcBef>
-                  <a:spcPts val="0"/>
-                </a:spcBef>
-                <a:spcAft>
-                  <a:spcPts val="0"/>
-                </a:spcAft>
-              </a:pPr>
-              <a:r>
-                <a:rPr sz="1138">
-                  <a:solidFill>
-                    <a:srgbClr val="FFFFFF">
-                      <a:alpha val="100000"/>
-                    </a:srgbClr>
-                  </a:solidFill>
-                  <a:latin typeface="Arial"/>
-                  <a:cs typeface="Arial"/>
-                </a:rPr>
-                <a:t>22.8%</a:t>
-              </a:r>
-            </a:p>
-          </p:txBody>
-        </p:sp>
-        <p:sp>
-          <p:nvSpPr>
-            <p:cNvPr id="55" name="tx55"/>
-            <p:cNvSpPr/>
-            <p:nvPr/>
-          </p:nvSpPr>
-          <p:spPr>
-            <a:xfrm>
-              <a:off x="3871935" y="3809340"/>
-              <a:ext cx="409835" cy="109040"/>
-            </a:xfrm>
-            <a:prstGeom prst="rect">
-              <a:avLst/>
-            </a:prstGeom>
-            <a:noFill/>
-          </p:spPr>
-          <p:txBody>
-            <a:bodyPr lIns="0" rIns="0" tIns="0" bIns="0" anchorCtr="1" anchor="ctr" wrap="none"/>
-            <a:lstStyle/>
-            <a:p>
-              <a:pPr algn="l" marL="0" marR="0" indent="0">
-                <a:lnSpc>
-                  <a:spcPts val="1138"/>
-                </a:lnSpc>
-                <a:spcBef>
-                  <a:spcPts val="0"/>
-                </a:spcBef>
-                <a:spcAft>
-                  <a:spcPts val="0"/>
-                </a:spcAft>
-              </a:pPr>
-              <a:r>
-                <a:rPr sz="1138">
-                  <a:solidFill>
-                    <a:srgbClr val="FFFFFF">
-                      <a:alpha val="100000"/>
-                    </a:srgbClr>
-                  </a:solidFill>
-                  <a:latin typeface="Arial"/>
-                  <a:cs typeface="Arial"/>
-                </a:rPr>
-                <a:t>52.6%</a:t>
-              </a:r>
-            </a:p>
-          </p:txBody>
-        </p:sp>
-        <p:sp>
-          <p:nvSpPr>
-            <p:cNvPr id="56" name="tx56"/>
-            <p:cNvSpPr/>
-            <p:nvPr/>
-          </p:nvSpPr>
-          <p:spPr>
-            <a:xfrm>
-              <a:off x="5129315" y="2865316"/>
-              <a:ext cx="208905" cy="109040"/>
-            </a:xfrm>
-            <a:prstGeom prst="rect">
-              <a:avLst/>
-            </a:prstGeom>
-            <a:noFill/>
-          </p:spPr>
-          <p:txBody>
-            <a:bodyPr lIns="0" rIns="0" tIns="0" bIns="0" anchorCtr="1" anchor="ctr" wrap="none"/>
-            <a:lstStyle/>
-            <a:p>
-              <a:pPr algn="l" marL="0" marR="0" indent="0">
-                <a:lnSpc>
-                  <a:spcPts val="1138"/>
-                </a:lnSpc>
-                <a:spcBef>
-                  <a:spcPts val="0"/>
-                </a:spcBef>
-                <a:spcAft>
-                  <a:spcPts val="0"/>
-                </a:spcAft>
-              </a:pPr>
-              <a:r>
-                <a:rPr sz="1138">
-                  <a:solidFill>
-                    <a:srgbClr val="FFFFFF">
-                      <a:alpha val="100000"/>
-                    </a:srgbClr>
-                  </a:solidFill>
-                  <a:latin typeface="Arial"/>
-                  <a:cs typeface="Arial"/>
-                </a:rPr>
-                <a:t>9%</a:t>
-              </a:r>
-            </a:p>
-          </p:txBody>
-        </p:sp>
-        <p:sp>
-          <p:nvSpPr>
-            <p:cNvPr id="57" name="tx57"/>
-            <p:cNvSpPr/>
-            <p:nvPr/>
-          </p:nvSpPr>
-          <p:spPr>
-            <a:xfrm>
-              <a:off x="5562659" y="3286283"/>
-              <a:ext cx="409835" cy="109040"/>
-            </a:xfrm>
-            <a:prstGeom prst="rect">
-              <a:avLst/>
-            </a:prstGeom>
-            <a:noFill/>
-          </p:spPr>
-          <p:txBody>
-            <a:bodyPr lIns="0" rIns="0" tIns="0" bIns="0" anchorCtr="1" anchor="ctr" wrap="none"/>
-            <a:lstStyle/>
-            <a:p>
-              <a:pPr algn="l" marL="0" marR="0" indent="0">
-                <a:lnSpc>
-                  <a:spcPts val="1138"/>
-                </a:lnSpc>
-                <a:spcBef>
-                  <a:spcPts val="0"/>
-                </a:spcBef>
-                <a:spcAft>
-                  <a:spcPts val="0"/>
-                </a:spcAft>
-              </a:pPr>
-              <a:r>
-                <a:rPr sz="1138">
-                  <a:solidFill>
-                    <a:srgbClr val="FFFFFF">
-                      <a:alpha val="100000"/>
-                    </a:srgbClr>
-                  </a:solidFill>
-                  <a:latin typeface="Arial"/>
-                  <a:cs typeface="Arial"/>
-                </a:rPr>
-                <a:t>15.5%</a:t>
-              </a:r>
-            </a:p>
-          </p:txBody>
-        </p:sp>
-        <p:sp>
-          <p:nvSpPr>
-            <p:cNvPr id="58" name="tx58"/>
-            <p:cNvSpPr/>
-            <p:nvPr/>
-          </p:nvSpPr>
-          <p:spPr>
-            <a:xfrm>
-              <a:off x="5475470" y="4307757"/>
-              <a:ext cx="409835" cy="109040"/>
-            </a:xfrm>
-            <a:prstGeom prst="rect">
-              <a:avLst/>
-            </a:prstGeom>
-            <a:noFill/>
-          </p:spPr>
-          <p:txBody>
-            <a:bodyPr lIns="0" rIns="0" tIns="0" bIns="0" anchorCtr="1" anchor="ctr" wrap="none"/>
-            <a:lstStyle/>
-            <a:p>
-              <a:pPr algn="l" marL="0" marR="0" indent="0">
-                <a:lnSpc>
-                  <a:spcPts val="1138"/>
-                </a:lnSpc>
-                <a:spcBef>
-                  <a:spcPts val="0"/>
-                </a:spcBef>
-                <a:spcAft>
-                  <a:spcPts val="0"/>
-                </a:spcAft>
-              </a:pPr>
-              <a:r>
-                <a:rPr sz="1138">
-                  <a:solidFill>
-                    <a:srgbClr val="FFFFFF">
-                      <a:alpha val="100000"/>
-                    </a:srgbClr>
-                  </a:solidFill>
-                  <a:latin typeface="Arial"/>
-                  <a:cs typeface="Arial"/>
-                </a:rPr>
-                <a:t>22.8%</a:t>
-              </a:r>
-            </a:p>
-          </p:txBody>
-        </p:sp>
-        <p:sp>
-          <p:nvSpPr>
-            <p:cNvPr id="59" name="tx59"/>
-            <p:cNvSpPr/>
-            <p:nvPr/>
-          </p:nvSpPr>
-          <p:spPr>
-            <a:xfrm>
-              <a:off x="3875895" y="3808553"/>
-              <a:ext cx="409835" cy="109040"/>
-            </a:xfrm>
-            <a:prstGeom prst="rect">
-              <a:avLst/>
-            </a:prstGeom>
-            <a:noFill/>
-          </p:spPr>
-          <p:txBody>
-            <a:bodyPr lIns="0" rIns="0" tIns="0" bIns="0" anchorCtr="1" anchor="ctr" wrap="none"/>
-            <a:lstStyle/>
-            <a:p>
-              <a:pPr algn="l" marL="0" marR="0" indent="0">
-                <a:lnSpc>
-                  <a:spcPts val="1138"/>
-                </a:lnSpc>
-                <a:spcBef>
-                  <a:spcPts val="0"/>
-                </a:spcBef>
-                <a:spcAft>
-                  <a:spcPts val="0"/>
-                </a:spcAft>
-              </a:pPr>
-              <a:r>
-                <a:rPr sz="1138">
-                  <a:solidFill>
-                    <a:srgbClr val="FFFFFF">
-                      <a:alpha val="100000"/>
-                    </a:srgbClr>
-                  </a:solidFill>
-                  <a:latin typeface="Arial"/>
-                  <a:cs typeface="Arial"/>
-                </a:rPr>
-                <a:t>52.6%</a:t>
-              </a:r>
-            </a:p>
-          </p:txBody>
-        </p:sp>
-        <p:sp>
-          <p:nvSpPr>
-            <p:cNvPr id="60" name="tx60"/>
-            <p:cNvSpPr/>
-            <p:nvPr/>
-          </p:nvSpPr>
-          <p:spPr>
-            <a:xfrm>
-              <a:off x="5132671" y="2863073"/>
-              <a:ext cx="208905" cy="109040"/>
-            </a:xfrm>
-            <a:prstGeom prst="rect">
-              <a:avLst/>
-            </a:prstGeom>
-            <a:noFill/>
-          </p:spPr>
-          <p:txBody>
-            <a:bodyPr lIns="0" rIns="0" tIns="0" bIns="0" anchorCtr="1" anchor="ctr" wrap="none"/>
-            <a:lstStyle/>
-            <a:p>
-              <a:pPr algn="l" marL="0" marR="0" indent="0">
-                <a:lnSpc>
-                  <a:spcPts val="1138"/>
-                </a:lnSpc>
-                <a:spcBef>
-                  <a:spcPts val="0"/>
-                </a:spcBef>
-                <a:spcAft>
-                  <a:spcPts val="0"/>
-                </a:spcAft>
-              </a:pPr>
-              <a:r>
-                <a:rPr sz="1138">
-                  <a:solidFill>
-                    <a:srgbClr val="FFFFFF">
-                      <a:alpha val="100000"/>
-                    </a:srgbClr>
-                  </a:solidFill>
-                  <a:latin typeface="Arial"/>
-                  <a:cs typeface="Arial"/>
-                </a:rPr>
-                <a:t>9%</a:t>
-              </a:r>
-            </a:p>
-          </p:txBody>
-        </p:sp>
-        <p:sp>
-          <p:nvSpPr>
-            <p:cNvPr id="61" name="tx61"/>
-            <p:cNvSpPr/>
-            <p:nvPr/>
-          </p:nvSpPr>
-          <p:spPr>
-            <a:xfrm>
-              <a:off x="5566016" y="3284040"/>
-              <a:ext cx="409835" cy="109040"/>
-            </a:xfrm>
-            <a:prstGeom prst="rect">
-              <a:avLst/>
-            </a:prstGeom>
-            <a:noFill/>
-          </p:spPr>
-          <p:txBody>
-            <a:bodyPr lIns="0" rIns="0" tIns="0" bIns="0" anchorCtr="1" anchor="ctr" wrap="none"/>
-            <a:lstStyle/>
-            <a:p>
-              <a:pPr algn="l" marL="0" marR="0" indent="0">
-                <a:lnSpc>
-                  <a:spcPts val="1138"/>
-                </a:lnSpc>
-                <a:spcBef>
-                  <a:spcPts val="0"/>
-                </a:spcBef>
-                <a:spcAft>
-                  <a:spcPts val="0"/>
-                </a:spcAft>
-              </a:pPr>
-              <a:r>
-                <a:rPr sz="1138">
-                  <a:solidFill>
-                    <a:srgbClr val="FFFFFF">
-                      <a:alpha val="100000"/>
-                    </a:srgbClr>
-                  </a:solidFill>
-                  <a:latin typeface="Arial"/>
-                  <a:cs typeface="Arial"/>
-                </a:rPr>
-                <a:t>15.5%</a:t>
-              </a:r>
-            </a:p>
-          </p:txBody>
-        </p:sp>
-        <p:sp>
-          <p:nvSpPr>
-            <p:cNvPr id="62" name="tx62"/>
-            <p:cNvSpPr/>
-            <p:nvPr/>
-          </p:nvSpPr>
-          <p:spPr>
-            <a:xfrm>
-              <a:off x="5478827" y="4305514"/>
-              <a:ext cx="409835" cy="109040"/>
-            </a:xfrm>
-            <a:prstGeom prst="rect">
-              <a:avLst/>
-            </a:prstGeom>
-            <a:noFill/>
-          </p:spPr>
-          <p:txBody>
-            <a:bodyPr lIns="0" rIns="0" tIns="0" bIns="0" anchorCtr="1" anchor="ctr" wrap="none"/>
-            <a:lstStyle/>
-            <a:p>
-              <a:pPr algn="l" marL="0" marR="0" indent="0">
-                <a:lnSpc>
-                  <a:spcPts val="1138"/>
-                </a:lnSpc>
-                <a:spcBef>
-                  <a:spcPts val="0"/>
-                </a:spcBef>
-                <a:spcAft>
-                  <a:spcPts val="0"/>
-                </a:spcAft>
-              </a:pPr>
-              <a:r>
-                <a:rPr sz="1138">
-                  <a:solidFill>
-                    <a:srgbClr val="FFFFFF">
-                      <a:alpha val="100000"/>
-                    </a:srgbClr>
-                  </a:solidFill>
-                  <a:latin typeface="Arial"/>
-                  <a:cs typeface="Arial"/>
-                </a:rPr>
-                <a:t>22.8%</a:t>
-              </a:r>
-            </a:p>
-          </p:txBody>
-        </p:sp>
-        <p:sp>
-          <p:nvSpPr>
-            <p:cNvPr id="63" name="tx63"/>
-            <p:cNvSpPr/>
-            <p:nvPr/>
-          </p:nvSpPr>
-          <p:spPr>
-            <a:xfrm>
-              <a:off x="3879251" y="3806310"/>
-              <a:ext cx="409835" cy="109040"/>
-            </a:xfrm>
-            <a:prstGeom prst="rect">
-              <a:avLst/>
-            </a:prstGeom>
-            <a:noFill/>
-          </p:spPr>
-          <p:txBody>
-            <a:bodyPr lIns="0" rIns="0" tIns="0" bIns="0" anchorCtr="1" anchor="ctr" wrap="none"/>
-            <a:lstStyle/>
-            <a:p>
-              <a:pPr algn="l" marL="0" marR="0" indent="0">
-                <a:lnSpc>
-                  <a:spcPts val="1138"/>
-                </a:lnSpc>
-                <a:spcBef>
-                  <a:spcPts val="0"/>
-                </a:spcBef>
-                <a:spcAft>
-                  <a:spcPts val="0"/>
-                </a:spcAft>
-              </a:pPr>
-              <a:r>
-                <a:rPr sz="1138">
-                  <a:solidFill>
-                    <a:srgbClr val="FFFFFF">
-                      <a:alpha val="100000"/>
-                    </a:srgbClr>
-                  </a:solidFill>
-                  <a:latin typeface="Arial"/>
-                  <a:cs typeface="Arial"/>
-                </a:rPr>
-                <a:t>52.6%</a:t>
-              </a:r>
-            </a:p>
-          </p:txBody>
-        </p:sp>
-        <p:sp>
-          <p:nvSpPr>
-            <p:cNvPr id="64" name="tx64"/>
-            <p:cNvSpPr/>
-            <p:nvPr/>
-          </p:nvSpPr>
-          <p:spPr>
-            <a:xfrm>
-              <a:off x="5134914" y="2859716"/>
-              <a:ext cx="208905" cy="109040"/>
-            </a:xfrm>
-            <a:prstGeom prst="rect">
-              <a:avLst/>
-            </a:prstGeom>
-            <a:noFill/>
-          </p:spPr>
-          <p:txBody>
-            <a:bodyPr lIns="0" rIns="0" tIns="0" bIns="0" anchorCtr="1" anchor="ctr" wrap="none"/>
-            <a:lstStyle/>
-            <a:p>
-              <a:pPr algn="l" marL="0" marR="0" indent="0">
-                <a:lnSpc>
-                  <a:spcPts val="1138"/>
-                </a:lnSpc>
-                <a:spcBef>
-                  <a:spcPts val="0"/>
-                </a:spcBef>
-                <a:spcAft>
-                  <a:spcPts val="0"/>
-                </a:spcAft>
-              </a:pPr>
-              <a:r>
-                <a:rPr sz="1138">
-                  <a:solidFill>
-                    <a:srgbClr val="FFFFFF">
-                      <a:alpha val="100000"/>
-                    </a:srgbClr>
-                  </a:solidFill>
-                  <a:latin typeface="Arial"/>
-                  <a:cs typeface="Arial"/>
-                </a:rPr>
-                <a:t>9%</a:t>
-              </a:r>
-            </a:p>
-          </p:txBody>
-        </p:sp>
-        <p:sp>
-          <p:nvSpPr>
-            <p:cNvPr id="65" name="tx65"/>
-            <p:cNvSpPr/>
-            <p:nvPr/>
-          </p:nvSpPr>
-          <p:spPr>
-            <a:xfrm>
-              <a:off x="5568259" y="3280684"/>
-              <a:ext cx="409835" cy="109040"/>
-            </a:xfrm>
-            <a:prstGeom prst="rect">
-              <a:avLst/>
-            </a:prstGeom>
-            <a:noFill/>
-          </p:spPr>
-          <p:txBody>
-            <a:bodyPr lIns="0" rIns="0" tIns="0" bIns="0" anchorCtr="1" anchor="ctr" wrap="none"/>
-            <a:lstStyle/>
-            <a:p>
-              <a:pPr algn="l" marL="0" marR="0" indent="0">
-                <a:lnSpc>
-                  <a:spcPts val="1138"/>
-                </a:lnSpc>
-                <a:spcBef>
-                  <a:spcPts val="0"/>
-                </a:spcBef>
-                <a:spcAft>
-                  <a:spcPts val="0"/>
-                </a:spcAft>
-              </a:pPr>
-              <a:r>
-                <a:rPr sz="1138">
-                  <a:solidFill>
-                    <a:srgbClr val="FFFFFF">
-                      <a:alpha val="100000"/>
-                    </a:srgbClr>
-                  </a:solidFill>
-                  <a:latin typeface="Arial"/>
-                  <a:cs typeface="Arial"/>
-                </a:rPr>
-                <a:t>15.5%</a:t>
-              </a:r>
-            </a:p>
-          </p:txBody>
-        </p:sp>
-        <p:sp>
-          <p:nvSpPr>
-            <p:cNvPr id="66" name="tx66"/>
-            <p:cNvSpPr/>
-            <p:nvPr/>
-          </p:nvSpPr>
-          <p:spPr>
-            <a:xfrm>
-              <a:off x="5481069" y="4302158"/>
-              <a:ext cx="409835" cy="109040"/>
-            </a:xfrm>
-            <a:prstGeom prst="rect">
-              <a:avLst/>
-            </a:prstGeom>
-            <a:noFill/>
-          </p:spPr>
-          <p:txBody>
-            <a:bodyPr lIns="0" rIns="0" tIns="0" bIns="0" anchorCtr="1" anchor="ctr" wrap="none"/>
-            <a:lstStyle/>
-            <a:p>
-              <a:pPr algn="l" marL="0" marR="0" indent="0">
-                <a:lnSpc>
-                  <a:spcPts val="1138"/>
-                </a:lnSpc>
-                <a:spcBef>
-                  <a:spcPts val="0"/>
-                </a:spcBef>
-                <a:spcAft>
-                  <a:spcPts val="0"/>
-                </a:spcAft>
-              </a:pPr>
-              <a:r>
-                <a:rPr sz="1138">
-                  <a:solidFill>
-                    <a:srgbClr val="FFFFFF">
-                      <a:alpha val="100000"/>
-                    </a:srgbClr>
-                  </a:solidFill>
-                  <a:latin typeface="Arial"/>
-                  <a:cs typeface="Arial"/>
-                </a:rPr>
-                <a:t>22.8%</a:t>
-              </a:r>
-            </a:p>
-          </p:txBody>
-        </p:sp>
-        <p:sp>
-          <p:nvSpPr>
-            <p:cNvPr id="67" name="tx67"/>
-            <p:cNvSpPr/>
-            <p:nvPr/>
-          </p:nvSpPr>
-          <p:spPr>
-            <a:xfrm>
-              <a:off x="3881494" y="3802953"/>
-              <a:ext cx="409835" cy="109040"/>
-            </a:xfrm>
-            <a:prstGeom prst="rect">
-              <a:avLst/>
-            </a:prstGeom>
-            <a:noFill/>
-          </p:spPr>
-          <p:txBody>
-            <a:bodyPr lIns="0" rIns="0" tIns="0" bIns="0" anchorCtr="1" anchor="ctr" wrap="none"/>
-            <a:lstStyle/>
-            <a:p>
-              <a:pPr algn="l" marL="0" marR="0" indent="0">
-                <a:lnSpc>
-                  <a:spcPts val="1138"/>
-                </a:lnSpc>
-                <a:spcBef>
-                  <a:spcPts val="0"/>
-                </a:spcBef>
-                <a:spcAft>
-                  <a:spcPts val="0"/>
-                </a:spcAft>
-              </a:pPr>
-              <a:r>
-                <a:rPr sz="1138">
-                  <a:solidFill>
-                    <a:srgbClr val="FFFFFF">
-                      <a:alpha val="100000"/>
-                    </a:srgbClr>
-                  </a:solidFill>
-                  <a:latin typeface="Arial"/>
-                  <a:cs typeface="Arial"/>
-                </a:rPr>
-                <a:t>52.6%</a:t>
-              </a:r>
-            </a:p>
-          </p:txBody>
-        </p:sp>
-        <p:sp>
-          <p:nvSpPr>
-            <p:cNvPr id="68" name="tx68"/>
-            <p:cNvSpPr/>
-            <p:nvPr/>
-          </p:nvSpPr>
-          <p:spPr>
-            <a:xfrm>
-              <a:off x="5135702" y="2855757"/>
-              <a:ext cx="208905" cy="109040"/>
-            </a:xfrm>
-            <a:prstGeom prst="rect">
-              <a:avLst/>
-            </a:prstGeom>
-            <a:noFill/>
-          </p:spPr>
-          <p:txBody>
-            <a:bodyPr lIns="0" rIns="0" tIns="0" bIns="0" anchorCtr="1" anchor="ctr" wrap="none"/>
-            <a:lstStyle/>
-            <a:p>
-              <a:pPr algn="l" marL="0" marR="0" indent="0">
-                <a:lnSpc>
-                  <a:spcPts val="1138"/>
-                </a:lnSpc>
-                <a:spcBef>
-                  <a:spcPts val="0"/>
-                </a:spcBef>
-                <a:spcAft>
-                  <a:spcPts val="0"/>
-                </a:spcAft>
-              </a:pPr>
-              <a:r>
-                <a:rPr sz="1138">
-                  <a:solidFill>
-                    <a:srgbClr val="FFFFFF">
-                      <a:alpha val="100000"/>
-                    </a:srgbClr>
-                  </a:solidFill>
-                  <a:latin typeface="Arial"/>
-                  <a:cs typeface="Arial"/>
-                </a:rPr>
-                <a:t>9%</a:t>
-              </a:r>
-            </a:p>
-          </p:txBody>
-        </p:sp>
-        <p:sp>
-          <p:nvSpPr>
-            <p:cNvPr id="69" name="tx69"/>
-            <p:cNvSpPr/>
-            <p:nvPr/>
-          </p:nvSpPr>
-          <p:spPr>
-            <a:xfrm>
-              <a:off x="5569046" y="3276724"/>
-              <a:ext cx="409835" cy="109040"/>
-            </a:xfrm>
-            <a:prstGeom prst="rect">
-              <a:avLst/>
-            </a:prstGeom>
-            <a:noFill/>
-          </p:spPr>
-          <p:txBody>
-            <a:bodyPr lIns="0" rIns="0" tIns="0" bIns="0" anchorCtr="1" anchor="ctr" wrap="none"/>
-            <a:lstStyle/>
-            <a:p>
-              <a:pPr algn="l" marL="0" marR="0" indent="0">
-                <a:lnSpc>
-                  <a:spcPts val="1138"/>
-                </a:lnSpc>
-                <a:spcBef>
-                  <a:spcPts val="0"/>
-                </a:spcBef>
-                <a:spcAft>
-                  <a:spcPts val="0"/>
-                </a:spcAft>
-              </a:pPr>
-              <a:r>
-                <a:rPr sz="1138">
-                  <a:solidFill>
-                    <a:srgbClr val="FFFFFF">
-                      <a:alpha val="100000"/>
-                    </a:srgbClr>
-                  </a:solidFill>
-                  <a:latin typeface="Arial"/>
-                  <a:cs typeface="Arial"/>
-                </a:rPr>
-                <a:t>15.5%</a:t>
-              </a:r>
-            </a:p>
-          </p:txBody>
-        </p:sp>
-        <p:sp>
-          <p:nvSpPr>
-            <p:cNvPr id="70" name="tx70"/>
-            <p:cNvSpPr/>
-            <p:nvPr/>
-          </p:nvSpPr>
-          <p:spPr>
-            <a:xfrm>
-              <a:off x="5481857" y="4298198"/>
-              <a:ext cx="409835" cy="109040"/>
-            </a:xfrm>
-            <a:prstGeom prst="rect">
-              <a:avLst/>
-            </a:prstGeom>
-            <a:noFill/>
-          </p:spPr>
-          <p:txBody>
-            <a:bodyPr lIns="0" rIns="0" tIns="0" bIns="0" anchorCtr="1" anchor="ctr" wrap="none"/>
-            <a:lstStyle/>
-            <a:p>
-              <a:pPr algn="l" marL="0" marR="0" indent="0">
-                <a:lnSpc>
-                  <a:spcPts val="1138"/>
-                </a:lnSpc>
-                <a:spcBef>
-                  <a:spcPts val="0"/>
-                </a:spcBef>
-                <a:spcAft>
-                  <a:spcPts val="0"/>
-                </a:spcAft>
-              </a:pPr>
-              <a:r>
-                <a:rPr sz="1138">
-                  <a:solidFill>
-                    <a:srgbClr val="FFFFFF">
-                      <a:alpha val="100000"/>
-                    </a:srgbClr>
-                  </a:solidFill>
-                  <a:latin typeface="Arial"/>
-                  <a:cs typeface="Arial"/>
-                </a:rPr>
-                <a:t>22.8%</a:t>
-              </a:r>
-            </a:p>
-          </p:txBody>
-        </p:sp>
-        <p:sp>
-          <p:nvSpPr>
-            <p:cNvPr id="71" name="tx71"/>
-            <p:cNvSpPr/>
-            <p:nvPr/>
-          </p:nvSpPr>
-          <p:spPr>
-            <a:xfrm>
-              <a:off x="3882282" y="3798994"/>
-              <a:ext cx="409835" cy="109040"/>
-            </a:xfrm>
-            <a:prstGeom prst="rect">
-              <a:avLst/>
-            </a:prstGeom>
-            <a:noFill/>
-          </p:spPr>
-          <p:txBody>
-            <a:bodyPr lIns="0" rIns="0" tIns="0" bIns="0" anchorCtr="1" anchor="ctr" wrap="none"/>
-            <a:lstStyle/>
-            <a:p>
-              <a:pPr algn="l" marL="0" marR="0" indent="0">
-                <a:lnSpc>
-                  <a:spcPts val="1138"/>
-                </a:lnSpc>
-                <a:spcBef>
-                  <a:spcPts val="0"/>
-                </a:spcBef>
-                <a:spcAft>
-                  <a:spcPts val="0"/>
-                </a:spcAft>
-              </a:pPr>
-              <a:r>
-                <a:rPr sz="1138">
-                  <a:solidFill>
-                    <a:srgbClr val="FFFFFF">
-                      <a:alpha val="100000"/>
-                    </a:srgbClr>
-                  </a:solidFill>
-                  <a:latin typeface="Arial"/>
-                  <a:cs typeface="Arial"/>
-                </a:rPr>
-                <a:t>52.6%</a:t>
-              </a:r>
-            </a:p>
-          </p:txBody>
-        </p:sp>
-        <p:sp>
-          <p:nvSpPr>
-            <p:cNvPr id="72" name="tx72"/>
-            <p:cNvSpPr/>
-            <p:nvPr/>
-          </p:nvSpPr>
-          <p:spPr>
-            <a:xfrm>
-              <a:off x="5125355" y="2855757"/>
-              <a:ext cx="208905" cy="109040"/>
-            </a:xfrm>
-            <a:prstGeom prst="rect">
-              <a:avLst/>
-            </a:prstGeom>
-            <a:noFill/>
-          </p:spPr>
-          <p:txBody>
-            <a:bodyPr lIns="0" rIns="0" tIns="0" bIns="0" anchorCtr="1" anchor="ctr" wrap="none"/>
-            <a:lstStyle/>
-            <a:p>
-              <a:pPr algn="l" marL="0" marR="0" indent="0">
-                <a:lnSpc>
-                  <a:spcPts val="1138"/>
-                </a:lnSpc>
-                <a:spcBef>
-                  <a:spcPts val="0"/>
-                </a:spcBef>
-                <a:spcAft>
-                  <a:spcPts val="0"/>
-                </a:spcAft>
-              </a:pPr>
-              <a:r>
-                <a:rPr sz="1138">
-                  <a:solidFill>
-                    <a:srgbClr val="C77CFF">
-                      <a:alpha val="100000"/>
-                    </a:srgbClr>
-                  </a:solidFill>
-                  <a:latin typeface="Arial"/>
-                  <a:cs typeface="Arial"/>
-                </a:rPr>
-                <a:t>9%</a:t>
-              </a:r>
-            </a:p>
-          </p:txBody>
-        </p:sp>
-        <p:sp>
-          <p:nvSpPr>
-            <p:cNvPr id="73" name="tx73"/>
-            <p:cNvSpPr/>
-            <p:nvPr/>
-          </p:nvSpPr>
-          <p:spPr>
-            <a:xfrm>
-              <a:off x="5558700" y="3276724"/>
-              <a:ext cx="409835" cy="109040"/>
-            </a:xfrm>
-            <a:prstGeom prst="rect">
-              <a:avLst/>
-            </a:prstGeom>
-            <a:noFill/>
-          </p:spPr>
-          <p:txBody>
-            <a:bodyPr lIns="0" rIns="0" tIns="0" bIns="0" anchorCtr="1" anchor="ctr" wrap="none"/>
-            <a:lstStyle/>
-            <a:p>
-              <a:pPr algn="l" marL="0" marR="0" indent="0">
-                <a:lnSpc>
-                  <a:spcPts val="1138"/>
-                </a:lnSpc>
-                <a:spcBef>
-                  <a:spcPts val="0"/>
-                </a:spcBef>
-                <a:spcAft>
-                  <a:spcPts val="0"/>
-                </a:spcAft>
-              </a:pPr>
-              <a:r>
-                <a:rPr sz="1138">
-                  <a:solidFill>
-                    <a:srgbClr val="00BFC4">
-                      <a:alpha val="100000"/>
-                    </a:srgbClr>
-                  </a:solidFill>
-                  <a:latin typeface="Arial"/>
-                  <a:cs typeface="Arial"/>
-                </a:rPr>
-                <a:t>15.5%</a:t>
-              </a:r>
-            </a:p>
-          </p:txBody>
-        </p:sp>
-        <p:sp>
-          <p:nvSpPr>
-            <p:cNvPr id="74" name="tx74"/>
-            <p:cNvSpPr/>
-            <p:nvPr/>
-          </p:nvSpPr>
-          <p:spPr>
-            <a:xfrm>
-              <a:off x="5471510" y="4298198"/>
-              <a:ext cx="409835" cy="109040"/>
-            </a:xfrm>
-            <a:prstGeom prst="rect">
-              <a:avLst/>
-            </a:prstGeom>
-            <a:noFill/>
-          </p:spPr>
-          <p:txBody>
-            <a:bodyPr lIns="0" rIns="0" tIns="0" bIns="0" anchorCtr="1" anchor="ctr" wrap="none"/>
-            <a:lstStyle/>
-            <a:p>
-              <a:pPr algn="l" marL="0" marR="0" indent="0">
-                <a:lnSpc>
-                  <a:spcPts val="1138"/>
-                </a:lnSpc>
-                <a:spcBef>
-                  <a:spcPts val="0"/>
-                </a:spcBef>
-                <a:spcAft>
-                  <a:spcPts val="0"/>
-                </a:spcAft>
-              </a:pPr>
-              <a:r>
-                <a:rPr sz="1138">
-                  <a:solidFill>
-                    <a:srgbClr val="7CAE00">
-                      <a:alpha val="100000"/>
-                    </a:srgbClr>
-                  </a:solidFill>
-                  <a:latin typeface="Arial"/>
-                  <a:cs typeface="Arial"/>
-                </a:rPr>
-                <a:t>22.8%</a:t>
-              </a:r>
-            </a:p>
-          </p:txBody>
-        </p:sp>
-        <p:sp>
-          <p:nvSpPr>
-            <p:cNvPr id="75" name="tx75"/>
-            <p:cNvSpPr/>
-            <p:nvPr/>
-          </p:nvSpPr>
-          <p:spPr>
-            <a:xfrm>
-              <a:off x="3871935" y="3798994"/>
-              <a:ext cx="409835" cy="109040"/>
-            </a:xfrm>
-            <a:prstGeom prst="rect">
-              <a:avLst/>
-            </a:prstGeom>
-            <a:noFill/>
-          </p:spPr>
-          <p:txBody>
-            <a:bodyPr lIns="0" rIns="0" tIns="0" bIns="0" anchorCtr="1" anchor="ctr" wrap="none"/>
-            <a:lstStyle/>
-            <a:p>
-              <a:pPr algn="l" marL="0" marR="0" indent="0">
-                <a:lnSpc>
-                  <a:spcPts val="1138"/>
-                </a:lnSpc>
-                <a:spcBef>
-                  <a:spcPts val="0"/>
-                </a:spcBef>
-                <a:spcAft>
-                  <a:spcPts val="0"/>
-                </a:spcAft>
-              </a:pPr>
-              <a:r>
-                <a:rPr sz="1138">
-                  <a:solidFill>
                     <a:srgbClr val="F8766D">
                       <a:alpha val="100000"/>
                     </a:srgbClr>
@@ -7677,7 +7680,7 @@
                   <a:latin typeface="Arial"/>
                   <a:cs typeface="Arial"/>
                 </a:rPr>
-                <a:t>52.6%</a:t>
+                <a:t>53%</a:t>
               </a:r>
             </a:p>
           </p:txBody>

--- a/_book/plot/pro-survey-q7-pie-1.pptx
+++ b/_book/plot/pro-survey-q7-pie-1.pptx
@@ -3192,8 +3192,8 @@
           </p:nvSpPr>
           <p:spPr>
             <a:xfrm>
-              <a:off x="2019661" y="1590617"/>
-              <a:ext cx="6917431" cy="4055309"/>
+              <a:off x="2017917" y="1590617"/>
+              <a:ext cx="6919174" cy="4059006"/>
             </a:xfrm>
             <a:prstGeom prst="rect">
               <a:avLst/>
@@ -3218,15 +3218,15 @@
           </p:nvSpPr>
           <p:spPr>
             <a:xfrm>
-              <a:off x="2649939" y="1590617"/>
-              <a:ext cx="0" cy="4055309"/>
+              <a:off x="2648354" y="1590617"/>
+              <a:ext cx="0" cy="4059006"/>
             </a:xfrm>
             <a:custGeom>
               <a:avLst/>
               <a:pathLst>
-                <a:path w="0" h="4055309">
+                <a:path w="0" h="4059006">
                   <a:moveTo>
-                    <a:pt x="0" y="4055309"/>
+                    <a:pt x="0" y="4059006"/>
                   </a:moveTo>
                   <a:lnTo>
                     <a:pt x="0" y="0"/>
@@ -3261,15 +3261,15 @@
           </p:nvSpPr>
           <p:spPr>
             <a:xfrm>
-              <a:off x="3910496" y="1590617"/>
-              <a:ext cx="0" cy="4055309"/>
+              <a:off x="3909229" y="1590617"/>
+              <a:ext cx="0" cy="4059006"/>
             </a:xfrm>
             <a:custGeom>
               <a:avLst/>
               <a:pathLst>
-                <a:path w="0" h="4055309">
+                <a:path w="0" h="4059006">
                   <a:moveTo>
-                    <a:pt x="0" y="4055309"/>
+                    <a:pt x="0" y="4059006"/>
                   </a:moveTo>
                   <a:lnTo>
                     <a:pt x="0" y="0"/>
@@ -3304,15 +3304,15 @@
           </p:nvSpPr>
           <p:spPr>
             <a:xfrm>
-              <a:off x="5171053" y="1590617"/>
-              <a:ext cx="0" cy="4055309"/>
+              <a:off x="5170103" y="1590617"/>
+              <a:ext cx="0" cy="4059006"/>
             </a:xfrm>
             <a:custGeom>
               <a:avLst/>
               <a:pathLst>
-                <a:path w="0" h="4055309">
+                <a:path w="0" h="4059006">
                   <a:moveTo>
-                    <a:pt x="0" y="4055309"/>
+                    <a:pt x="0" y="4059006"/>
                   </a:moveTo>
                   <a:lnTo>
                     <a:pt x="0" y="0"/>
@@ -3347,15 +3347,15 @@
           </p:nvSpPr>
           <p:spPr>
             <a:xfrm>
-              <a:off x="6431609" y="1590617"/>
-              <a:ext cx="0" cy="4055309"/>
+              <a:off x="6430978" y="1590617"/>
+              <a:ext cx="0" cy="4059006"/>
             </a:xfrm>
             <a:custGeom>
               <a:avLst/>
               <a:pathLst>
-                <a:path w="0" h="4055309">
+                <a:path w="0" h="4059006">
                   <a:moveTo>
-                    <a:pt x="0" y="4055309"/>
+                    <a:pt x="0" y="4059006"/>
                   </a:moveTo>
                   <a:lnTo>
                     <a:pt x="0" y="0"/>
@@ -3390,15 +3390,15 @@
           </p:nvSpPr>
           <p:spPr>
             <a:xfrm>
-              <a:off x="7692166" y="1590617"/>
-              <a:ext cx="0" cy="4055309"/>
+              <a:off x="7691852" y="1590617"/>
+              <a:ext cx="0" cy="4059006"/>
             </a:xfrm>
             <a:custGeom>
               <a:avLst/>
               <a:pathLst>
-                <a:path w="0" h="4055309">
+                <a:path w="0" h="4059006">
                   <a:moveTo>
-                    <a:pt x="0" y="4055309"/>
+                    <a:pt x="0" y="4059006"/>
                   </a:moveTo>
                   <a:lnTo>
                     <a:pt x="0" y="0"/>
@@ -3433,21 +3433,21 @@
           </p:nvSpPr>
           <p:spPr>
             <a:xfrm>
-              <a:off x="2019661" y="5066596"/>
-              <a:ext cx="6917431" cy="0"/>
+              <a:off x="2017917" y="5069765"/>
+              <a:ext cx="6919174" cy="0"/>
             </a:xfrm>
             <a:custGeom>
               <a:avLst/>
               <a:pathLst>
-                <a:path w="6917431" h="0">
+                <a:path w="6919174" h="0">
                   <a:moveTo>
                     <a:pt x="0" y="0"/>
                   </a:moveTo>
                   <a:lnTo>
-                    <a:pt x="6917431" y="0"/>
-                  </a:lnTo>
-                  <a:lnTo>
-                    <a:pt x="6917431" y="0"/>
+                    <a:pt x="6919174" y="0"/>
+                  </a:lnTo>
+                  <a:lnTo>
+                    <a:pt x="6919174" y="0"/>
                   </a:lnTo>
                 </a:path>
               </a:pathLst>
@@ -3476,21 +3476,21 @@
           </p:nvSpPr>
           <p:spPr>
             <a:xfrm>
-              <a:off x="2019661" y="4101046"/>
-              <a:ext cx="6917431" cy="0"/>
+              <a:off x="2017917" y="4103335"/>
+              <a:ext cx="6919174" cy="0"/>
             </a:xfrm>
             <a:custGeom>
               <a:avLst/>
               <a:pathLst>
-                <a:path w="6917431" h="0">
+                <a:path w="6919174" h="0">
                   <a:moveTo>
                     <a:pt x="0" y="0"/>
                   </a:moveTo>
                   <a:lnTo>
-                    <a:pt x="6917431" y="0"/>
-                  </a:lnTo>
-                  <a:lnTo>
-                    <a:pt x="6917431" y="0"/>
+                    <a:pt x="6919174" y="0"/>
+                  </a:lnTo>
+                  <a:lnTo>
+                    <a:pt x="6919174" y="0"/>
                   </a:lnTo>
                 </a:path>
               </a:pathLst>
@@ -3519,21 +3519,21 @@
           </p:nvSpPr>
           <p:spPr>
             <a:xfrm>
-              <a:off x="2019661" y="3135496"/>
-              <a:ext cx="6917431" cy="0"/>
+              <a:off x="2017917" y="3136905"/>
+              <a:ext cx="6919174" cy="0"/>
             </a:xfrm>
             <a:custGeom>
               <a:avLst/>
               <a:pathLst>
-                <a:path w="6917431" h="0">
+                <a:path w="6919174" h="0">
                   <a:moveTo>
                     <a:pt x="0" y="0"/>
                   </a:moveTo>
                   <a:lnTo>
-                    <a:pt x="6917431" y="0"/>
-                  </a:lnTo>
-                  <a:lnTo>
-                    <a:pt x="6917431" y="0"/>
+                    <a:pt x="6919174" y="0"/>
+                  </a:lnTo>
+                  <a:lnTo>
+                    <a:pt x="6919174" y="0"/>
                   </a:lnTo>
                 </a:path>
               </a:pathLst>
@@ -3562,21 +3562,21 @@
           </p:nvSpPr>
           <p:spPr>
             <a:xfrm>
-              <a:off x="2019661" y="2169947"/>
-              <a:ext cx="6917431" cy="0"/>
+              <a:off x="2017917" y="2170475"/>
+              <a:ext cx="6919174" cy="0"/>
             </a:xfrm>
             <a:custGeom>
               <a:avLst/>
               <a:pathLst>
-                <a:path w="6917431" h="0">
+                <a:path w="6919174" h="0">
                   <a:moveTo>
                     <a:pt x="0" y="0"/>
                   </a:moveTo>
                   <a:lnTo>
-                    <a:pt x="6917431" y="0"/>
-                  </a:lnTo>
-                  <a:lnTo>
-                    <a:pt x="6917431" y="0"/>
+                    <a:pt x="6919174" y="0"/>
+                  </a:lnTo>
+                  <a:lnTo>
+                    <a:pt x="6919174" y="0"/>
                   </a:lnTo>
                 </a:path>
               </a:pathLst>
@@ -3605,15 +3605,15 @@
           </p:nvSpPr>
           <p:spPr>
             <a:xfrm>
-              <a:off x="2019661" y="1590617"/>
-              <a:ext cx="0" cy="4055309"/>
+              <a:off x="2017917" y="1590617"/>
+              <a:ext cx="0" cy="4059006"/>
             </a:xfrm>
             <a:custGeom>
               <a:avLst/>
               <a:pathLst>
-                <a:path w="0" h="4055309">
+                <a:path w="0" h="4059006">
                   <a:moveTo>
-                    <a:pt x="0" y="4055309"/>
+                    <a:pt x="0" y="4059006"/>
                   </a:moveTo>
                   <a:lnTo>
                     <a:pt x="0" y="0"/>
@@ -3648,15 +3648,15 @@
           </p:nvSpPr>
           <p:spPr>
             <a:xfrm>
-              <a:off x="3280217" y="1590617"/>
-              <a:ext cx="0" cy="4055309"/>
+              <a:off x="3278792" y="1590617"/>
+              <a:ext cx="0" cy="4059006"/>
             </a:xfrm>
             <a:custGeom>
               <a:avLst/>
               <a:pathLst>
-                <a:path w="0" h="4055309">
+                <a:path w="0" h="4059006">
                   <a:moveTo>
-                    <a:pt x="0" y="4055309"/>
+                    <a:pt x="0" y="4059006"/>
                   </a:moveTo>
                   <a:lnTo>
                     <a:pt x="0" y="0"/>
@@ -3691,15 +3691,15 @@
           </p:nvSpPr>
           <p:spPr>
             <a:xfrm>
-              <a:off x="4540774" y="1590617"/>
-              <a:ext cx="0" cy="4055309"/>
+              <a:off x="4539666" y="1590617"/>
+              <a:ext cx="0" cy="4059006"/>
             </a:xfrm>
             <a:custGeom>
               <a:avLst/>
               <a:pathLst>
-                <a:path w="0" h="4055309">
+                <a:path w="0" h="4059006">
                   <a:moveTo>
-                    <a:pt x="0" y="4055309"/>
+                    <a:pt x="0" y="4059006"/>
                   </a:moveTo>
                   <a:lnTo>
                     <a:pt x="0" y="0"/>
@@ -3734,15 +3734,15 @@
           </p:nvSpPr>
           <p:spPr>
             <a:xfrm>
-              <a:off x="5801331" y="1590617"/>
-              <a:ext cx="0" cy="4055309"/>
+              <a:off x="5800541" y="1590617"/>
+              <a:ext cx="0" cy="4059006"/>
             </a:xfrm>
             <a:custGeom>
               <a:avLst/>
               <a:pathLst>
-                <a:path w="0" h="4055309">
+                <a:path w="0" h="4059006">
                   <a:moveTo>
-                    <a:pt x="0" y="4055309"/>
+                    <a:pt x="0" y="4059006"/>
                   </a:moveTo>
                   <a:lnTo>
                     <a:pt x="0" y="0"/>
@@ -3777,15 +3777,15 @@
           </p:nvSpPr>
           <p:spPr>
             <a:xfrm>
-              <a:off x="7061888" y="1590617"/>
-              <a:ext cx="0" cy="4055309"/>
+              <a:off x="7061415" y="1590617"/>
+              <a:ext cx="0" cy="4059006"/>
             </a:xfrm>
             <a:custGeom>
               <a:avLst/>
               <a:pathLst>
-                <a:path w="0" h="4055309">
+                <a:path w="0" h="4059006">
                   <a:moveTo>
-                    <a:pt x="0" y="4055309"/>
+                    <a:pt x="0" y="4059006"/>
                   </a:moveTo>
                   <a:lnTo>
                     <a:pt x="0" y="0"/>
@@ -3820,15 +3820,15 @@
           </p:nvSpPr>
           <p:spPr>
             <a:xfrm>
-              <a:off x="8322444" y="1590617"/>
-              <a:ext cx="0" cy="4055309"/>
+              <a:off x="8322290" y="1590617"/>
+              <a:ext cx="0" cy="4059006"/>
             </a:xfrm>
             <a:custGeom>
               <a:avLst/>
               <a:pathLst>
-                <a:path w="0" h="4055309">
+                <a:path w="0" h="4059006">
                   <a:moveTo>
-                    <a:pt x="0" y="4055309"/>
+                    <a:pt x="0" y="4059006"/>
                   </a:moveTo>
                   <a:lnTo>
                     <a:pt x="0" y="0"/>
@@ -3863,8 +3863,8 @@
           </p:nvSpPr>
           <p:spPr>
             <a:xfrm>
-              <a:off x="2019661" y="1735449"/>
-              <a:ext cx="6781795" cy="868994"/>
+              <a:off x="2017917" y="1735581"/>
+              <a:ext cx="6783504" cy="869787"/>
             </a:xfrm>
             <a:prstGeom prst="rect">
               <a:avLst/>
@@ -3889,8 +3889,8 @@
           </p:nvSpPr>
           <p:spPr>
             <a:xfrm>
-              <a:off x="2019661" y="2700999"/>
-              <a:ext cx="2722802" cy="868994"/>
+              <a:off x="2017917" y="2702011"/>
+              <a:ext cx="2723488" cy="869787"/>
             </a:xfrm>
             <a:prstGeom prst="rect">
               <a:avLst/>
@@ -3915,8 +3915,8 @@
           </p:nvSpPr>
           <p:spPr>
             <a:xfrm>
-              <a:off x="2019661" y="3666549"/>
-              <a:ext cx="2218579" cy="868994"/>
+              <a:off x="2017917" y="3668441"/>
+              <a:ext cx="2219139" cy="869787"/>
             </a:xfrm>
             <a:prstGeom prst="rect">
               <a:avLst/>
@@ -3941,8 +3941,8 @@
           </p:nvSpPr>
           <p:spPr>
             <a:xfrm>
-              <a:off x="2019661" y="4632099"/>
-              <a:ext cx="1096684" cy="868994"/>
+              <a:off x="2017917" y="4634872"/>
+              <a:ext cx="1096960" cy="869787"/>
             </a:xfrm>
             <a:prstGeom prst="rect">
               <a:avLst/>
@@ -3967,7 +3967,7 @@
           </p:nvSpPr>
           <p:spPr>
             <a:xfrm>
-              <a:off x="8401708" y="2113823"/>
+              <a:off x="8401638" y="2114351"/>
               <a:ext cx="48274" cy="78498"/>
             </a:xfrm>
             <a:custGeom>
@@ -4682,7 +4682,7 @@
           </p:nvSpPr>
           <p:spPr>
             <a:xfrm>
-              <a:off x="8460674" y="2158815"/>
+              <a:off x="8460604" y="2159343"/>
               <a:ext cx="26254" cy="8892"/>
             </a:xfrm>
             <a:custGeom>
@@ -4725,7 +4725,7 @@
           </p:nvSpPr>
           <p:spPr>
             <a:xfrm>
-              <a:off x="8498150" y="2114934"/>
+              <a:off x="8498080" y="2115462"/>
               <a:ext cx="46739" cy="78445"/>
             </a:xfrm>
             <a:custGeom>
@@ -5617,7 +5617,7 @@
           </p:nvSpPr>
           <p:spPr>
             <a:xfrm>
-              <a:off x="8556005" y="2104665"/>
+              <a:off x="8555935" y="2105194"/>
               <a:ext cx="99088" cy="53355"/>
             </a:xfrm>
             <a:custGeom>
@@ -5810,7 +5810,7 @@
           </p:nvSpPr>
           <p:spPr>
             <a:xfrm>
-              <a:off x="8600891" y="2140659"/>
+              <a:off x="8600821" y="2141187"/>
               <a:ext cx="8469" cy="61401"/>
             </a:xfrm>
             <a:custGeom>
@@ -5853,7 +5853,7 @@
           </p:nvSpPr>
           <p:spPr>
             <a:xfrm>
-              <a:off x="4889990" y="3106887"/>
+              <a:off x="4888969" y="3108295"/>
               <a:ext cx="48909" cy="53302"/>
             </a:xfrm>
             <a:custGeom>
@@ -5905,7 +5905,7 @@
           </p:nvSpPr>
           <p:spPr>
             <a:xfrm>
-              <a:off x="4889990" y="3164847"/>
+              <a:off x="4888969" y="3166256"/>
               <a:ext cx="48909" cy="7939"/>
             </a:xfrm>
             <a:custGeom>
@@ -5948,7 +5948,7 @@
           </p:nvSpPr>
           <p:spPr>
             <a:xfrm>
-              <a:off x="4953720" y="3095400"/>
+              <a:off x="4952699" y="3096809"/>
               <a:ext cx="28212" cy="77386"/>
             </a:xfrm>
             <a:custGeom>
@@ -6240,7 +6240,7 @@
           </p:nvSpPr>
           <p:spPr>
             <a:xfrm>
-              <a:off x="5009193" y="3094183"/>
+              <a:off x="5008172" y="3095591"/>
               <a:ext cx="49438" cy="79662"/>
             </a:xfrm>
             <a:custGeom>
@@ -6751,7 +6751,7 @@
           </p:nvSpPr>
           <p:spPr>
             <a:xfrm>
-              <a:off x="5018986" y="3102440"/>
+              <a:off x="5017964" y="3103849"/>
               <a:ext cx="29906" cy="63200"/>
             </a:xfrm>
             <a:custGeom>
@@ -7262,7 +7262,7 @@
           </p:nvSpPr>
           <p:spPr>
             <a:xfrm>
-              <a:off x="5068795" y="3085132"/>
+              <a:off x="5067773" y="3086540"/>
               <a:ext cx="99088" cy="53355"/>
             </a:xfrm>
             <a:custGeom>
@@ -7455,7 +7455,7 @@
           </p:nvSpPr>
           <p:spPr>
             <a:xfrm>
-              <a:off x="5113681" y="3121125"/>
+              <a:off x="5112660" y="3122534"/>
               <a:ext cx="8469" cy="61401"/>
             </a:xfrm>
             <a:custGeom>
@@ -7498,7 +7498,7 @@
           </p:nvSpPr>
           <p:spPr>
             <a:xfrm>
-              <a:off x="4386350" y="4059839"/>
+              <a:off x="4385201" y="4062127"/>
               <a:ext cx="48750" cy="79556"/>
             </a:xfrm>
             <a:custGeom>
@@ -8555,7 +8555,7 @@
           </p:nvSpPr>
           <p:spPr>
             <a:xfrm>
-              <a:off x="4395983" y="4097473"/>
+              <a:off x="4394835" y="4099762"/>
               <a:ext cx="29800" cy="33823"/>
             </a:xfrm>
             <a:custGeom>
@@ -9066,7 +9066,7 @@
           </p:nvSpPr>
           <p:spPr>
             <a:xfrm>
-              <a:off x="4444416" y="4104831"/>
+              <a:off x="4443268" y="4107120"/>
               <a:ext cx="26254" cy="8892"/>
             </a:xfrm>
             <a:custGeom>
@@ -9109,7 +9109,7 @@
           </p:nvSpPr>
           <p:spPr>
             <a:xfrm>
-              <a:off x="4484380" y="4060950"/>
+              <a:off x="4483231" y="4063239"/>
               <a:ext cx="28212" cy="77386"/>
             </a:xfrm>
             <a:custGeom>
@@ -9401,7 +9401,7 @@
           </p:nvSpPr>
           <p:spPr>
             <a:xfrm>
-              <a:off x="4539853" y="4059733"/>
+              <a:off x="4538704" y="4062022"/>
               <a:ext cx="49438" cy="79662"/>
             </a:xfrm>
             <a:custGeom>
@@ -9912,7 +9912,7 @@
           </p:nvSpPr>
           <p:spPr>
             <a:xfrm>
-              <a:off x="4549645" y="4067990"/>
+              <a:off x="4548497" y="4070279"/>
               <a:ext cx="29906" cy="63200"/>
             </a:xfrm>
             <a:custGeom>
@@ -10423,7 +10423,7 @@
           </p:nvSpPr>
           <p:spPr>
             <a:xfrm>
-              <a:off x="4599454" y="4050681"/>
+              <a:off x="4598306" y="4052970"/>
               <a:ext cx="99088" cy="53355"/>
             </a:xfrm>
             <a:custGeom>
@@ -10616,7 +10616,7 @@
           </p:nvSpPr>
           <p:spPr>
             <a:xfrm>
-              <a:off x="4644341" y="4086675"/>
+              <a:off x="4643192" y="4088964"/>
               <a:ext cx="8469" cy="61401"/>
             </a:xfrm>
             <a:custGeom>
@@ -10659,7 +10659,7 @@
           </p:nvSpPr>
           <p:spPr>
             <a:xfrm>
-              <a:off x="3287268" y="5015384"/>
+              <a:off x="3285837" y="5018553"/>
               <a:ext cx="15244" cy="13974"/>
             </a:xfrm>
             <a:custGeom>
@@ -10756,7 +10756,7 @@
           </p:nvSpPr>
           <p:spPr>
             <a:xfrm>
-              <a:off x="3265672" y="5015384"/>
+              <a:off x="3264240" y="5018553"/>
               <a:ext cx="93584" cy="99088"/>
             </a:xfrm>
             <a:custGeom>
@@ -10901,7 +10901,7 @@
           </p:nvSpPr>
           <p:spPr>
             <a:xfrm>
-              <a:off x="3284304" y="5039521"/>
+              <a:off x="3282872" y="5042690"/>
               <a:ext cx="23713" cy="11009"/>
             </a:xfrm>
             <a:custGeom>
@@ -10944,7 +10944,7 @@
           </p:nvSpPr>
           <p:spPr>
             <a:xfrm>
-              <a:off x="3316910" y="5039521"/>
+              <a:off x="3315479" y="5042690"/>
               <a:ext cx="23713" cy="11009"/>
             </a:xfrm>
             <a:custGeom>
@@ -10987,7 +10987,7 @@
           </p:nvSpPr>
           <p:spPr>
             <a:xfrm>
-              <a:off x="3284304" y="5058577"/>
+              <a:off x="3282872" y="5061746"/>
               <a:ext cx="23713" cy="11009"/>
             </a:xfrm>
             <a:custGeom>
@@ -11030,7 +11030,7 @@
           </p:nvSpPr>
           <p:spPr>
             <a:xfrm>
-              <a:off x="3316910" y="5058577"/>
+              <a:off x="3315479" y="5061746"/>
               <a:ext cx="23713" cy="11009"/>
             </a:xfrm>
             <a:custGeom>
@@ -11073,7 +11073,7 @@
           </p:nvSpPr>
           <p:spPr>
             <a:xfrm>
-              <a:off x="3375770" y="5056460"/>
+              <a:off x="3374339" y="5059629"/>
               <a:ext cx="90196" cy="8045"/>
             </a:xfrm>
             <a:custGeom>
@@ -11116,7 +11116,7 @@
           </p:nvSpPr>
           <p:spPr>
             <a:xfrm>
-              <a:off x="3481635" y="5016231"/>
+              <a:off x="3480203" y="5019400"/>
               <a:ext cx="95701" cy="22019"/>
             </a:xfrm>
             <a:custGeom>
@@ -11207,7 +11207,7 @@
           </p:nvSpPr>
           <p:spPr>
             <a:xfrm>
-              <a:off x="3487987" y="5041215"/>
+              <a:off x="3486555" y="5044384"/>
               <a:ext cx="82997" cy="72411"/>
             </a:xfrm>
             <a:custGeom>
@@ -11262,7 +11262,7 @@
           </p:nvSpPr>
           <p:spPr>
             <a:xfrm>
-              <a:off x="3496456" y="5048837"/>
+              <a:off x="3495024" y="5052006"/>
               <a:ext cx="66059" cy="52932"/>
             </a:xfrm>
             <a:custGeom>
@@ -11305,7 +11305,7 @@
           </p:nvSpPr>
           <p:spPr>
             <a:xfrm>
-              <a:off x="3500690" y="5052225"/>
+              <a:off x="3499259" y="5055394"/>
               <a:ext cx="57166" cy="47003"/>
             </a:xfrm>
             <a:custGeom>
@@ -11474,7 +11474,7 @@
           </p:nvSpPr>
           <p:spPr>
             <a:xfrm>
-              <a:off x="3537954" y="5079326"/>
+              <a:off x="3536523" y="5082495"/>
               <a:ext cx="17785" cy="17361"/>
             </a:xfrm>
             <a:custGeom>
@@ -11571,7 +11571,7 @@
           </p:nvSpPr>
           <p:spPr>
             <a:xfrm>
-              <a:off x="3587922" y="5016231"/>
+              <a:off x="3586491" y="5019400"/>
               <a:ext cx="34723" cy="97395"/>
             </a:xfrm>
             <a:custGeom>
@@ -11767,7 +11767,7 @@
           </p:nvSpPr>
           <p:spPr>
             <a:xfrm>
-              <a:off x="3617141" y="5016231"/>
+              <a:off x="3615710" y="5019400"/>
               <a:ext cx="70717" cy="97395"/>
             </a:xfrm>
             <a:custGeom>
@@ -12077,8 +12077,8 @@
           </p:nvSpPr>
           <p:spPr>
             <a:xfrm>
-              <a:off x="2019661" y="1590617"/>
-              <a:ext cx="6917431" cy="4055309"/>
+              <a:off x="2017917" y="1590617"/>
+              <a:ext cx="6919174" cy="4059006"/>
             </a:xfrm>
             <a:prstGeom prst="rect">
               <a:avLst/>
@@ -12107,7 +12107,7 @@
           </p:nvSpPr>
           <p:spPr>
             <a:xfrm>
-              <a:off x="1924402" y="5028151"/>
+              <a:off x="1922659" y="5031320"/>
               <a:ext cx="59863" cy="76889"/>
             </a:xfrm>
             <a:custGeom>
@@ -12171,7 +12171,7 @@
           </p:nvSpPr>
           <p:spPr>
             <a:xfrm>
-              <a:off x="1936899" y="5042138"/>
+              <a:off x="1935155" y="5045307"/>
               <a:ext cx="22952" cy="35836"/>
             </a:xfrm>
             <a:custGeom>
@@ -12448,7 +12448,7 @@
           </p:nvSpPr>
           <p:spPr>
             <a:xfrm>
-              <a:off x="1925275" y="4061456"/>
+              <a:off x="1923532" y="4063744"/>
               <a:ext cx="55552" cy="79290"/>
             </a:xfrm>
             <a:custGeom>
@@ -13371,7 +13371,7 @@
                     <a:pt x="26919" y="13"/>
                   </a:lnTo>
                   <a:lnTo>
-                    <a:pt x="27939" y="0"/>
+                    <a:pt x="27940" y="0"/>
                   </a:lnTo>
                   <a:lnTo>
                     <a:pt x="29274" y="16"/>
@@ -13757,7 +13757,7 @@
           </p:nvSpPr>
           <p:spPr>
             <a:xfrm>
-              <a:off x="1926585" y="3095906"/>
+              <a:off x="1924841" y="3097314"/>
               <a:ext cx="53806" cy="78035"/>
             </a:xfrm>
             <a:custGeom>
@@ -14523,7 +14523,7 @@
           </p:nvSpPr>
           <p:spPr>
             <a:xfrm>
-              <a:off x="1929750" y="2131502"/>
+              <a:off x="1928007" y="2132030"/>
               <a:ext cx="52005" cy="76889"/>
             </a:xfrm>
             <a:custGeom>
@@ -14587,7 +14587,7 @@
           </p:nvSpPr>
           <p:spPr>
             <a:xfrm>
-              <a:off x="1984866" y="5066596"/>
+              <a:off x="1983123" y="5069765"/>
               <a:ext cx="34794" cy="0"/>
             </a:xfrm>
             <a:custGeom>
@@ -14627,7 +14627,7 @@
           </p:nvSpPr>
           <p:spPr>
             <a:xfrm>
-              <a:off x="1984866" y="4101046"/>
+              <a:off x="1983123" y="4103335"/>
               <a:ext cx="34794" cy="0"/>
             </a:xfrm>
             <a:custGeom>
@@ -14667,7 +14667,7 @@
           </p:nvSpPr>
           <p:spPr>
             <a:xfrm>
-              <a:off x="1984866" y="3135496"/>
+              <a:off x="1983123" y="3136905"/>
               <a:ext cx="34794" cy="0"/>
             </a:xfrm>
             <a:custGeom>
@@ -14707,7 +14707,7 @@
           </p:nvSpPr>
           <p:spPr>
             <a:xfrm>
-              <a:off x="1984866" y="2169947"/>
+              <a:off x="1983123" y="2170475"/>
               <a:ext cx="34794" cy="0"/>
             </a:xfrm>
             <a:custGeom>
@@ -14747,7 +14747,7 @@
           </p:nvSpPr>
           <p:spPr>
             <a:xfrm>
-              <a:off x="2019661" y="5645926"/>
+              <a:off x="2017917" y="5649623"/>
               <a:ext cx="0" cy="34794"/>
             </a:xfrm>
             <a:custGeom>
@@ -14787,7 +14787,7 @@
           </p:nvSpPr>
           <p:spPr>
             <a:xfrm>
-              <a:off x="3280217" y="5645926"/>
+              <a:off x="3278792" y="5649623"/>
               <a:ext cx="0" cy="34794"/>
             </a:xfrm>
             <a:custGeom>
@@ -14827,7 +14827,7 @@
           </p:nvSpPr>
           <p:spPr>
             <a:xfrm>
-              <a:off x="4540774" y="5645926"/>
+              <a:off x="4539666" y="5649623"/>
               <a:ext cx="0" cy="34794"/>
             </a:xfrm>
             <a:custGeom>
@@ -14867,7 +14867,7 @@
           </p:nvSpPr>
           <p:spPr>
             <a:xfrm>
-              <a:off x="5801331" y="5645926"/>
+              <a:off x="5800541" y="5649623"/>
               <a:ext cx="0" cy="34794"/>
             </a:xfrm>
             <a:custGeom>
@@ -14907,7 +14907,7 @@
           </p:nvSpPr>
           <p:spPr>
             <a:xfrm>
-              <a:off x="7061888" y="5645926"/>
+              <a:off x="7061415" y="5649623"/>
               <a:ext cx="0" cy="34794"/>
             </a:xfrm>
             <a:custGeom>
@@ -14947,7 +14947,7 @@
           </p:nvSpPr>
           <p:spPr>
             <a:xfrm>
-              <a:off x="8322444" y="5645926"/>
+              <a:off x="8322290" y="5649623"/>
               <a:ext cx="0" cy="34794"/>
             </a:xfrm>
             <a:custGeom>
@@ -14987,7 +14987,7 @@
           </p:nvSpPr>
           <p:spPr>
             <a:xfrm>
-              <a:off x="1992948" y="5707410"/>
+              <a:off x="1991205" y="5711107"/>
               <a:ext cx="53424" cy="79126"/>
             </a:xfrm>
             <a:custGeom>
@@ -15430,7 +15430,7 @@
                     <a:pt x="48312" y="12306"/>
                   </a:lnTo>
                   <a:lnTo>
-                    <a:pt x="48894" y="13492"/>
+                    <a:pt x="48895" y="13492"/>
                   </a:lnTo>
                   <a:lnTo>
                     <a:pt x="49447" y="14740"/>
@@ -15498,7 +15498,7 @@
           </p:nvSpPr>
           <p:spPr>
             <a:xfrm>
-              <a:off x="2002880" y="5715377"/>
+              <a:off x="2001137" y="5719075"/>
               <a:ext cx="33506" cy="63137"/>
             </a:xfrm>
             <a:custGeom>
@@ -16009,7 +16009,7 @@
           </p:nvSpPr>
           <p:spPr>
             <a:xfrm>
-              <a:off x="3195497" y="5708556"/>
+              <a:off x="3194071" y="5712253"/>
               <a:ext cx="48185" cy="76889"/>
             </a:xfrm>
             <a:custGeom>
@@ -16073,7 +16073,7 @@
           </p:nvSpPr>
           <p:spPr>
             <a:xfrm>
-              <a:off x="3253505" y="5707410"/>
+              <a:off x="3252079" y="5711107"/>
               <a:ext cx="53424" cy="79126"/>
             </a:xfrm>
             <a:custGeom>
@@ -16584,7 +16584,7 @@
           </p:nvSpPr>
           <p:spPr>
             <a:xfrm>
-              <a:off x="3263437" y="5715377"/>
+              <a:off x="3262011" y="5719075"/>
               <a:ext cx="33506" cy="63137"/>
             </a:xfrm>
             <a:custGeom>
@@ -17095,7 +17095,7 @@
           </p:nvSpPr>
           <p:spPr>
             <a:xfrm>
-              <a:off x="3315661" y="5707410"/>
+              <a:off x="3314235" y="5711107"/>
               <a:ext cx="53424" cy="79126"/>
             </a:xfrm>
             <a:custGeom>
@@ -17606,7 +17606,7 @@
           </p:nvSpPr>
           <p:spPr>
             <a:xfrm>
-              <a:off x="3325593" y="5715377"/>
+              <a:off x="3324167" y="5719075"/>
               <a:ext cx="33506" cy="63137"/>
             </a:xfrm>
             <a:custGeom>
@@ -18117,7 +18117,7 @@
           </p:nvSpPr>
           <p:spPr>
             <a:xfrm>
-              <a:off x="4453162" y="5707410"/>
+              <a:off x="4452053" y="5711107"/>
               <a:ext cx="50914" cy="78035"/>
             </a:xfrm>
             <a:custGeom>
@@ -19063,7 +19063,7 @@
           </p:nvSpPr>
           <p:spPr>
             <a:xfrm>
-              <a:off x="4514062" y="5707410"/>
+              <a:off x="4512954" y="5711107"/>
               <a:ext cx="53424" cy="79126"/>
             </a:xfrm>
             <a:custGeom>
@@ -19574,7 +19574,7 @@
           </p:nvSpPr>
           <p:spPr>
             <a:xfrm>
-              <a:off x="4523994" y="5715377"/>
+              <a:off x="4522886" y="5719075"/>
               <a:ext cx="33506" cy="63137"/>
             </a:xfrm>
             <a:custGeom>
@@ -20085,7 +20085,7 @@
           </p:nvSpPr>
           <p:spPr>
             <a:xfrm>
-              <a:off x="4576218" y="5707410"/>
+              <a:off x="4575110" y="5711107"/>
               <a:ext cx="53424" cy="79126"/>
             </a:xfrm>
             <a:custGeom>
@@ -20596,7 +20596,7 @@
           </p:nvSpPr>
           <p:spPr>
             <a:xfrm>
-              <a:off x="4586149" y="5715377"/>
+              <a:off x="4585041" y="5719075"/>
               <a:ext cx="33506" cy="63137"/>
             </a:xfrm>
             <a:custGeom>
@@ -21107,7 +21107,7 @@
           </p:nvSpPr>
           <p:spPr>
             <a:xfrm>
-              <a:off x="5712354" y="5707410"/>
+              <a:off x="5711564" y="5711107"/>
               <a:ext cx="52987" cy="79126"/>
             </a:xfrm>
             <a:custGeom>
@@ -22416,7 +22416,7 @@
           </p:nvSpPr>
           <p:spPr>
             <a:xfrm>
-              <a:off x="5774619" y="5707410"/>
+              <a:off x="5773828" y="5711107"/>
               <a:ext cx="53424" cy="79126"/>
             </a:xfrm>
             <a:custGeom>
@@ -22927,7 +22927,7 @@
           </p:nvSpPr>
           <p:spPr>
             <a:xfrm>
-              <a:off x="5784551" y="5715377"/>
+              <a:off x="5783760" y="5719075"/>
               <a:ext cx="33506" cy="63137"/>
             </a:xfrm>
             <a:custGeom>
@@ -23438,7 +23438,7 @@
           </p:nvSpPr>
           <p:spPr>
             <a:xfrm>
-              <a:off x="5836774" y="5707410"/>
+              <a:off x="5835984" y="5711107"/>
               <a:ext cx="53424" cy="79126"/>
             </a:xfrm>
             <a:custGeom>
@@ -23949,7 +23949,7 @@
           </p:nvSpPr>
           <p:spPr>
             <a:xfrm>
-              <a:off x="5846706" y="5715377"/>
+              <a:off x="5845916" y="5719075"/>
               <a:ext cx="33506" cy="63137"/>
             </a:xfrm>
             <a:custGeom>
@@ -24460,7 +24460,7 @@
           </p:nvSpPr>
           <p:spPr>
             <a:xfrm>
-              <a:off x="6971219" y="5708556"/>
+              <a:off x="6970746" y="5712253"/>
               <a:ext cx="56316" cy="76889"/>
             </a:xfrm>
             <a:custGeom>
@@ -24524,7 +24524,7 @@
           </p:nvSpPr>
           <p:spPr>
             <a:xfrm>
-              <a:off x="6980278" y="5720283"/>
+              <a:off x="6979805" y="5723981"/>
               <a:ext cx="27176" cy="40005"/>
             </a:xfrm>
             <a:custGeom>
@@ -24738,7 +24738,7 @@
           </p:nvSpPr>
           <p:spPr>
             <a:xfrm>
-              <a:off x="7035176" y="5707410"/>
+              <a:off x="7034703" y="5711107"/>
               <a:ext cx="53424" cy="79126"/>
             </a:xfrm>
             <a:custGeom>
@@ -25249,7 +25249,7 @@
           </p:nvSpPr>
           <p:spPr>
             <a:xfrm>
-              <a:off x="7045107" y="5715377"/>
+              <a:off x="7044635" y="5719075"/>
               <a:ext cx="33506" cy="63137"/>
             </a:xfrm>
             <a:custGeom>
@@ -25760,7 +25760,7 @@
           </p:nvSpPr>
           <p:spPr>
             <a:xfrm>
-              <a:off x="7097331" y="5707410"/>
+              <a:off x="7096858" y="5711107"/>
               <a:ext cx="53424" cy="79126"/>
             </a:xfrm>
             <a:custGeom>
@@ -26271,7 +26271,7 @@
           </p:nvSpPr>
           <p:spPr>
             <a:xfrm>
-              <a:off x="7107263" y="5715377"/>
+              <a:off x="7106790" y="5719075"/>
               <a:ext cx="33506" cy="63137"/>
             </a:xfrm>
             <a:custGeom>
@@ -26782,7 +26782,7 @@
           </p:nvSpPr>
           <p:spPr>
             <a:xfrm>
-              <a:off x="8233686" y="5708556"/>
+              <a:off x="8233531" y="5712253"/>
               <a:ext cx="52987" cy="77980"/>
             </a:xfrm>
             <a:custGeom>
@@ -27734,7 +27734,7 @@
           </p:nvSpPr>
           <p:spPr>
             <a:xfrm>
-              <a:off x="8295732" y="5707410"/>
+              <a:off x="8295577" y="5711107"/>
               <a:ext cx="53424" cy="79126"/>
             </a:xfrm>
             <a:custGeom>
@@ -28245,7 +28245,7 @@
           </p:nvSpPr>
           <p:spPr>
             <a:xfrm>
-              <a:off x="8305664" y="5715377"/>
+              <a:off x="8305509" y="5719075"/>
               <a:ext cx="33506" cy="63137"/>
             </a:xfrm>
             <a:custGeom>
@@ -28756,7 +28756,7 @@
           </p:nvSpPr>
           <p:spPr>
             <a:xfrm>
-              <a:off x="8357888" y="5707410"/>
+              <a:off x="8357733" y="5711107"/>
               <a:ext cx="53424" cy="79126"/>
             </a:xfrm>
             <a:custGeom>
@@ -29267,7 +29267,7 @@
           </p:nvSpPr>
           <p:spPr>
             <a:xfrm>
-              <a:off x="8367820" y="5715377"/>
+              <a:off x="8367665" y="5719075"/>
               <a:ext cx="33506" cy="63137"/>
             </a:xfrm>
             <a:custGeom>
